--- a/Review4.pptx
+++ b/Review4.pptx
@@ -2741,6 +2741,788 @@
 </file>
 
 <file path=ppt/diagrams/colors4.xml><?xml version="1.0" encoding="utf-8"?>
+<dgm:colorsDef xmlns:dgm="http://schemas.openxmlformats.org/drawingml/2006/diagram" xmlns:a="http://schemas.openxmlformats.org/drawingml/2006/main" uniqueId="urn:microsoft.com/office/officeart/2005/8/colors/colorful4">
+  <dgm:title val=""/>
+  <dgm:desc val=""/>
+  <dgm:catLst>
+    <dgm:cat type="colorful" pri="10400"/>
+  </dgm:catLst>
+  <dgm:styleLbl name="node0">
+    <dgm:fillClrLst meth="repeat">
+      <a:schemeClr val="accent3"/>
+    </dgm:fillClrLst>
+    <dgm:linClrLst meth="repeat">
+      <a:schemeClr val="lt1"/>
+    </dgm:linClrLst>
+    <dgm:effectClrLst/>
+    <dgm:txLinClrLst/>
+    <dgm:txFillClrLst/>
+    <dgm:txEffectClrLst/>
+  </dgm:styleLbl>
+  <dgm:styleLbl name="node1">
+    <dgm:fillClrLst>
+      <a:schemeClr val="accent4"/>
+      <a:schemeClr val="accent5"/>
+    </dgm:fillClrLst>
+    <dgm:linClrLst meth="repeat">
+      <a:schemeClr val="lt1"/>
+    </dgm:linClrLst>
+    <dgm:effectClrLst/>
+    <dgm:txLinClrLst/>
+    <dgm:txFillClrLst/>
+    <dgm:txEffectClrLst/>
+  </dgm:styleLbl>
+  <dgm:styleLbl name="alignNode1">
+    <dgm:fillClrLst>
+      <a:schemeClr val="accent4"/>
+      <a:schemeClr val="accent5"/>
+    </dgm:fillClrLst>
+    <dgm:linClrLst>
+      <a:schemeClr val="accent4"/>
+      <a:schemeClr val="accent5"/>
+    </dgm:linClrLst>
+    <dgm:effectClrLst/>
+    <dgm:txLinClrLst/>
+    <dgm:txFillClrLst/>
+    <dgm:txEffectClrLst/>
+  </dgm:styleLbl>
+  <dgm:styleLbl name="lnNode1">
+    <dgm:fillClrLst>
+      <a:schemeClr val="accent4"/>
+      <a:schemeClr val="accent5"/>
+    </dgm:fillClrLst>
+    <dgm:linClrLst meth="repeat">
+      <a:schemeClr val="lt1"/>
+    </dgm:linClrLst>
+    <dgm:effectClrLst/>
+    <dgm:txLinClrLst/>
+    <dgm:txFillClrLst/>
+    <dgm:txEffectClrLst/>
+  </dgm:styleLbl>
+  <dgm:styleLbl name="vennNode1">
+    <dgm:fillClrLst>
+      <a:schemeClr val="accent4">
+        <a:alpha val="50000"/>
+      </a:schemeClr>
+      <a:schemeClr val="accent5">
+        <a:alpha val="50000"/>
+      </a:schemeClr>
+    </dgm:fillClrLst>
+    <dgm:linClrLst meth="repeat">
+      <a:schemeClr val="lt1"/>
+    </dgm:linClrLst>
+    <dgm:effectClrLst/>
+    <dgm:txLinClrLst/>
+    <dgm:txFillClrLst/>
+    <dgm:txEffectClrLst/>
+  </dgm:styleLbl>
+  <dgm:styleLbl name="node2">
+    <dgm:fillClrLst>
+      <a:schemeClr val="accent5"/>
+    </dgm:fillClrLst>
+    <dgm:linClrLst meth="repeat">
+      <a:schemeClr val="lt1"/>
+    </dgm:linClrLst>
+    <dgm:effectClrLst/>
+    <dgm:txLinClrLst/>
+    <dgm:txFillClrLst/>
+    <dgm:txEffectClrLst/>
+  </dgm:styleLbl>
+  <dgm:styleLbl name="node3">
+    <dgm:fillClrLst>
+      <a:schemeClr val="accent6"/>
+    </dgm:fillClrLst>
+    <dgm:linClrLst meth="repeat">
+      <a:schemeClr val="lt1"/>
+    </dgm:linClrLst>
+    <dgm:effectClrLst/>
+    <dgm:txLinClrLst/>
+    <dgm:txFillClrLst/>
+    <dgm:txEffectClrLst/>
+  </dgm:styleLbl>
+  <dgm:styleLbl name="node4">
+    <dgm:fillClrLst>
+      <a:schemeClr val="accent1"/>
+    </dgm:fillClrLst>
+    <dgm:linClrLst meth="repeat">
+      <a:schemeClr val="lt1"/>
+    </dgm:linClrLst>
+    <dgm:effectClrLst/>
+    <dgm:txLinClrLst/>
+    <dgm:txFillClrLst/>
+    <dgm:txEffectClrLst/>
+  </dgm:styleLbl>
+  <dgm:styleLbl name="fgImgPlace1">
+    <dgm:fillClrLst>
+      <a:schemeClr val="accent4">
+        <a:tint val="50000"/>
+      </a:schemeClr>
+      <a:schemeClr val="accent5">
+        <a:tint val="50000"/>
+      </a:schemeClr>
+    </dgm:fillClrLst>
+    <dgm:linClrLst meth="repeat">
+      <a:schemeClr val="lt1"/>
+    </dgm:linClrLst>
+    <dgm:effectClrLst/>
+    <dgm:txLinClrLst/>
+    <dgm:txFillClrLst meth="repeat">
+      <a:schemeClr val="lt1"/>
+    </dgm:txFillClrLst>
+    <dgm:txEffectClrLst/>
+  </dgm:styleLbl>
+  <dgm:styleLbl name="alignImgPlace1">
+    <dgm:fillClrLst>
+      <a:schemeClr val="accent4">
+        <a:tint val="50000"/>
+      </a:schemeClr>
+      <a:schemeClr val="accent5">
+        <a:tint val="20000"/>
+      </a:schemeClr>
+    </dgm:fillClrLst>
+    <dgm:linClrLst meth="repeat">
+      <a:schemeClr val="lt1"/>
+    </dgm:linClrLst>
+    <dgm:effectClrLst/>
+    <dgm:txLinClrLst/>
+    <dgm:txFillClrLst meth="repeat">
+      <a:schemeClr val="lt1"/>
+    </dgm:txFillClrLst>
+    <dgm:txEffectClrLst/>
+  </dgm:styleLbl>
+  <dgm:styleLbl name="bgImgPlace1">
+    <dgm:fillClrLst>
+      <a:schemeClr val="accent4">
+        <a:tint val="50000"/>
+      </a:schemeClr>
+      <a:schemeClr val="accent5">
+        <a:tint val="20000"/>
+      </a:schemeClr>
+    </dgm:fillClrLst>
+    <dgm:linClrLst meth="repeat">
+      <a:schemeClr val="lt1"/>
+    </dgm:linClrLst>
+    <dgm:effectClrLst/>
+    <dgm:txLinClrLst/>
+    <dgm:txFillClrLst meth="repeat">
+      <a:schemeClr val="lt1"/>
+    </dgm:txFillClrLst>
+    <dgm:txEffectClrLst/>
+  </dgm:styleLbl>
+  <dgm:styleLbl name="sibTrans2D1">
+    <dgm:fillClrLst>
+      <a:schemeClr val="accent4"/>
+      <a:schemeClr val="accent5"/>
+    </dgm:fillClrLst>
+    <dgm:linClrLst meth="repeat">
+      <a:schemeClr val="lt1"/>
+    </dgm:linClrLst>
+    <dgm:effectClrLst/>
+    <dgm:txLinClrLst/>
+    <dgm:txFillClrLst/>
+    <dgm:txEffectClrLst/>
+  </dgm:styleLbl>
+  <dgm:styleLbl name="fgSibTrans2D1">
+    <dgm:fillClrLst>
+      <a:schemeClr val="accent4"/>
+      <a:schemeClr val="accent5"/>
+    </dgm:fillClrLst>
+    <dgm:linClrLst meth="repeat">
+      <a:schemeClr val="lt1"/>
+    </dgm:linClrLst>
+    <dgm:effectClrLst/>
+    <dgm:txLinClrLst/>
+    <dgm:txFillClrLst meth="repeat">
+      <a:schemeClr val="lt1"/>
+    </dgm:txFillClrLst>
+    <dgm:txEffectClrLst/>
+  </dgm:styleLbl>
+  <dgm:styleLbl name="bgSibTrans2D1">
+    <dgm:fillClrLst>
+      <a:schemeClr val="accent4"/>
+      <a:schemeClr val="accent5"/>
+    </dgm:fillClrLst>
+    <dgm:linClrLst meth="repeat">
+      <a:schemeClr val="lt1"/>
+    </dgm:linClrLst>
+    <dgm:effectClrLst/>
+    <dgm:txLinClrLst/>
+    <dgm:txFillClrLst meth="repeat">
+      <a:schemeClr val="lt1"/>
+    </dgm:txFillClrLst>
+    <dgm:txEffectClrLst/>
+  </dgm:styleLbl>
+  <dgm:styleLbl name="sibTrans1D1">
+    <dgm:fillClrLst/>
+    <dgm:linClrLst>
+      <a:schemeClr val="accent4"/>
+      <a:schemeClr val="accent5"/>
+    </dgm:linClrLst>
+    <dgm:effectClrLst/>
+    <dgm:txLinClrLst/>
+    <dgm:txFillClrLst meth="repeat">
+      <a:schemeClr val="tx1"/>
+    </dgm:txFillClrLst>
+    <dgm:txEffectClrLst/>
+  </dgm:styleLbl>
+  <dgm:styleLbl name="callout">
+    <dgm:fillClrLst meth="repeat">
+      <a:schemeClr val="accent4"/>
+    </dgm:fillClrLst>
+    <dgm:linClrLst meth="repeat">
+      <a:schemeClr val="accent4">
+        <a:tint val="50000"/>
+      </a:schemeClr>
+    </dgm:linClrLst>
+    <dgm:effectClrLst/>
+    <dgm:txLinClrLst/>
+    <dgm:txFillClrLst meth="repeat">
+      <a:schemeClr val="tx1"/>
+    </dgm:txFillClrLst>
+    <dgm:txEffectClrLst/>
+  </dgm:styleLbl>
+  <dgm:styleLbl name="asst0">
+    <dgm:fillClrLst meth="repeat">
+      <a:schemeClr val="accent4"/>
+    </dgm:fillClrLst>
+    <dgm:linClrLst meth="repeat">
+      <a:schemeClr val="lt1">
+        <a:shade val="80000"/>
+      </a:schemeClr>
+    </dgm:linClrLst>
+    <dgm:effectClrLst/>
+    <dgm:txLinClrLst/>
+    <dgm:txFillClrLst/>
+    <dgm:txEffectClrLst/>
+  </dgm:styleLbl>
+  <dgm:styleLbl name="asst1">
+    <dgm:fillClrLst meth="repeat">
+      <a:schemeClr val="accent5"/>
+    </dgm:fillClrLst>
+    <dgm:linClrLst meth="repeat">
+      <a:schemeClr val="lt1">
+        <a:shade val="80000"/>
+      </a:schemeClr>
+    </dgm:linClrLst>
+    <dgm:effectClrLst/>
+    <dgm:txLinClrLst/>
+    <dgm:txFillClrLst/>
+    <dgm:txEffectClrLst/>
+  </dgm:styleLbl>
+  <dgm:styleLbl name="asst2">
+    <dgm:fillClrLst>
+      <a:schemeClr val="accent6"/>
+    </dgm:fillClrLst>
+    <dgm:linClrLst meth="repeat">
+      <a:schemeClr val="lt1"/>
+    </dgm:linClrLst>
+    <dgm:effectClrLst/>
+    <dgm:txLinClrLst/>
+    <dgm:txFillClrLst/>
+    <dgm:txEffectClrLst/>
+  </dgm:styleLbl>
+  <dgm:styleLbl name="asst3">
+    <dgm:fillClrLst>
+      <a:schemeClr val="accent1"/>
+    </dgm:fillClrLst>
+    <dgm:linClrLst meth="repeat">
+      <a:schemeClr val="lt1"/>
+    </dgm:linClrLst>
+    <dgm:effectClrLst/>
+    <dgm:txLinClrLst/>
+    <dgm:txFillClrLst/>
+    <dgm:txEffectClrLst/>
+  </dgm:styleLbl>
+  <dgm:styleLbl name="asst4">
+    <dgm:fillClrLst>
+      <a:schemeClr val="accent2"/>
+    </dgm:fillClrLst>
+    <dgm:linClrLst meth="repeat">
+      <a:schemeClr val="lt1"/>
+    </dgm:linClrLst>
+    <dgm:effectClrLst/>
+    <dgm:txLinClrLst/>
+    <dgm:txFillClrLst/>
+    <dgm:txEffectClrLst/>
+  </dgm:styleLbl>
+  <dgm:styleLbl name="parChTrans2D1">
+    <dgm:fillClrLst meth="repeat">
+      <a:schemeClr val="accent4"/>
+    </dgm:fillClrLst>
+    <dgm:linClrLst meth="repeat">
+      <a:schemeClr val="lt1"/>
+    </dgm:linClrLst>
+    <dgm:effectClrLst/>
+    <dgm:txLinClrLst/>
+    <dgm:txFillClrLst meth="repeat">
+      <a:schemeClr val="lt1"/>
+    </dgm:txFillClrLst>
+    <dgm:txEffectClrLst/>
+  </dgm:styleLbl>
+  <dgm:styleLbl name="parChTrans2D2">
+    <dgm:fillClrLst meth="repeat">
+      <a:schemeClr val="accent5"/>
+    </dgm:fillClrLst>
+    <dgm:linClrLst meth="repeat">
+      <a:schemeClr val="lt1"/>
+    </dgm:linClrLst>
+    <dgm:effectClrLst/>
+    <dgm:txLinClrLst/>
+    <dgm:txFillClrLst/>
+    <dgm:txEffectClrLst/>
+  </dgm:styleLbl>
+  <dgm:styleLbl name="parChTrans2D3">
+    <dgm:fillClrLst meth="repeat">
+      <a:schemeClr val="accent5"/>
+    </dgm:fillClrLst>
+    <dgm:linClrLst meth="repeat">
+      <a:schemeClr val="lt1"/>
+    </dgm:linClrLst>
+    <dgm:effectClrLst/>
+    <dgm:txLinClrLst/>
+    <dgm:txFillClrLst/>
+    <dgm:txEffectClrLst/>
+  </dgm:styleLbl>
+  <dgm:styleLbl name="parChTrans2D4">
+    <dgm:fillClrLst meth="repeat">
+      <a:schemeClr val="accent6"/>
+    </dgm:fillClrLst>
+    <dgm:linClrLst meth="repeat">
+      <a:schemeClr val="lt1"/>
+    </dgm:linClrLst>
+    <dgm:effectClrLst/>
+    <dgm:txLinClrLst/>
+    <dgm:txFillClrLst meth="repeat">
+      <a:schemeClr val="lt1"/>
+    </dgm:txFillClrLst>
+    <dgm:txEffectClrLst/>
+  </dgm:styleLbl>
+  <dgm:styleLbl name="parChTrans1D1">
+    <dgm:fillClrLst meth="repeat">
+      <a:schemeClr val="accent4"/>
+    </dgm:fillClrLst>
+    <dgm:linClrLst meth="repeat">
+      <a:schemeClr val="accent4"/>
+    </dgm:linClrLst>
+    <dgm:effectClrLst/>
+    <dgm:txLinClrLst/>
+    <dgm:txFillClrLst meth="repeat">
+      <a:schemeClr val="tx1"/>
+    </dgm:txFillClrLst>
+    <dgm:txEffectClrLst/>
+  </dgm:styleLbl>
+  <dgm:styleLbl name="parChTrans1D2">
+    <dgm:fillClrLst meth="repeat">
+      <a:schemeClr val="accent4">
+        <a:tint val="90000"/>
+      </a:schemeClr>
+    </dgm:fillClrLst>
+    <dgm:linClrLst meth="repeat">
+      <a:schemeClr val="accent5"/>
+    </dgm:linClrLst>
+    <dgm:effectClrLst/>
+    <dgm:txLinClrLst/>
+    <dgm:txFillClrLst meth="repeat">
+      <a:schemeClr val="tx1"/>
+    </dgm:txFillClrLst>
+    <dgm:txEffectClrLst/>
+  </dgm:styleLbl>
+  <dgm:styleLbl name="parChTrans1D3">
+    <dgm:fillClrLst meth="repeat">
+      <a:schemeClr val="accent4">
+        <a:tint val="70000"/>
+      </a:schemeClr>
+    </dgm:fillClrLst>
+    <dgm:linClrLst meth="repeat">
+      <a:schemeClr val="accent6"/>
+    </dgm:linClrLst>
+    <dgm:effectClrLst/>
+    <dgm:txLinClrLst/>
+    <dgm:txFillClrLst meth="repeat">
+      <a:schemeClr val="tx1"/>
+    </dgm:txFillClrLst>
+    <dgm:txEffectClrLst/>
+  </dgm:styleLbl>
+  <dgm:styleLbl name="parChTrans1D4">
+    <dgm:fillClrLst meth="repeat">
+      <a:schemeClr val="accent4">
+        <a:tint val="50000"/>
+      </a:schemeClr>
+    </dgm:fillClrLst>
+    <dgm:linClrLst meth="repeat">
+      <a:schemeClr val="accent1"/>
+    </dgm:linClrLst>
+    <dgm:effectClrLst/>
+    <dgm:txLinClrLst/>
+    <dgm:txFillClrLst meth="repeat">
+      <a:schemeClr val="tx1"/>
+    </dgm:txFillClrLst>
+    <dgm:txEffectClrLst/>
+  </dgm:styleLbl>
+  <dgm:styleLbl name="fgAcc1">
+    <dgm:fillClrLst meth="repeat">
+      <a:schemeClr val="lt1">
+        <a:alpha val="90000"/>
+      </a:schemeClr>
+    </dgm:fillClrLst>
+    <dgm:linClrLst>
+      <a:schemeClr val="accent4"/>
+      <a:schemeClr val="accent5"/>
+    </dgm:linClrLst>
+    <dgm:effectClrLst/>
+    <dgm:txLinClrLst/>
+    <dgm:txFillClrLst meth="repeat">
+      <a:schemeClr val="dk1"/>
+    </dgm:txFillClrLst>
+    <dgm:txEffectClrLst/>
+  </dgm:styleLbl>
+  <dgm:styleLbl name="conFgAcc1">
+    <dgm:fillClrLst meth="repeat">
+      <a:schemeClr val="lt1">
+        <a:alpha val="90000"/>
+      </a:schemeClr>
+    </dgm:fillClrLst>
+    <dgm:linClrLst>
+      <a:schemeClr val="accent4"/>
+      <a:schemeClr val="accent5"/>
+    </dgm:linClrLst>
+    <dgm:effectClrLst/>
+    <dgm:txLinClrLst/>
+    <dgm:txFillClrLst meth="repeat">
+      <a:schemeClr val="dk1"/>
+    </dgm:txFillClrLst>
+    <dgm:txEffectClrLst/>
+  </dgm:styleLbl>
+  <dgm:styleLbl name="alignAcc1">
+    <dgm:fillClrLst meth="repeat">
+      <a:schemeClr val="lt1">
+        <a:alpha val="90000"/>
+      </a:schemeClr>
+    </dgm:fillClrLst>
+    <dgm:linClrLst>
+      <a:schemeClr val="accent4"/>
+      <a:schemeClr val="accent5"/>
+    </dgm:linClrLst>
+    <dgm:effectClrLst/>
+    <dgm:txLinClrLst/>
+    <dgm:txFillClrLst meth="repeat">
+      <a:schemeClr val="dk1"/>
+    </dgm:txFillClrLst>
+    <dgm:txEffectClrLst/>
+  </dgm:styleLbl>
+  <dgm:styleLbl name="trAlignAcc1">
+    <dgm:fillClrLst meth="repeat">
+      <a:schemeClr val="lt1">
+        <a:alpha val="40000"/>
+      </a:schemeClr>
+    </dgm:fillClrLst>
+    <dgm:linClrLst meth="repeat">
+      <a:schemeClr val="accent4"/>
+    </dgm:linClrLst>
+    <dgm:effectClrLst/>
+    <dgm:txLinClrLst/>
+    <dgm:txFillClrLst meth="repeat">
+      <a:schemeClr val="dk1"/>
+    </dgm:txFillClrLst>
+    <dgm:txEffectClrLst/>
+  </dgm:styleLbl>
+  <dgm:styleLbl name="bgAcc1">
+    <dgm:fillClrLst meth="repeat">
+      <a:schemeClr val="lt1">
+        <a:alpha val="90000"/>
+      </a:schemeClr>
+    </dgm:fillClrLst>
+    <dgm:linClrLst>
+      <a:schemeClr val="accent4"/>
+      <a:schemeClr val="accent5"/>
+    </dgm:linClrLst>
+    <dgm:effectClrLst/>
+    <dgm:txLinClrLst/>
+    <dgm:txFillClrLst meth="repeat">
+      <a:schemeClr val="dk1"/>
+    </dgm:txFillClrLst>
+    <dgm:txEffectClrLst/>
+  </dgm:styleLbl>
+  <dgm:styleLbl name="solidFgAcc1">
+    <dgm:fillClrLst meth="repeat">
+      <a:schemeClr val="lt1"/>
+    </dgm:fillClrLst>
+    <dgm:linClrLst>
+      <a:schemeClr val="accent4"/>
+      <a:schemeClr val="accent5"/>
+    </dgm:linClrLst>
+    <dgm:effectClrLst/>
+    <dgm:txLinClrLst/>
+    <dgm:txFillClrLst meth="repeat">
+      <a:schemeClr val="dk1"/>
+    </dgm:txFillClrLst>
+    <dgm:txEffectClrLst/>
+  </dgm:styleLbl>
+  <dgm:styleLbl name="solidAlignAcc1">
+    <dgm:fillClrLst meth="repeat">
+      <a:schemeClr val="lt1"/>
+    </dgm:fillClrLst>
+    <dgm:linClrLst>
+      <a:schemeClr val="accent4"/>
+      <a:schemeClr val="accent5"/>
+    </dgm:linClrLst>
+    <dgm:effectClrLst/>
+    <dgm:txLinClrLst/>
+    <dgm:txFillClrLst meth="repeat">
+      <a:schemeClr val="dk1"/>
+    </dgm:txFillClrLst>
+    <dgm:txEffectClrLst/>
+  </dgm:styleLbl>
+  <dgm:styleLbl name="solidBgAcc1">
+    <dgm:fillClrLst meth="repeat">
+      <a:schemeClr val="lt1"/>
+    </dgm:fillClrLst>
+    <dgm:linClrLst>
+      <a:schemeClr val="accent4"/>
+      <a:schemeClr val="accent5"/>
+    </dgm:linClrLst>
+    <dgm:effectClrLst/>
+    <dgm:txLinClrLst/>
+    <dgm:txFillClrLst meth="repeat">
+      <a:schemeClr val="dk1"/>
+    </dgm:txFillClrLst>
+    <dgm:txEffectClrLst/>
+  </dgm:styleLbl>
+  <dgm:styleLbl name="fgAccFollowNode1">
+    <dgm:fillClrLst>
+      <a:schemeClr val="accent4">
+        <a:tint val="40000"/>
+        <a:alpha val="90000"/>
+      </a:schemeClr>
+      <a:schemeClr val="accent5">
+        <a:tint val="40000"/>
+        <a:alpha val="90000"/>
+      </a:schemeClr>
+    </dgm:fillClrLst>
+    <dgm:linClrLst>
+      <a:schemeClr val="accent4">
+        <a:tint val="40000"/>
+        <a:alpha val="90000"/>
+      </a:schemeClr>
+      <a:schemeClr val="accent5">
+        <a:tint val="40000"/>
+        <a:alpha val="90000"/>
+      </a:schemeClr>
+    </dgm:linClrLst>
+    <dgm:effectClrLst/>
+    <dgm:txLinClrLst/>
+    <dgm:txFillClrLst meth="repeat">
+      <a:schemeClr val="dk1"/>
+    </dgm:txFillClrLst>
+    <dgm:txEffectClrLst/>
+  </dgm:styleLbl>
+  <dgm:styleLbl name="alignAccFollowNode1">
+    <dgm:fillClrLst>
+      <a:schemeClr val="accent4">
+        <a:tint val="40000"/>
+        <a:alpha val="90000"/>
+      </a:schemeClr>
+      <a:schemeClr val="accent5">
+        <a:tint val="40000"/>
+        <a:alpha val="90000"/>
+      </a:schemeClr>
+    </dgm:fillClrLst>
+    <dgm:linClrLst>
+      <a:schemeClr val="accent4">
+        <a:tint val="40000"/>
+        <a:alpha val="90000"/>
+      </a:schemeClr>
+      <a:schemeClr val="accent5">
+        <a:tint val="40000"/>
+        <a:alpha val="90000"/>
+      </a:schemeClr>
+    </dgm:linClrLst>
+    <dgm:effectClrLst/>
+    <dgm:txLinClrLst/>
+    <dgm:txFillClrLst meth="repeat">
+      <a:schemeClr val="dk1"/>
+    </dgm:txFillClrLst>
+    <dgm:txEffectClrLst/>
+  </dgm:styleLbl>
+  <dgm:styleLbl name="bgAccFollowNode1">
+    <dgm:fillClrLst>
+      <a:schemeClr val="accent4">
+        <a:tint val="40000"/>
+        <a:alpha val="90000"/>
+      </a:schemeClr>
+      <a:schemeClr val="accent5">
+        <a:tint val="40000"/>
+        <a:alpha val="90000"/>
+      </a:schemeClr>
+    </dgm:fillClrLst>
+    <dgm:linClrLst>
+      <a:schemeClr val="accent4">
+        <a:tint val="40000"/>
+        <a:alpha val="90000"/>
+      </a:schemeClr>
+      <a:schemeClr val="accent5">
+        <a:tint val="40000"/>
+        <a:alpha val="90000"/>
+      </a:schemeClr>
+    </dgm:linClrLst>
+    <dgm:effectClrLst/>
+    <dgm:txLinClrLst/>
+    <dgm:txFillClrLst meth="repeat">
+      <a:schemeClr val="dk1"/>
+    </dgm:txFillClrLst>
+    <dgm:txEffectClrLst/>
+  </dgm:styleLbl>
+  <dgm:styleLbl name="fgAcc0">
+    <dgm:fillClrLst meth="repeat">
+      <a:schemeClr val="lt1">
+        <a:alpha val="90000"/>
+      </a:schemeClr>
+    </dgm:fillClrLst>
+    <dgm:linClrLst>
+      <a:schemeClr val="accent3"/>
+    </dgm:linClrLst>
+    <dgm:effectClrLst/>
+    <dgm:txLinClrLst/>
+    <dgm:txFillClrLst meth="repeat">
+      <a:schemeClr val="dk1"/>
+    </dgm:txFillClrLst>
+    <dgm:txEffectClrLst/>
+  </dgm:styleLbl>
+  <dgm:styleLbl name="fgAcc2">
+    <dgm:fillClrLst meth="repeat">
+      <a:schemeClr val="lt1">
+        <a:alpha val="90000"/>
+      </a:schemeClr>
+    </dgm:fillClrLst>
+    <dgm:linClrLst>
+      <a:schemeClr val="accent5"/>
+    </dgm:linClrLst>
+    <dgm:effectClrLst/>
+    <dgm:txLinClrLst/>
+    <dgm:txFillClrLst meth="repeat">
+      <a:schemeClr val="dk1"/>
+    </dgm:txFillClrLst>
+    <dgm:txEffectClrLst/>
+  </dgm:styleLbl>
+  <dgm:styleLbl name="fgAcc3">
+    <dgm:fillClrLst meth="repeat">
+      <a:schemeClr val="lt1">
+        <a:alpha val="90000"/>
+      </a:schemeClr>
+    </dgm:fillClrLst>
+    <dgm:linClrLst>
+      <a:schemeClr val="accent6"/>
+    </dgm:linClrLst>
+    <dgm:effectClrLst/>
+    <dgm:txLinClrLst/>
+    <dgm:txFillClrLst meth="repeat">
+      <a:schemeClr val="dk1"/>
+    </dgm:txFillClrLst>
+    <dgm:txEffectClrLst/>
+  </dgm:styleLbl>
+  <dgm:styleLbl name="fgAcc4">
+    <dgm:fillClrLst meth="repeat">
+      <a:schemeClr val="lt1">
+        <a:alpha val="90000"/>
+      </a:schemeClr>
+    </dgm:fillClrLst>
+    <dgm:linClrLst>
+      <a:schemeClr val="accent1"/>
+    </dgm:linClrLst>
+    <dgm:effectClrLst/>
+    <dgm:txLinClrLst/>
+    <dgm:txFillClrLst meth="repeat">
+      <a:schemeClr val="dk1"/>
+    </dgm:txFillClrLst>
+    <dgm:txEffectClrLst/>
+  </dgm:styleLbl>
+  <dgm:styleLbl name="bgShp">
+    <dgm:fillClrLst meth="repeat">
+      <a:schemeClr val="accent4">
+        <a:tint val="40000"/>
+      </a:schemeClr>
+    </dgm:fillClrLst>
+    <dgm:linClrLst meth="repeat">
+      <a:schemeClr val="dk1"/>
+    </dgm:linClrLst>
+    <dgm:effectClrLst/>
+    <dgm:txLinClrLst/>
+    <dgm:txFillClrLst meth="repeat">
+      <a:schemeClr val="dk1"/>
+    </dgm:txFillClrLst>
+    <dgm:txEffectClrLst/>
+  </dgm:styleLbl>
+  <dgm:styleLbl name="dkBgShp">
+    <dgm:fillClrLst meth="repeat">
+      <a:schemeClr val="accent4">
+        <a:shade val="90000"/>
+      </a:schemeClr>
+    </dgm:fillClrLst>
+    <dgm:linClrLst meth="repeat">
+      <a:schemeClr val="dk1"/>
+    </dgm:linClrLst>
+    <dgm:effectClrLst/>
+    <dgm:txLinClrLst/>
+    <dgm:txFillClrLst meth="repeat">
+      <a:schemeClr val="lt1"/>
+    </dgm:txFillClrLst>
+    <dgm:txEffectClrLst/>
+  </dgm:styleLbl>
+  <dgm:styleLbl name="trBgShp">
+    <dgm:fillClrLst meth="repeat">
+      <a:schemeClr val="accent4">
+        <a:tint val="50000"/>
+        <a:alpha val="40000"/>
+      </a:schemeClr>
+    </dgm:fillClrLst>
+    <dgm:linClrLst meth="repeat">
+      <a:schemeClr val="accent4"/>
+    </dgm:linClrLst>
+    <dgm:effectClrLst/>
+    <dgm:txLinClrLst/>
+    <dgm:txFillClrLst meth="repeat">
+      <a:schemeClr val="lt1"/>
+    </dgm:txFillClrLst>
+    <dgm:txEffectClrLst/>
+  </dgm:styleLbl>
+  <dgm:styleLbl name="fgShp">
+    <dgm:fillClrLst meth="repeat">
+      <a:schemeClr val="accent4">
+        <a:tint val="40000"/>
+      </a:schemeClr>
+    </dgm:fillClrLst>
+    <dgm:linClrLst meth="repeat">
+      <a:schemeClr val="lt1"/>
+    </dgm:linClrLst>
+    <dgm:effectClrLst/>
+    <dgm:txLinClrLst/>
+    <dgm:txFillClrLst meth="repeat">
+      <a:schemeClr val="dk1"/>
+    </dgm:txFillClrLst>
+    <dgm:txEffectClrLst/>
+  </dgm:styleLbl>
+  <dgm:styleLbl name="revTx">
+    <dgm:fillClrLst meth="repeat">
+      <a:schemeClr val="lt1">
+        <a:alpha val="0"/>
+      </a:schemeClr>
+    </dgm:fillClrLst>
+    <dgm:linClrLst meth="repeat">
+      <a:schemeClr val="dk1">
+        <a:alpha val="0"/>
+      </a:schemeClr>
+    </dgm:linClrLst>
+    <dgm:effectClrLst/>
+    <dgm:txLinClrLst/>
+    <dgm:txFillClrLst meth="repeat">
+      <a:schemeClr val="tx1"/>
+    </dgm:txFillClrLst>
+    <dgm:txEffectClrLst/>
+  </dgm:styleLbl>
+</dgm:colorsDef>
+</file>
+
+<file path=ppt/diagrams/colors5.xml><?xml version="1.0" encoding="utf-8"?>
 <dgm:colorsDef xmlns:dgm="http://schemas.openxmlformats.org/drawingml/2006/diagram" xmlns:a="http://schemas.openxmlformats.org/drawingml/2006/main" uniqueId="urn:microsoft.com/office/officeart/2005/8/colors/colorful1">
   <dgm:title val=""/>
   <dgm:desc val=""/>
@@ -4699,7 +5481,7 @@
 <dgm:dataModel xmlns:dgm="http://schemas.openxmlformats.org/drawingml/2006/diagram" xmlns:a="http://schemas.openxmlformats.org/drawingml/2006/main">
   <dgm:ptLst>
     <dgm:pt modelId="{9E97B874-31B4-0940-973F-87336B63A0BC}" type="doc">
-      <dgm:prSet loTypeId="urn:microsoft.com/office/officeart/2005/8/layout/process1" loCatId="process" qsTypeId="urn:microsoft.com/office/officeart/2005/8/quickstyle/simple1" qsCatId="simple" csTypeId="urn:microsoft.com/office/officeart/2005/8/colors/colorful1" csCatId="colorful" phldr="1"/>
+      <dgm:prSet loTypeId="urn:microsoft.com/office/officeart/2005/8/layout/hProcess9" loCatId="process" qsTypeId="urn:microsoft.com/office/officeart/2005/8/quickstyle/simple1" qsCatId="simple" csTypeId="urn:microsoft.com/office/officeart/2005/8/colors/colorful1" csCatId="colorful" phldr="1"/>
       <dgm:spPr/>
       <dgm:t>
         <a:bodyPr/>
@@ -4767,7 +5549,7 @@
         <a:p>
           <a:r>
             <a:rPr lang="fr-FR" dirty="0"/>
-            <a:t>15 variables sélectionnées sur les 29 possibles</a:t>
+            <a:t>14 variables sélectionnées sur les 29 possibles</a:t>
           </a:r>
         </a:p>
       </dgm:t>
@@ -4794,8 +5576,8 @@
         </a:p>
       </dgm:t>
     </dgm:pt>
-    <dgm:pt modelId="{AD3A9EEE-16DE-E84C-B01C-B586214D1074}" type="pres">
-      <dgm:prSet presAssocID="{9E97B874-31B4-0940-973F-87336B63A0BC}" presName="Name0" presStyleCnt="0">
+    <dgm:pt modelId="{01524161-409F-8448-96AF-A8891E2E90A5}" type="pres">
+      <dgm:prSet presAssocID="{9E97B874-31B4-0940-973F-87336B63A0BC}" presName="CompostProcess" presStyleCnt="0">
         <dgm:presLayoutVars>
           <dgm:dir/>
           <dgm:resizeHandles val="exact"/>
@@ -4803,24 +5585,28 @@
       </dgm:prSet>
       <dgm:spPr/>
     </dgm:pt>
-    <dgm:pt modelId="{579F8EBA-1CFE-D74B-B8A1-CCF7F6DD69D3}" type="pres">
-      <dgm:prSet presAssocID="{2BD63538-CA4F-DC45-A4D6-674EDD22CBBB}" presName="node" presStyleLbl="node1" presStyleIdx="0" presStyleCnt="2">
+    <dgm:pt modelId="{01CE21C2-F331-4A46-AD8C-8995317FDCE0}" type="pres">
+      <dgm:prSet presAssocID="{9E97B874-31B4-0940-973F-87336B63A0BC}" presName="arrow" presStyleLbl="bgShp" presStyleIdx="0" presStyleCnt="1"/>
+      <dgm:spPr/>
+    </dgm:pt>
+    <dgm:pt modelId="{FD028C49-2B0D-6C43-A12C-4B86B2C69A91}" type="pres">
+      <dgm:prSet presAssocID="{9E97B874-31B4-0940-973F-87336B63A0BC}" presName="linearProcess" presStyleCnt="0"/>
+      <dgm:spPr/>
+    </dgm:pt>
+    <dgm:pt modelId="{41290DBC-4E2D-5042-B820-7FDBDA8877BA}" type="pres">
+      <dgm:prSet presAssocID="{2BD63538-CA4F-DC45-A4D6-674EDD22CBBB}" presName="textNode" presStyleLbl="node1" presStyleIdx="0" presStyleCnt="2">
         <dgm:presLayoutVars>
           <dgm:bulletEnabled val="1"/>
         </dgm:presLayoutVars>
       </dgm:prSet>
       <dgm:spPr/>
     </dgm:pt>
-    <dgm:pt modelId="{C6AF0F3F-2E8D-E14C-92E1-54268FC6C209}" type="pres">
-      <dgm:prSet presAssocID="{3A36A4FB-9D92-114E-8847-5932DC063DAD}" presName="sibTrans" presStyleLbl="sibTrans2D1" presStyleIdx="0" presStyleCnt="1"/>
+    <dgm:pt modelId="{D35AAE6A-FF34-814D-A874-FD5273D7D4F1}" type="pres">
+      <dgm:prSet presAssocID="{3A36A4FB-9D92-114E-8847-5932DC063DAD}" presName="sibTrans" presStyleCnt="0"/>
       <dgm:spPr/>
     </dgm:pt>
-    <dgm:pt modelId="{B4CBF060-FC99-D84D-A15E-EF3D5196DBFF}" type="pres">
-      <dgm:prSet presAssocID="{3A36A4FB-9D92-114E-8847-5932DC063DAD}" presName="connectorText" presStyleLbl="sibTrans2D1" presStyleIdx="0" presStyleCnt="1"/>
-      <dgm:spPr/>
-    </dgm:pt>
-    <dgm:pt modelId="{6146DC6D-3999-4D41-9646-6791F9054727}" type="pres">
-      <dgm:prSet presAssocID="{08B36E0A-CC89-D144-BDE5-4A04615683A5}" presName="node" presStyleLbl="node1" presStyleIdx="1" presStyleCnt="2">
+    <dgm:pt modelId="{769E4336-529B-1547-B872-756E5F0E4D91}" type="pres">
+      <dgm:prSet presAssocID="{08B36E0A-CC89-D144-BDE5-4A04615683A5}" presName="textNode" presStyleLbl="node1" presStyleIdx="1" presStyleCnt="2">
         <dgm:presLayoutVars>
           <dgm:bulletEnabled val="1"/>
         </dgm:presLayoutVars>
@@ -4829,17 +5615,16 @@
     </dgm:pt>
   </dgm:ptLst>
   <dgm:cxnLst>
-    <dgm:cxn modelId="{8598DB36-7B4D-2741-B194-D4733991D009}" type="presOf" srcId="{08B36E0A-CC89-D144-BDE5-4A04615683A5}" destId="{6146DC6D-3999-4D41-9646-6791F9054727}" srcOrd="0" destOrd="0" presId="urn:microsoft.com/office/officeart/2005/8/layout/process1"/>
+    <dgm:cxn modelId="{CD4E942A-16F3-C74C-8291-997DCCD877F1}" type="presOf" srcId="{9E97B874-31B4-0940-973F-87336B63A0BC}" destId="{01524161-409F-8448-96AF-A8891E2E90A5}" srcOrd="0" destOrd="0" presId="urn:microsoft.com/office/officeart/2005/8/layout/hProcess9"/>
     <dgm:cxn modelId="{E5D18F7C-5A78-364F-ABBC-5082FF0ECFD4}" srcId="{9E97B874-31B4-0940-973F-87336B63A0BC}" destId="{2BD63538-CA4F-DC45-A4D6-674EDD22CBBB}" srcOrd="0" destOrd="0" parTransId="{C93CF1CF-F823-2F41-AC77-7192C9FC1768}" sibTransId="{3A36A4FB-9D92-114E-8847-5932DC063DAD}"/>
     <dgm:cxn modelId="{C865FB90-490F-8743-B36B-65BB9507F21D}" srcId="{9E97B874-31B4-0940-973F-87336B63A0BC}" destId="{08B36E0A-CC89-D144-BDE5-4A04615683A5}" srcOrd="1" destOrd="0" parTransId="{09044735-45DB-844A-83BB-4A376512FE01}" sibTransId="{CD326C00-5D82-2F47-909E-2F10AE0B4F81}"/>
-    <dgm:cxn modelId="{A11B1291-BF0D-154D-9780-80B9DE62FA41}" type="presOf" srcId="{3A36A4FB-9D92-114E-8847-5932DC063DAD}" destId="{C6AF0F3F-2E8D-E14C-92E1-54268FC6C209}" srcOrd="0" destOrd="0" presId="urn:microsoft.com/office/officeart/2005/8/layout/process1"/>
-    <dgm:cxn modelId="{B26BD5B0-D8A4-2546-B16C-EBC6D20BAFA7}" type="presOf" srcId="{9E97B874-31B4-0940-973F-87336B63A0BC}" destId="{AD3A9EEE-16DE-E84C-B01C-B586214D1074}" srcOrd="0" destOrd="0" presId="urn:microsoft.com/office/officeart/2005/8/layout/process1"/>
-    <dgm:cxn modelId="{EB3B72E9-7E30-5D49-9709-DF6AF6F90029}" type="presOf" srcId="{3A36A4FB-9D92-114E-8847-5932DC063DAD}" destId="{B4CBF060-FC99-D84D-A15E-EF3D5196DBFF}" srcOrd="1" destOrd="0" presId="urn:microsoft.com/office/officeart/2005/8/layout/process1"/>
-    <dgm:cxn modelId="{F6D5ECED-80B7-9F40-B677-4834DE622DA3}" type="presOf" srcId="{2BD63538-CA4F-DC45-A4D6-674EDD22CBBB}" destId="{579F8EBA-1CFE-D74B-B8A1-CCF7F6DD69D3}" srcOrd="0" destOrd="0" presId="urn:microsoft.com/office/officeart/2005/8/layout/process1"/>
-    <dgm:cxn modelId="{9BCFABCD-7011-2746-948E-B89031E2BFF9}" type="presParOf" srcId="{AD3A9EEE-16DE-E84C-B01C-B586214D1074}" destId="{579F8EBA-1CFE-D74B-B8A1-CCF7F6DD69D3}" srcOrd="0" destOrd="0" presId="urn:microsoft.com/office/officeart/2005/8/layout/process1"/>
-    <dgm:cxn modelId="{EAB9B32C-A18A-6D49-B211-F2AB90B1BEAB}" type="presParOf" srcId="{AD3A9EEE-16DE-E84C-B01C-B586214D1074}" destId="{C6AF0F3F-2E8D-E14C-92E1-54268FC6C209}" srcOrd="1" destOrd="0" presId="urn:microsoft.com/office/officeart/2005/8/layout/process1"/>
-    <dgm:cxn modelId="{6E7AADBF-CC61-D045-922E-11C6B03C8CD1}" type="presParOf" srcId="{C6AF0F3F-2E8D-E14C-92E1-54268FC6C209}" destId="{B4CBF060-FC99-D84D-A15E-EF3D5196DBFF}" srcOrd="0" destOrd="0" presId="urn:microsoft.com/office/officeart/2005/8/layout/process1"/>
-    <dgm:cxn modelId="{AD91A908-076B-B240-8ACF-95766C589F61}" type="presParOf" srcId="{AD3A9EEE-16DE-E84C-B01C-B586214D1074}" destId="{6146DC6D-3999-4D41-9646-6791F9054727}" srcOrd="2" destOrd="0" presId="urn:microsoft.com/office/officeart/2005/8/layout/process1"/>
+    <dgm:cxn modelId="{9CBE7F9B-6670-CA43-88E6-78E380A7100F}" type="presOf" srcId="{08B36E0A-CC89-D144-BDE5-4A04615683A5}" destId="{769E4336-529B-1547-B872-756E5F0E4D91}" srcOrd="0" destOrd="0" presId="urn:microsoft.com/office/officeart/2005/8/layout/hProcess9"/>
+    <dgm:cxn modelId="{0230ADA9-9F66-FB4B-9A6D-57A23B50FE38}" type="presOf" srcId="{2BD63538-CA4F-DC45-A4D6-674EDD22CBBB}" destId="{41290DBC-4E2D-5042-B820-7FDBDA8877BA}" srcOrd="0" destOrd="0" presId="urn:microsoft.com/office/officeart/2005/8/layout/hProcess9"/>
+    <dgm:cxn modelId="{66F8DDC9-B938-8241-AA06-94004028CA5B}" type="presParOf" srcId="{01524161-409F-8448-96AF-A8891E2E90A5}" destId="{01CE21C2-F331-4A46-AD8C-8995317FDCE0}" srcOrd="0" destOrd="0" presId="urn:microsoft.com/office/officeart/2005/8/layout/hProcess9"/>
+    <dgm:cxn modelId="{E82A9954-B3B4-024B-A63A-7221568ACD70}" type="presParOf" srcId="{01524161-409F-8448-96AF-A8891E2E90A5}" destId="{FD028C49-2B0D-6C43-A12C-4B86B2C69A91}" srcOrd="1" destOrd="0" presId="urn:microsoft.com/office/officeart/2005/8/layout/hProcess9"/>
+    <dgm:cxn modelId="{B9756FA9-FE30-CE4D-A0E6-227388611763}" type="presParOf" srcId="{FD028C49-2B0D-6C43-A12C-4B86B2C69A91}" destId="{41290DBC-4E2D-5042-B820-7FDBDA8877BA}" srcOrd="0" destOrd="0" presId="urn:microsoft.com/office/officeart/2005/8/layout/hProcess9"/>
+    <dgm:cxn modelId="{536F14CA-E66E-A045-A690-BE17603ABF53}" type="presParOf" srcId="{FD028C49-2B0D-6C43-A12C-4B86B2C69A91}" destId="{D35AAE6A-FF34-814D-A874-FD5273D7D4F1}" srcOrd="1" destOrd="0" presId="urn:microsoft.com/office/officeart/2005/8/layout/hProcess9"/>
+    <dgm:cxn modelId="{08F390CB-A2D9-3D4C-A731-8FA2637B8C0F}" type="presParOf" srcId="{FD028C49-2B0D-6C43-A12C-4B86B2C69A91}" destId="{769E4336-529B-1547-B872-756E5F0E4D91}" srcOrd="2" destOrd="0" presId="urn:microsoft.com/office/officeart/2005/8/layout/hProcess9"/>
   </dgm:cxnLst>
   <dgm:bg/>
   <dgm:whole/>
@@ -4852,6 +5637,354 @@
 </file>
 
 <file path=ppt/diagrams/data4.xml><?xml version="1.0" encoding="utf-8"?>
+<dgm:dataModel xmlns:dgm="http://schemas.openxmlformats.org/drawingml/2006/diagram" xmlns:a="http://schemas.openxmlformats.org/drawingml/2006/main">
+  <dgm:ptLst>
+    <dgm:pt modelId="{AFAC563D-0E85-CB44-9B25-3356E522FF6C}" type="doc">
+      <dgm:prSet loTypeId="urn:microsoft.com/office/officeart/2005/8/layout/vList5" loCatId="list" qsTypeId="urn:microsoft.com/office/officeart/2005/8/quickstyle/simple1" qsCatId="simple" csTypeId="urn:microsoft.com/office/officeart/2005/8/colors/colorful4" csCatId="colorful" phldr="1"/>
+      <dgm:spPr/>
+      <dgm:t>
+        <a:bodyPr/>
+        <a:lstStyle/>
+        <a:p>
+          <a:endParaRPr lang="fr-FR"/>
+        </a:p>
+      </dgm:t>
+    </dgm:pt>
+    <dgm:pt modelId="{746525D4-F632-4E45-9DE0-B76E37C68140}">
+      <dgm:prSet/>
+      <dgm:spPr/>
+      <dgm:t>
+        <a:bodyPr/>
+        <a:lstStyle/>
+        <a:p>
+          <a:r>
+            <a:rPr lang="fr-FR" dirty="0"/>
+            <a:t>Variables explicatives :</a:t>
+          </a:r>
+        </a:p>
+      </dgm:t>
+    </dgm:pt>
+    <dgm:pt modelId="{40464050-4752-2546-8E4C-D5C21CA48A49}" type="parTrans" cxnId="{CC1E6F78-5AF9-9448-907A-473CFC2D2A78}">
+      <dgm:prSet/>
+      <dgm:spPr/>
+      <dgm:t>
+        <a:bodyPr/>
+        <a:lstStyle/>
+        <a:p>
+          <a:endParaRPr lang="fr-FR"/>
+        </a:p>
+      </dgm:t>
+    </dgm:pt>
+    <dgm:pt modelId="{D0F8D74C-7792-E34C-B7AF-2470FF8C04E0}" type="sibTrans" cxnId="{CC1E6F78-5AF9-9448-907A-473CFC2D2A78}">
+      <dgm:prSet/>
+      <dgm:spPr/>
+      <dgm:t>
+        <a:bodyPr/>
+        <a:lstStyle/>
+        <a:p>
+          <a:endParaRPr lang="fr-FR"/>
+        </a:p>
+      </dgm:t>
+    </dgm:pt>
+    <dgm:pt modelId="{657B251C-788E-7B47-B202-3D7341AC5760}">
+      <dgm:prSet/>
+      <dgm:spPr/>
+      <dgm:t>
+        <a:bodyPr/>
+        <a:lstStyle/>
+        <a:p>
+          <a:r>
+            <a:rPr lang="fr-FR" dirty="0"/>
+            <a:t>Cohorte :</a:t>
+          </a:r>
+        </a:p>
+      </dgm:t>
+    </dgm:pt>
+    <dgm:pt modelId="{6B6C7AAE-2E2F-8546-9AA8-B7634F0AD1F5}" type="parTrans" cxnId="{B98782CE-9FA5-1841-B638-7762CEDF0EF2}">
+      <dgm:prSet/>
+      <dgm:spPr/>
+      <dgm:t>
+        <a:bodyPr/>
+        <a:lstStyle/>
+        <a:p>
+          <a:endParaRPr lang="fr-FR"/>
+        </a:p>
+      </dgm:t>
+    </dgm:pt>
+    <dgm:pt modelId="{2BC3E567-38A4-354C-B27B-C1C113FDCC7B}" type="sibTrans" cxnId="{B98782CE-9FA5-1841-B638-7762CEDF0EF2}">
+      <dgm:prSet/>
+      <dgm:spPr/>
+      <dgm:t>
+        <a:bodyPr/>
+        <a:lstStyle/>
+        <a:p>
+          <a:endParaRPr lang="fr-FR"/>
+        </a:p>
+      </dgm:t>
+    </dgm:pt>
+    <dgm:pt modelId="{CF0D78E7-8384-C441-B5E5-7E7F6B40A72C}">
+      <dgm:prSet/>
+      <dgm:spPr/>
+      <dgm:t>
+        <a:bodyPr/>
+        <a:lstStyle/>
+        <a:p>
+          <a:r>
+            <a:rPr lang="fr-FR" dirty="0"/>
+            <a:t>Taux d’erreur :</a:t>
+          </a:r>
+        </a:p>
+      </dgm:t>
+    </dgm:pt>
+    <dgm:pt modelId="{614FBF65-150B-3547-BA78-52F26FB12DC9}" type="parTrans" cxnId="{7E6BB87B-7ECF-5C42-9708-AD4EBEE0E0F5}">
+      <dgm:prSet/>
+      <dgm:spPr/>
+      <dgm:t>
+        <a:bodyPr/>
+        <a:lstStyle/>
+        <a:p>
+          <a:endParaRPr lang="fr-FR"/>
+        </a:p>
+      </dgm:t>
+    </dgm:pt>
+    <dgm:pt modelId="{453C744E-8B26-424F-AE00-9EC5D5C4D17B}" type="sibTrans" cxnId="{7E6BB87B-7ECF-5C42-9708-AD4EBEE0E0F5}">
+      <dgm:prSet/>
+      <dgm:spPr/>
+      <dgm:t>
+        <a:bodyPr/>
+        <a:lstStyle/>
+        <a:p>
+          <a:endParaRPr lang="fr-FR"/>
+        </a:p>
+      </dgm:t>
+    </dgm:pt>
+    <dgm:pt modelId="{433CAA99-E3AE-C640-AE29-8C6EC0A5FCD5}">
+      <dgm:prSet/>
+      <dgm:spPr/>
+      <dgm:t>
+        <a:bodyPr/>
+        <a:lstStyle/>
+        <a:p>
+          <a:r>
+            <a:rPr lang="fr-FR" dirty="0"/>
+            <a:t>Tous les individus</a:t>
+          </a:r>
+        </a:p>
+      </dgm:t>
+    </dgm:pt>
+    <dgm:pt modelId="{1553E5D8-EFA2-1041-86B1-AD0565870384}" type="parTrans" cxnId="{555DDCD8-18B6-224B-8606-DB981AAEC634}">
+      <dgm:prSet/>
+      <dgm:spPr/>
+      <dgm:t>
+        <a:bodyPr/>
+        <a:lstStyle/>
+        <a:p>
+          <a:endParaRPr lang="fr-FR"/>
+        </a:p>
+      </dgm:t>
+    </dgm:pt>
+    <dgm:pt modelId="{ADFC2661-01BC-0648-9D39-546250C44E30}" type="sibTrans" cxnId="{555DDCD8-18B6-224B-8606-DB981AAEC634}">
+      <dgm:prSet/>
+      <dgm:spPr/>
+      <dgm:t>
+        <a:bodyPr/>
+        <a:lstStyle/>
+        <a:p>
+          <a:endParaRPr lang="fr-FR"/>
+        </a:p>
+      </dgm:t>
+    </dgm:pt>
+    <dgm:pt modelId="{EA8BDD96-7838-FF49-B4AC-89284C50BD8E}">
+      <dgm:prSet/>
+      <dgm:spPr/>
+      <dgm:t>
+        <a:bodyPr/>
+        <a:lstStyle/>
+        <a:p>
+          <a:r>
+            <a:rPr lang="fr-FR" dirty="0"/>
+            <a:t>32%</a:t>
+          </a:r>
+        </a:p>
+      </dgm:t>
+    </dgm:pt>
+    <dgm:pt modelId="{81158265-CF09-BF46-B93A-51D6B37B6A98}" type="parTrans" cxnId="{6CD09F9B-1E13-6F4A-94C3-E944B7F57304}">
+      <dgm:prSet/>
+      <dgm:spPr/>
+      <dgm:t>
+        <a:bodyPr/>
+        <a:lstStyle/>
+        <a:p>
+          <a:endParaRPr lang="fr-FR"/>
+        </a:p>
+      </dgm:t>
+    </dgm:pt>
+    <dgm:pt modelId="{6079F655-A7F1-B641-AC80-29A9974F3656}" type="sibTrans" cxnId="{6CD09F9B-1E13-6F4A-94C3-E944B7F57304}">
+      <dgm:prSet/>
+      <dgm:spPr/>
+      <dgm:t>
+        <a:bodyPr/>
+        <a:lstStyle/>
+        <a:p>
+          <a:endParaRPr lang="fr-FR"/>
+        </a:p>
+      </dgm:t>
+    </dgm:pt>
+    <dgm:pt modelId="{CACE358C-D8EF-2F4B-9C86-5455FCFC39AF}">
+      <dgm:prSet/>
+      <dgm:spPr/>
+      <dgm:t>
+        <a:bodyPr/>
+        <a:lstStyle/>
+        <a:p>
+          <a:r>
+            <a:rPr lang="fr-FR" dirty="0"/>
+            <a:t>Les 14 variables sélectionnées précédemment</a:t>
+          </a:r>
+        </a:p>
+      </dgm:t>
+    </dgm:pt>
+    <dgm:pt modelId="{D8878CFF-5B42-1E4D-B9AF-A1F1429E0A13}" type="parTrans" cxnId="{C5163E2B-10AF-614E-BA80-230114C47720}">
+      <dgm:prSet/>
+      <dgm:spPr/>
+      <dgm:t>
+        <a:bodyPr/>
+        <a:lstStyle/>
+        <a:p>
+          <a:endParaRPr lang="fr-FR"/>
+        </a:p>
+      </dgm:t>
+    </dgm:pt>
+    <dgm:pt modelId="{C4FB6FFC-FEFA-6E46-9BA2-58D57AAD2FBC}" type="sibTrans" cxnId="{C5163E2B-10AF-614E-BA80-230114C47720}">
+      <dgm:prSet/>
+      <dgm:spPr/>
+      <dgm:t>
+        <a:bodyPr/>
+        <a:lstStyle/>
+        <a:p>
+          <a:endParaRPr lang="fr-FR"/>
+        </a:p>
+      </dgm:t>
+    </dgm:pt>
+    <dgm:pt modelId="{E0050C92-329A-8C4C-81C4-8D20954EE739}" type="pres">
+      <dgm:prSet presAssocID="{AFAC563D-0E85-CB44-9B25-3356E522FF6C}" presName="Name0" presStyleCnt="0">
+        <dgm:presLayoutVars>
+          <dgm:dir/>
+          <dgm:animLvl val="lvl"/>
+          <dgm:resizeHandles val="exact"/>
+        </dgm:presLayoutVars>
+      </dgm:prSet>
+      <dgm:spPr/>
+    </dgm:pt>
+    <dgm:pt modelId="{C6DDDB20-77E9-D847-827C-DA833009762F}" type="pres">
+      <dgm:prSet presAssocID="{746525D4-F632-4E45-9DE0-B76E37C68140}" presName="linNode" presStyleCnt="0"/>
+      <dgm:spPr/>
+    </dgm:pt>
+    <dgm:pt modelId="{ACD509C5-3532-BC45-8848-27073C7440C6}" type="pres">
+      <dgm:prSet presAssocID="{746525D4-F632-4E45-9DE0-B76E37C68140}" presName="parentText" presStyleLbl="node1" presStyleIdx="0" presStyleCnt="3" custScaleX="114491" custLinFactNeighborX="-1427" custLinFactNeighborY="-6326">
+        <dgm:presLayoutVars>
+          <dgm:chMax val="1"/>
+          <dgm:bulletEnabled val="1"/>
+        </dgm:presLayoutVars>
+      </dgm:prSet>
+      <dgm:spPr/>
+    </dgm:pt>
+    <dgm:pt modelId="{DA38010D-D769-DA4D-AEEC-4D9582E36432}" type="pres">
+      <dgm:prSet presAssocID="{746525D4-F632-4E45-9DE0-B76E37C68140}" presName="descendantText" presStyleLbl="alignAccFollowNode1" presStyleIdx="0" presStyleCnt="3">
+        <dgm:presLayoutVars>
+          <dgm:bulletEnabled val="1"/>
+        </dgm:presLayoutVars>
+      </dgm:prSet>
+      <dgm:spPr/>
+    </dgm:pt>
+    <dgm:pt modelId="{D73F095D-7D6B-D440-85C8-CEBA8540A8E4}" type="pres">
+      <dgm:prSet presAssocID="{D0F8D74C-7792-E34C-B7AF-2470FF8C04E0}" presName="sp" presStyleCnt="0"/>
+      <dgm:spPr/>
+    </dgm:pt>
+    <dgm:pt modelId="{01B3DDE1-A085-124B-8E5D-1938F96AA217}" type="pres">
+      <dgm:prSet presAssocID="{657B251C-788E-7B47-B202-3D7341AC5760}" presName="linNode" presStyleCnt="0"/>
+      <dgm:spPr/>
+    </dgm:pt>
+    <dgm:pt modelId="{F49811DE-F347-C74A-B867-5E20FACDF540}" type="pres">
+      <dgm:prSet presAssocID="{657B251C-788E-7B47-B202-3D7341AC5760}" presName="parentText" presStyleLbl="node1" presStyleIdx="1" presStyleCnt="3" custScaleX="114539">
+        <dgm:presLayoutVars>
+          <dgm:chMax val="1"/>
+          <dgm:bulletEnabled val="1"/>
+        </dgm:presLayoutVars>
+      </dgm:prSet>
+      <dgm:spPr/>
+    </dgm:pt>
+    <dgm:pt modelId="{2DD683C0-BE47-6F49-A8A4-64CE754F4A7D}" type="pres">
+      <dgm:prSet presAssocID="{657B251C-788E-7B47-B202-3D7341AC5760}" presName="descendantText" presStyleLbl="alignAccFollowNode1" presStyleIdx="1" presStyleCnt="3">
+        <dgm:presLayoutVars>
+          <dgm:bulletEnabled val="1"/>
+        </dgm:presLayoutVars>
+      </dgm:prSet>
+      <dgm:spPr/>
+    </dgm:pt>
+    <dgm:pt modelId="{1C42FF4E-1F4B-6A4F-AD91-D52AD2D6CAE9}" type="pres">
+      <dgm:prSet presAssocID="{2BC3E567-38A4-354C-B27B-C1C113FDCC7B}" presName="sp" presStyleCnt="0"/>
+      <dgm:spPr/>
+    </dgm:pt>
+    <dgm:pt modelId="{C53532A9-28A0-6944-9E99-3BC8C7FE52E5}" type="pres">
+      <dgm:prSet presAssocID="{CF0D78E7-8384-C441-B5E5-7E7F6B40A72C}" presName="linNode" presStyleCnt="0"/>
+      <dgm:spPr/>
+    </dgm:pt>
+    <dgm:pt modelId="{91FD8C45-7A6E-1A41-A7DC-9BCEEDCF4162}" type="pres">
+      <dgm:prSet presAssocID="{CF0D78E7-8384-C441-B5E5-7E7F6B40A72C}" presName="parentText" presStyleLbl="node1" presStyleIdx="2" presStyleCnt="3" custScaleX="114491">
+        <dgm:presLayoutVars>
+          <dgm:chMax val="1"/>
+          <dgm:bulletEnabled val="1"/>
+        </dgm:presLayoutVars>
+      </dgm:prSet>
+      <dgm:spPr/>
+    </dgm:pt>
+    <dgm:pt modelId="{287A56A0-9BD1-EB48-AC75-6C67EDCCFB0A}" type="pres">
+      <dgm:prSet presAssocID="{CF0D78E7-8384-C441-B5E5-7E7F6B40A72C}" presName="descendantText" presStyleLbl="alignAccFollowNode1" presStyleIdx="2" presStyleCnt="3">
+        <dgm:presLayoutVars>
+          <dgm:bulletEnabled val="1"/>
+        </dgm:presLayoutVars>
+      </dgm:prSet>
+      <dgm:spPr/>
+    </dgm:pt>
+  </dgm:ptLst>
+  <dgm:cxnLst>
+    <dgm:cxn modelId="{C5163E2B-10AF-614E-BA80-230114C47720}" srcId="{746525D4-F632-4E45-9DE0-B76E37C68140}" destId="{CACE358C-D8EF-2F4B-9C86-5455FCFC39AF}" srcOrd="0" destOrd="0" parTransId="{D8878CFF-5B42-1E4D-B9AF-A1F1429E0A13}" sibTransId="{C4FB6FFC-FEFA-6E46-9BA2-58D57AAD2FBC}"/>
+    <dgm:cxn modelId="{FDBD1B33-F877-3046-8057-9B5D618ED32A}" type="presOf" srcId="{EA8BDD96-7838-FF49-B4AC-89284C50BD8E}" destId="{287A56A0-9BD1-EB48-AC75-6C67EDCCFB0A}" srcOrd="0" destOrd="0" presId="urn:microsoft.com/office/officeart/2005/8/layout/vList5"/>
+    <dgm:cxn modelId="{CC1E6F78-5AF9-9448-907A-473CFC2D2A78}" srcId="{AFAC563D-0E85-CB44-9B25-3356E522FF6C}" destId="{746525D4-F632-4E45-9DE0-B76E37C68140}" srcOrd="0" destOrd="0" parTransId="{40464050-4752-2546-8E4C-D5C21CA48A49}" sibTransId="{D0F8D74C-7792-E34C-B7AF-2470FF8C04E0}"/>
+    <dgm:cxn modelId="{7E6BB87B-7ECF-5C42-9708-AD4EBEE0E0F5}" srcId="{AFAC563D-0E85-CB44-9B25-3356E522FF6C}" destId="{CF0D78E7-8384-C441-B5E5-7E7F6B40A72C}" srcOrd="2" destOrd="0" parTransId="{614FBF65-150B-3547-BA78-52F26FB12DC9}" sibTransId="{453C744E-8B26-424F-AE00-9EC5D5C4D17B}"/>
+    <dgm:cxn modelId="{8CAE6F7C-C8E4-F94A-9996-AB72FCE09E4B}" type="presOf" srcId="{433CAA99-E3AE-C640-AE29-8C6EC0A5FCD5}" destId="{2DD683C0-BE47-6F49-A8A4-64CE754F4A7D}" srcOrd="0" destOrd="0" presId="urn:microsoft.com/office/officeart/2005/8/layout/vList5"/>
+    <dgm:cxn modelId="{42A5FF82-8863-704E-8147-000E0BA510F7}" type="presOf" srcId="{CACE358C-D8EF-2F4B-9C86-5455FCFC39AF}" destId="{DA38010D-D769-DA4D-AEEC-4D9582E36432}" srcOrd="0" destOrd="0" presId="urn:microsoft.com/office/officeart/2005/8/layout/vList5"/>
+    <dgm:cxn modelId="{6CD09F9B-1E13-6F4A-94C3-E944B7F57304}" srcId="{CF0D78E7-8384-C441-B5E5-7E7F6B40A72C}" destId="{EA8BDD96-7838-FF49-B4AC-89284C50BD8E}" srcOrd="0" destOrd="0" parTransId="{81158265-CF09-BF46-B93A-51D6B37B6A98}" sibTransId="{6079F655-A7F1-B641-AC80-29A9974F3656}"/>
+    <dgm:cxn modelId="{88B90EAB-A468-D645-81CF-B87567D8B545}" type="presOf" srcId="{657B251C-788E-7B47-B202-3D7341AC5760}" destId="{F49811DE-F347-C74A-B867-5E20FACDF540}" srcOrd="0" destOrd="0" presId="urn:microsoft.com/office/officeart/2005/8/layout/vList5"/>
+    <dgm:cxn modelId="{B738CDB0-7EEE-8E40-82D9-7CDF6A57B4EE}" type="presOf" srcId="{CF0D78E7-8384-C441-B5E5-7E7F6B40A72C}" destId="{91FD8C45-7A6E-1A41-A7DC-9BCEEDCF4162}" srcOrd="0" destOrd="0" presId="urn:microsoft.com/office/officeart/2005/8/layout/vList5"/>
+    <dgm:cxn modelId="{922667B9-FD87-654B-A137-38EC96E25452}" type="presOf" srcId="{AFAC563D-0E85-CB44-9B25-3356E522FF6C}" destId="{E0050C92-329A-8C4C-81C4-8D20954EE739}" srcOrd="0" destOrd="0" presId="urn:microsoft.com/office/officeart/2005/8/layout/vList5"/>
+    <dgm:cxn modelId="{B98782CE-9FA5-1841-B638-7762CEDF0EF2}" srcId="{AFAC563D-0E85-CB44-9B25-3356E522FF6C}" destId="{657B251C-788E-7B47-B202-3D7341AC5760}" srcOrd="1" destOrd="0" parTransId="{6B6C7AAE-2E2F-8546-9AA8-B7634F0AD1F5}" sibTransId="{2BC3E567-38A4-354C-B27B-C1C113FDCC7B}"/>
+    <dgm:cxn modelId="{555DDCD8-18B6-224B-8606-DB981AAEC634}" srcId="{657B251C-788E-7B47-B202-3D7341AC5760}" destId="{433CAA99-E3AE-C640-AE29-8C6EC0A5FCD5}" srcOrd="0" destOrd="0" parTransId="{1553E5D8-EFA2-1041-86B1-AD0565870384}" sibTransId="{ADFC2661-01BC-0648-9D39-546250C44E30}"/>
+    <dgm:cxn modelId="{EF4320FA-718C-A74F-A776-2FEE8D2E3673}" type="presOf" srcId="{746525D4-F632-4E45-9DE0-B76E37C68140}" destId="{ACD509C5-3532-BC45-8848-27073C7440C6}" srcOrd="0" destOrd="0" presId="urn:microsoft.com/office/officeart/2005/8/layout/vList5"/>
+    <dgm:cxn modelId="{8E292B26-5A78-0A4B-9DA7-944E67D5D005}" type="presParOf" srcId="{E0050C92-329A-8C4C-81C4-8D20954EE739}" destId="{C6DDDB20-77E9-D847-827C-DA833009762F}" srcOrd="0" destOrd="0" presId="urn:microsoft.com/office/officeart/2005/8/layout/vList5"/>
+    <dgm:cxn modelId="{6E87A01E-A434-6044-A203-7F7DC4C6D03C}" type="presParOf" srcId="{C6DDDB20-77E9-D847-827C-DA833009762F}" destId="{ACD509C5-3532-BC45-8848-27073C7440C6}" srcOrd="0" destOrd="0" presId="urn:microsoft.com/office/officeart/2005/8/layout/vList5"/>
+    <dgm:cxn modelId="{C9CB173E-52D3-B04B-AA5C-A6307ECE7F64}" type="presParOf" srcId="{C6DDDB20-77E9-D847-827C-DA833009762F}" destId="{DA38010D-D769-DA4D-AEEC-4D9582E36432}" srcOrd="1" destOrd="0" presId="urn:microsoft.com/office/officeart/2005/8/layout/vList5"/>
+    <dgm:cxn modelId="{2E6B3BEE-517A-5446-BF92-1649E655FEC7}" type="presParOf" srcId="{E0050C92-329A-8C4C-81C4-8D20954EE739}" destId="{D73F095D-7D6B-D440-85C8-CEBA8540A8E4}" srcOrd="1" destOrd="0" presId="urn:microsoft.com/office/officeart/2005/8/layout/vList5"/>
+    <dgm:cxn modelId="{90109398-6DA8-3B40-AD96-47195D9F8FBF}" type="presParOf" srcId="{E0050C92-329A-8C4C-81C4-8D20954EE739}" destId="{01B3DDE1-A085-124B-8E5D-1938F96AA217}" srcOrd="2" destOrd="0" presId="urn:microsoft.com/office/officeart/2005/8/layout/vList5"/>
+    <dgm:cxn modelId="{C15077F3-D39D-A242-B89A-BE9DB3B4B7CF}" type="presParOf" srcId="{01B3DDE1-A085-124B-8E5D-1938F96AA217}" destId="{F49811DE-F347-C74A-B867-5E20FACDF540}" srcOrd="0" destOrd="0" presId="urn:microsoft.com/office/officeart/2005/8/layout/vList5"/>
+    <dgm:cxn modelId="{50D7502F-1A72-714F-9F28-6F0D83C690DC}" type="presParOf" srcId="{01B3DDE1-A085-124B-8E5D-1938F96AA217}" destId="{2DD683C0-BE47-6F49-A8A4-64CE754F4A7D}" srcOrd="1" destOrd="0" presId="urn:microsoft.com/office/officeart/2005/8/layout/vList5"/>
+    <dgm:cxn modelId="{9F4D4944-878D-8C4D-94BD-108FA7A4D17A}" type="presParOf" srcId="{E0050C92-329A-8C4C-81C4-8D20954EE739}" destId="{1C42FF4E-1F4B-6A4F-AD91-D52AD2D6CAE9}" srcOrd="3" destOrd="0" presId="urn:microsoft.com/office/officeart/2005/8/layout/vList5"/>
+    <dgm:cxn modelId="{93E15001-17EE-3D45-AF87-F41DCF64F151}" type="presParOf" srcId="{E0050C92-329A-8C4C-81C4-8D20954EE739}" destId="{C53532A9-28A0-6944-9E99-3BC8C7FE52E5}" srcOrd="4" destOrd="0" presId="urn:microsoft.com/office/officeart/2005/8/layout/vList5"/>
+    <dgm:cxn modelId="{B96826CC-08D4-644B-B5BF-A990FE10CFEF}" type="presParOf" srcId="{C53532A9-28A0-6944-9E99-3BC8C7FE52E5}" destId="{91FD8C45-7A6E-1A41-A7DC-9BCEEDCF4162}" srcOrd="0" destOrd="0" presId="urn:microsoft.com/office/officeart/2005/8/layout/vList5"/>
+    <dgm:cxn modelId="{484C70AD-05CC-244B-AAED-A48A05C1682F}" type="presParOf" srcId="{C53532A9-28A0-6944-9E99-3BC8C7FE52E5}" destId="{287A56A0-9BD1-EB48-AC75-6C67EDCCFB0A}" srcOrd="1" destOrd="0" presId="urn:microsoft.com/office/officeart/2005/8/layout/vList5"/>
+  </dgm:cxnLst>
+  <dgm:bg/>
+  <dgm:whole/>
+  <dgm:extLst>
+    <a:ext uri="http://schemas.microsoft.com/office/drawing/2008/diagram">
+      <dsp:dataModelExt xmlns:dsp="http://schemas.microsoft.com/office/drawing/2008/diagram" relId="rId6" minVer="http://schemas.openxmlformats.org/drawingml/2006/diagram"/>
+    </a:ext>
+  </dgm:extLst>
+</dgm:dataModel>
+</file>
+
+<file path=ppt/diagrams/data5.xml><?xml version="1.0" encoding="utf-8"?>
 <dgm:dataModel xmlns:dgm="http://schemas.openxmlformats.org/drawingml/2006/diagram" xmlns:a="http://schemas.openxmlformats.org/drawingml/2006/main">
   <dgm:ptLst>
     <dgm:pt modelId="{1C3A8082-4D69-49F6-8AFD-BD82CE3D4450}" type="doc">
@@ -4944,7 +6077,10 @@
         <a:bodyPr/>
         <a:lstStyle/>
         <a:p>
-          <a:endParaRPr lang="fr-FR" dirty="0"/>
+          <a:r>
+            <a:rPr lang="fr-FR" dirty="0"/>
+            <a:t>Rédaction du rapport</a:t>
+          </a:r>
         </a:p>
       </dgm:t>
     </dgm:pt>
@@ -5042,6 +6178,114 @@
         </a:p>
       </dgm:t>
     </dgm:pt>
+    <dgm:pt modelId="{3BC0A78E-4B08-8D49-93A6-B452133ADF15}">
+      <dgm:prSet/>
+      <dgm:spPr/>
+      <dgm:t>
+        <a:bodyPr/>
+        <a:lstStyle/>
+        <a:p>
+          <a:r>
+            <a:rPr lang="fr-FR" dirty="0"/>
+            <a:t>Introduction</a:t>
+          </a:r>
+        </a:p>
+      </dgm:t>
+    </dgm:pt>
+    <dgm:pt modelId="{175663A0-2C04-FA46-9950-209D5EC9BD16}" type="parTrans" cxnId="{45485118-969A-6449-9806-C3E95DBA2D19}">
+      <dgm:prSet/>
+      <dgm:spPr/>
+      <dgm:t>
+        <a:bodyPr/>
+        <a:lstStyle/>
+        <a:p>
+          <a:endParaRPr lang="fr-FR"/>
+        </a:p>
+      </dgm:t>
+    </dgm:pt>
+    <dgm:pt modelId="{BE4B8D6E-F583-4A4A-9843-DE31E1BE6F6F}" type="sibTrans" cxnId="{45485118-969A-6449-9806-C3E95DBA2D19}">
+      <dgm:prSet/>
+      <dgm:spPr/>
+      <dgm:t>
+        <a:bodyPr/>
+        <a:lstStyle/>
+        <a:p>
+          <a:endParaRPr lang="fr-FR"/>
+        </a:p>
+      </dgm:t>
+    </dgm:pt>
+    <dgm:pt modelId="{7084604E-C7AC-2E4B-B968-5C3468B1C2BD}">
+      <dgm:prSet/>
+      <dgm:spPr/>
+      <dgm:t>
+        <a:bodyPr/>
+        <a:lstStyle/>
+        <a:p>
+          <a:r>
+            <a:rPr lang="fr-FR" dirty="0"/>
+            <a:t>Partie 1 : étude des données</a:t>
+          </a:r>
+        </a:p>
+      </dgm:t>
+    </dgm:pt>
+    <dgm:pt modelId="{022AFDAC-5589-D14D-9B67-3997319AD22C}" type="parTrans" cxnId="{EF9B3C59-17F4-6844-B97D-FDD68E7AAEAE}">
+      <dgm:prSet/>
+      <dgm:spPr/>
+      <dgm:t>
+        <a:bodyPr/>
+        <a:lstStyle/>
+        <a:p>
+          <a:endParaRPr lang="fr-FR"/>
+        </a:p>
+      </dgm:t>
+    </dgm:pt>
+    <dgm:pt modelId="{3810C364-092F-4A46-9739-980963A4A1F2}" type="sibTrans" cxnId="{EF9B3C59-17F4-6844-B97D-FDD68E7AAEAE}">
+      <dgm:prSet/>
+      <dgm:spPr/>
+      <dgm:t>
+        <a:bodyPr/>
+        <a:lstStyle/>
+        <a:p>
+          <a:endParaRPr lang="fr-FR"/>
+        </a:p>
+      </dgm:t>
+    </dgm:pt>
+    <dgm:pt modelId="{7FE5DECD-9715-774C-AE6A-E90377FE82D4}">
+      <dgm:prSet/>
+      <dgm:spPr/>
+      <dgm:t>
+        <a:bodyPr/>
+        <a:lstStyle/>
+        <a:p>
+          <a:r>
+            <a:rPr lang="fr-FR" dirty="0"/>
+            <a:t>Annexes correspondants à la partie 1</a:t>
+          </a:r>
+        </a:p>
+      </dgm:t>
+    </dgm:pt>
+    <dgm:pt modelId="{2080D167-C91B-5844-A257-4E0DA93DFA1A}" type="parTrans" cxnId="{E3874979-A3D6-0443-9909-BCB8D8EB4B99}">
+      <dgm:prSet/>
+      <dgm:spPr/>
+      <dgm:t>
+        <a:bodyPr/>
+        <a:lstStyle/>
+        <a:p>
+          <a:endParaRPr lang="fr-FR"/>
+        </a:p>
+      </dgm:t>
+    </dgm:pt>
+    <dgm:pt modelId="{53327B19-3EBD-1B46-ADBA-2D7782E8C0E5}" type="sibTrans" cxnId="{E3874979-A3D6-0443-9909-BCB8D8EB4B99}">
+      <dgm:prSet/>
+      <dgm:spPr/>
+      <dgm:t>
+        <a:bodyPr/>
+        <a:lstStyle/>
+        <a:p>
+          <a:endParaRPr lang="fr-FR"/>
+        </a:p>
+      </dgm:t>
+    </dgm:pt>
     <dgm:pt modelId="{A274053C-6D62-4674-9A38-22341AC8580D}" type="pres">
       <dgm:prSet presAssocID="{1C3A8082-4D69-49F6-8AFD-BD82CE3D4450}" presName="linear" presStyleCnt="0">
         <dgm:presLayoutVars>
@@ -5057,11 +6301,11 @@
       <dgm:spPr/>
     </dgm:pt>
     <dgm:pt modelId="{1E8EA7FC-367F-40D3-BDDF-F44DD6D054F1}" type="pres">
-      <dgm:prSet presAssocID="{FE57310B-E39A-4167-98DD-6AD8EC1F0FDC}" presName="parentLeftMargin" presStyleLbl="node1" presStyleIdx="0" presStyleCnt="2"/>
+      <dgm:prSet presAssocID="{FE57310B-E39A-4167-98DD-6AD8EC1F0FDC}" presName="parentLeftMargin" presStyleLbl="node1" presStyleIdx="0" presStyleCnt="3"/>
       <dgm:spPr/>
     </dgm:pt>
     <dgm:pt modelId="{C0616BCA-4E95-4081-B3A9-68AC1C66B276}" type="pres">
-      <dgm:prSet presAssocID="{FE57310B-E39A-4167-98DD-6AD8EC1F0FDC}" presName="parentText" presStyleLbl="node1" presStyleIdx="0" presStyleCnt="2" custScaleY="142181">
+      <dgm:prSet presAssocID="{FE57310B-E39A-4167-98DD-6AD8EC1F0FDC}" presName="parentText" presStyleLbl="node1" presStyleIdx="0" presStyleCnt="3" custScaleY="142181">
         <dgm:presLayoutVars>
           <dgm:chMax val="0"/>
           <dgm:bulletEnabled val="1"/>
@@ -5074,7 +6318,7 @@
       <dgm:spPr/>
     </dgm:pt>
     <dgm:pt modelId="{931D6A6E-93EC-4819-9B97-AC40EFE1491B}" type="pres">
-      <dgm:prSet presAssocID="{FE57310B-E39A-4167-98DD-6AD8EC1F0FDC}" presName="childText" presStyleLbl="conFgAcc1" presStyleIdx="0" presStyleCnt="2">
+      <dgm:prSet presAssocID="{FE57310B-E39A-4167-98DD-6AD8EC1F0FDC}" presName="childText" presStyleLbl="conFgAcc1" presStyleIdx="0" presStyleCnt="3">
         <dgm:presLayoutVars>
           <dgm:bulletEnabled val="1"/>
         </dgm:presLayoutVars>
@@ -5090,11 +6334,11 @@
       <dgm:spPr/>
     </dgm:pt>
     <dgm:pt modelId="{36A4AD68-0358-5B4F-A92F-F527226317ED}" type="pres">
-      <dgm:prSet presAssocID="{B58ED6A1-48D7-3147-8D22-81DEAFBA111B}" presName="parentLeftMargin" presStyleLbl="node1" presStyleIdx="0" presStyleCnt="2"/>
+      <dgm:prSet presAssocID="{B58ED6A1-48D7-3147-8D22-81DEAFBA111B}" presName="parentLeftMargin" presStyleLbl="node1" presStyleIdx="0" presStyleCnt="3"/>
       <dgm:spPr/>
     </dgm:pt>
     <dgm:pt modelId="{F198820D-90DB-AE4C-9B85-BBCF5219F3CE}" type="pres">
-      <dgm:prSet presAssocID="{B58ED6A1-48D7-3147-8D22-81DEAFBA111B}" presName="parentText" presStyleLbl="node1" presStyleIdx="1" presStyleCnt="2">
+      <dgm:prSet presAssocID="{B58ED6A1-48D7-3147-8D22-81DEAFBA111B}" presName="parentText" presStyleLbl="node1" presStyleIdx="1" presStyleCnt="3">
         <dgm:presLayoutVars>
           <dgm:chMax val="0"/>
           <dgm:bulletEnabled val="1"/>
@@ -5107,7 +6351,40 @@
       <dgm:spPr/>
     </dgm:pt>
     <dgm:pt modelId="{74829CBB-C67D-D740-8229-CDB899A221D1}" type="pres">
-      <dgm:prSet presAssocID="{B58ED6A1-48D7-3147-8D22-81DEAFBA111B}" presName="childText" presStyleLbl="conFgAcc1" presStyleIdx="1" presStyleCnt="2">
+      <dgm:prSet presAssocID="{B58ED6A1-48D7-3147-8D22-81DEAFBA111B}" presName="childText" presStyleLbl="conFgAcc1" presStyleIdx="1" presStyleCnt="3">
+        <dgm:presLayoutVars>
+          <dgm:bulletEnabled val="1"/>
+        </dgm:presLayoutVars>
+      </dgm:prSet>
+      <dgm:spPr/>
+    </dgm:pt>
+    <dgm:pt modelId="{2664E17D-76D6-FF4D-BD42-81A346ECF7BD}" type="pres">
+      <dgm:prSet presAssocID="{EC7B5A50-5940-914A-8F77-BF85B832CD18}" presName="spaceBetweenRectangles" presStyleCnt="0"/>
+      <dgm:spPr/>
+    </dgm:pt>
+    <dgm:pt modelId="{B13798B0-6A5A-2542-80DF-CC4D02E93D6B}" type="pres">
+      <dgm:prSet presAssocID="{CF4EC751-7070-4A40-8F6C-98CA4ADAA61A}" presName="parentLin" presStyleCnt="0"/>
+      <dgm:spPr/>
+    </dgm:pt>
+    <dgm:pt modelId="{C8D9B11E-EFF0-084B-B7B5-2632B0F03789}" type="pres">
+      <dgm:prSet presAssocID="{CF4EC751-7070-4A40-8F6C-98CA4ADAA61A}" presName="parentLeftMargin" presStyleLbl="node1" presStyleIdx="1" presStyleCnt="3"/>
+      <dgm:spPr/>
+    </dgm:pt>
+    <dgm:pt modelId="{428FB4A6-3B7D-4949-A959-20FCC45B3636}" type="pres">
+      <dgm:prSet presAssocID="{CF4EC751-7070-4A40-8F6C-98CA4ADAA61A}" presName="parentText" presStyleLbl="node1" presStyleIdx="2" presStyleCnt="3">
+        <dgm:presLayoutVars>
+          <dgm:chMax val="0"/>
+          <dgm:bulletEnabled val="1"/>
+        </dgm:presLayoutVars>
+      </dgm:prSet>
+      <dgm:spPr/>
+    </dgm:pt>
+    <dgm:pt modelId="{2C792E36-F50D-FE4F-A836-759B5638962E}" type="pres">
+      <dgm:prSet presAssocID="{CF4EC751-7070-4A40-8F6C-98CA4ADAA61A}" presName="negativeSpace" presStyleCnt="0"/>
+      <dgm:spPr/>
+    </dgm:pt>
+    <dgm:pt modelId="{F49BA0ED-64CF-F847-B351-54744AF65EDB}" type="pres">
+      <dgm:prSet presAssocID="{CF4EC751-7070-4A40-8F6C-98CA4ADAA61A}" presName="childText" presStyleLbl="conFgAcc1" presStyleIdx="2" presStyleCnt="3">
         <dgm:presLayoutVars>
           <dgm:bulletEnabled val="1"/>
         </dgm:presLayoutVars>
@@ -5117,16 +6394,23 @@
   </dgm:ptLst>
   <dgm:cxnLst>
     <dgm:cxn modelId="{AB061D07-4AFC-4A7F-A4E6-C39C3E480D2E}" type="presOf" srcId="{FE57310B-E39A-4167-98DD-6AD8EC1F0FDC}" destId="{C0616BCA-4E95-4081-B3A9-68AC1C66B276}" srcOrd="1" destOrd="0" presId="urn:microsoft.com/office/officeart/2005/8/layout/list1"/>
+    <dgm:cxn modelId="{45485118-969A-6449-9806-C3E95DBA2D19}" srcId="{CF4EC751-7070-4A40-8F6C-98CA4ADAA61A}" destId="{3BC0A78E-4B08-8D49-93A6-B452133ADF15}" srcOrd="0" destOrd="0" parTransId="{175663A0-2C04-FA46-9950-209D5EC9BD16}" sibTransId="{BE4B8D6E-F583-4A4A-9843-DE31E1BE6F6F}"/>
     <dgm:cxn modelId="{C50C0C1E-8FF8-DB44-BB8C-F177DA921E21}" srcId="{1C3A8082-4D69-49F6-8AFD-BD82CE3D4450}" destId="{B58ED6A1-48D7-3147-8D22-81DEAFBA111B}" srcOrd="1" destOrd="0" parTransId="{96C5B5EF-08DD-0143-9E9A-F49F07909BD3}" sibTransId="{EC7B5A50-5940-914A-8F77-BF85B832CD18}"/>
-    <dgm:cxn modelId="{02333E66-86AA-8044-930B-E8D91830ECB5}" srcId="{B58ED6A1-48D7-3147-8D22-81DEAFBA111B}" destId="{CF4EC751-7070-4A40-8F6C-98CA4ADAA61A}" srcOrd="0" destOrd="0" parTransId="{1D02D2C9-CF3F-FD4F-99C0-547837E3B485}" sibTransId="{CC9674DE-C515-114D-AD64-8E7DC054CC8B}"/>
+    <dgm:cxn modelId="{EF9B3C59-17F4-6844-B97D-FDD68E7AAEAE}" srcId="{CF4EC751-7070-4A40-8F6C-98CA4ADAA61A}" destId="{7084604E-C7AC-2E4B-B968-5C3468B1C2BD}" srcOrd="1" destOrd="0" parTransId="{022AFDAC-5589-D14D-9B67-3997319AD22C}" sibTransId="{3810C364-092F-4A46-9739-980963A4A1F2}"/>
+    <dgm:cxn modelId="{2538355C-1E50-2646-B60D-DDDBA3E4E26F}" type="presOf" srcId="{CF4EC751-7070-4A40-8F6C-98CA4ADAA61A}" destId="{C8D9B11E-EFF0-084B-B7B5-2632B0F03789}" srcOrd="0" destOrd="0" presId="urn:microsoft.com/office/officeart/2005/8/layout/list1"/>
+    <dgm:cxn modelId="{02333E66-86AA-8044-930B-E8D91830ECB5}" srcId="{1C3A8082-4D69-49F6-8AFD-BD82CE3D4450}" destId="{CF4EC751-7070-4A40-8F6C-98CA4ADAA61A}" srcOrd="2" destOrd="0" parTransId="{1D02D2C9-CF3F-FD4F-99C0-547837E3B485}" sibTransId="{CC9674DE-C515-114D-AD64-8E7DC054CC8B}"/>
+    <dgm:cxn modelId="{DBE9526E-EB8C-9A43-87B6-2D744B564C0A}" type="presOf" srcId="{7FE5DECD-9715-774C-AE6A-E90377FE82D4}" destId="{F49BA0ED-64CF-F847-B351-54744AF65EDB}" srcOrd="0" destOrd="2" presId="urn:microsoft.com/office/officeart/2005/8/layout/list1"/>
+    <dgm:cxn modelId="{E3874979-A3D6-0443-9909-BCB8D8EB4B99}" srcId="{CF4EC751-7070-4A40-8F6C-98CA4ADAA61A}" destId="{7FE5DECD-9715-774C-AE6A-E90377FE82D4}" srcOrd="2" destOrd="0" parTransId="{2080D167-C91B-5844-A257-4E0DA93DFA1A}" sibTransId="{53327B19-3EBD-1B46-ADBA-2D7782E8C0E5}"/>
+    <dgm:cxn modelId="{FCD2E57E-C06F-A446-BE45-E76BA0D49C65}" type="presOf" srcId="{7084604E-C7AC-2E4B-B968-5C3468B1C2BD}" destId="{F49BA0ED-64CF-F847-B351-54744AF65EDB}" srcOrd="0" destOrd="1" presId="urn:microsoft.com/office/officeart/2005/8/layout/list1"/>
     <dgm:cxn modelId="{B2753987-604E-4D4D-9E2F-46A3280CA9EC}" srcId="{FE57310B-E39A-4167-98DD-6AD8EC1F0FDC}" destId="{F54DDFD7-A606-44CB-B117-8DA6AA77AB88}" srcOrd="1" destOrd="0" parTransId="{C1C83170-832F-469B-8DD3-99ABFF8BE78B}" sibTransId="{72E517D2-A62A-4D5D-B4B1-FF1836378F61}"/>
     <dgm:cxn modelId="{47CA4196-9F01-49D4-9373-CEF021FFA2DD}" type="presOf" srcId="{FE57310B-E39A-4167-98DD-6AD8EC1F0FDC}" destId="{1E8EA7FC-367F-40D3-BDDF-F44DD6D054F1}" srcOrd="0" destOrd="0" presId="urn:microsoft.com/office/officeart/2005/8/layout/list1"/>
     <dgm:cxn modelId="{C286B7A5-10D1-47BC-A1BC-559FD2F7AA34}" type="presOf" srcId="{1C3A8082-4D69-49F6-8AFD-BD82CE3D4450}" destId="{A274053C-6D62-4674-9A38-22341AC8580D}" srcOrd="0" destOrd="0" presId="urn:microsoft.com/office/officeart/2005/8/layout/list1"/>
     <dgm:cxn modelId="{5595AAB2-48F2-5A4D-A219-550FD793EEB7}" srcId="{FE57310B-E39A-4167-98DD-6AD8EC1F0FDC}" destId="{334FFB05-7968-6549-9730-49E42302450B}" srcOrd="0" destOrd="0" parTransId="{44746112-29A5-F04A-8C3B-CD5C31065572}" sibTransId="{0E5A1239-B626-8349-BE5C-EF4B43501887}"/>
     <dgm:cxn modelId="{BC4FCAB8-EF0D-4681-A300-F69043354E7D}" type="presOf" srcId="{F54DDFD7-A606-44CB-B117-8DA6AA77AB88}" destId="{931D6A6E-93EC-4819-9B97-AC40EFE1491B}" srcOrd="0" destOrd="1" presId="urn:microsoft.com/office/officeart/2005/8/layout/list1"/>
     <dgm:cxn modelId="{56208EBD-E38F-4306-8238-20D1F811375E}" srcId="{1C3A8082-4D69-49F6-8AFD-BD82CE3D4450}" destId="{FE57310B-E39A-4167-98DD-6AD8EC1F0FDC}" srcOrd="0" destOrd="0" parTransId="{2DBD94BA-65AE-420C-B759-3A724156FE8C}" sibTransId="{1AB3C494-F4C6-42F5-A09F-DCFA8C82A99C}"/>
+    <dgm:cxn modelId="{9DC8D0BE-A6A3-D648-AA16-EE6C4A5C4151}" type="presOf" srcId="{3BC0A78E-4B08-8D49-93A6-B452133ADF15}" destId="{F49BA0ED-64CF-F847-B351-54744AF65EDB}" srcOrd="0" destOrd="0" presId="urn:microsoft.com/office/officeart/2005/8/layout/list1"/>
     <dgm:cxn modelId="{07C306C8-68AC-FA47-ABC1-DBE47032633D}" type="presOf" srcId="{B58ED6A1-48D7-3147-8D22-81DEAFBA111B}" destId="{36A4AD68-0358-5B4F-A92F-F527226317ED}" srcOrd="0" destOrd="0" presId="urn:microsoft.com/office/officeart/2005/8/layout/list1"/>
-    <dgm:cxn modelId="{DAF0FAD9-7489-CD43-86EC-6222B915BFC0}" type="presOf" srcId="{CF4EC751-7070-4A40-8F6C-98CA4ADAA61A}" destId="{74829CBB-C67D-D740-8229-CDB899A221D1}" srcOrd="0" destOrd="0" presId="urn:microsoft.com/office/officeart/2005/8/layout/list1"/>
+    <dgm:cxn modelId="{0CFB8DED-DA54-2A46-98A3-9F9E0F9D2AC3}" type="presOf" srcId="{CF4EC751-7070-4A40-8F6C-98CA4ADAA61A}" destId="{428FB4A6-3B7D-4949-A959-20FCC45B3636}" srcOrd="1" destOrd="0" presId="urn:microsoft.com/office/officeart/2005/8/layout/list1"/>
     <dgm:cxn modelId="{145E07F7-FDF3-B34E-8C0B-815DB0A44B12}" type="presOf" srcId="{334FFB05-7968-6549-9730-49E42302450B}" destId="{931D6A6E-93EC-4819-9B97-AC40EFE1491B}" srcOrd="0" destOrd="0" presId="urn:microsoft.com/office/officeart/2005/8/layout/list1"/>
     <dgm:cxn modelId="{466DF6FB-D53D-2944-9D5A-5AD67C015EB2}" type="presOf" srcId="{B58ED6A1-48D7-3147-8D22-81DEAFBA111B}" destId="{F198820D-90DB-AE4C-9B85-BBCF5219F3CE}" srcOrd="1" destOrd="0" presId="urn:microsoft.com/office/officeart/2005/8/layout/list1"/>
     <dgm:cxn modelId="{FDB082E0-44E1-4CB0-BD9C-13ABFB4B49B0}" type="presParOf" srcId="{A274053C-6D62-4674-9A38-22341AC8580D}" destId="{E158E0AA-834A-4F22-801E-8061365391EA}" srcOrd="0" destOrd="0" presId="urn:microsoft.com/office/officeart/2005/8/layout/list1"/>
@@ -5140,6 +6424,12 @@
     <dgm:cxn modelId="{A2E1E032-9118-924F-9BCC-0928B69CA39B}" type="presParOf" srcId="{5F1EC7CA-6845-7A45-859F-85F0CFD7E18D}" destId="{F198820D-90DB-AE4C-9B85-BBCF5219F3CE}" srcOrd="1" destOrd="0" presId="urn:microsoft.com/office/officeart/2005/8/layout/list1"/>
     <dgm:cxn modelId="{BD6022E2-22E5-5249-AE60-1E2CD23B8794}" type="presParOf" srcId="{A274053C-6D62-4674-9A38-22341AC8580D}" destId="{A986B612-8D3C-D04B-B890-39EEFB0F10B7}" srcOrd="5" destOrd="0" presId="urn:microsoft.com/office/officeart/2005/8/layout/list1"/>
     <dgm:cxn modelId="{DCF0ADB5-DCFC-6045-8581-AD48F6FF00A6}" type="presParOf" srcId="{A274053C-6D62-4674-9A38-22341AC8580D}" destId="{74829CBB-C67D-D740-8229-CDB899A221D1}" srcOrd="6" destOrd="0" presId="urn:microsoft.com/office/officeart/2005/8/layout/list1"/>
+    <dgm:cxn modelId="{B26733FE-6425-3948-93D5-6D58AAA6214F}" type="presParOf" srcId="{A274053C-6D62-4674-9A38-22341AC8580D}" destId="{2664E17D-76D6-FF4D-BD42-81A346ECF7BD}" srcOrd="7" destOrd="0" presId="urn:microsoft.com/office/officeart/2005/8/layout/list1"/>
+    <dgm:cxn modelId="{0C7F74D1-75DC-3F48-891C-77AD9125464E}" type="presParOf" srcId="{A274053C-6D62-4674-9A38-22341AC8580D}" destId="{B13798B0-6A5A-2542-80DF-CC4D02E93D6B}" srcOrd="8" destOrd="0" presId="urn:microsoft.com/office/officeart/2005/8/layout/list1"/>
+    <dgm:cxn modelId="{EC3787E2-E00B-C049-B547-4177998483F8}" type="presParOf" srcId="{B13798B0-6A5A-2542-80DF-CC4D02E93D6B}" destId="{C8D9B11E-EFF0-084B-B7B5-2632B0F03789}" srcOrd="0" destOrd="0" presId="urn:microsoft.com/office/officeart/2005/8/layout/list1"/>
+    <dgm:cxn modelId="{E574DE70-6B51-F54A-800F-069757C0D7AE}" type="presParOf" srcId="{B13798B0-6A5A-2542-80DF-CC4D02E93D6B}" destId="{428FB4A6-3B7D-4949-A959-20FCC45B3636}" srcOrd="1" destOrd="0" presId="urn:microsoft.com/office/officeart/2005/8/layout/list1"/>
+    <dgm:cxn modelId="{21520230-91EB-0E45-BCA5-D45EFA8214C1}" type="presParOf" srcId="{A274053C-6D62-4674-9A38-22341AC8580D}" destId="{2C792E36-F50D-FE4F-A836-759B5638962E}" srcOrd="9" destOrd="0" presId="urn:microsoft.com/office/officeart/2005/8/layout/list1"/>
+    <dgm:cxn modelId="{DBDD5764-46BF-784D-81A9-888D46D08C3A}" type="presParOf" srcId="{A274053C-6D62-4674-9A38-22341AC8580D}" destId="{F49BA0ED-64CF-F847-B351-54744AF65EDB}" srcOrd="10" destOrd="0" presId="urn:microsoft.com/office/officeart/2005/8/layout/list1"/>
   </dgm:cxnLst>
   <dgm:bg/>
   <dgm:whole/>
@@ -6167,20 +7457,58 @@
       <dsp:cNvGrpSpPr/>
     </dsp:nvGrpSpPr>
     <dsp:grpSpPr/>
-    <dsp:sp modelId="{579F8EBA-1CFE-D74B-B8A1-CCF7F6DD69D3}">
+    <dsp:sp modelId="{01CE21C2-F331-4A46-AD8C-8995317FDCE0}">
       <dsp:nvSpPr>
         <dsp:cNvPr id="0" name=""/>
         <dsp:cNvSpPr/>
       </dsp:nvSpPr>
       <dsp:spPr>
         <a:xfrm>
-          <a:off x="1570" y="0"/>
-          <a:ext cx="3349090" cy="996185"/>
+          <a:off x="595187" y="0"/>
+          <a:ext cx="6745456" cy="2703672"/>
+        </a:xfrm>
+        <a:prstGeom prst="rightArrow">
+          <a:avLst/>
+        </a:prstGeom>
+        <a:solidFill>
+          <a:schemeClr val="accent2">
+            <a:tint val="40000"/>
+            <a:hueOff val="0"/>
+            <a:satOff val="0"/>
+            <a:lumOff val="0"/>
+            <a:alphaOff val="0"/>
+          </a:schemeClr>
+        </a:solidFill>
+        <a:ln>
+          <a:noFill/>
+        </a:ln>
+        <a:effectLst/>
+      </dsp:spPr>
+      <dsp:style>
+        <a:lnRef idx="0">
+          <a:scrgbClr r="0" g="0" b="0"/>
+        </a:lnRef>
+        <a:fillRef idx="1">
+          <a:scrgbClr r="0" g="0" b="0"/>
+        </a:fillRef>
+        <a:effectRef idx="0">
+          <a:scrgbClr r="0" g="0" b="0"/>
+        </a:effectRef>
+        <a:fontRef idx="minor"/>
+      </dsp:style>
+    </dsp:sp>
+    <dsp:sp modelId="{41290DBC-4E2D-5042-B820-7FDBDA8877BA}">
+      <dsp:nvSpPr>
+        <dsp:cNvPr id="0" name=""/>
+        <dsp:cNvSpPr/>
+      </dsp:nvSpPr>
+      <dsp:spPr>
+        <a:xfrm>
+          <a:off x="36521" y="811101"/>
+          <a:ext cx="3834618" cy="1081468"/>
         </a:xfrm>
         <a:prstGeom prst="roundRect">
-          <a:avLst>
-            <a:gd name="adj" fmla="val 10000"/>
-          </a:avLst>
+          <a:avLst/>
         </a:prstGeom>
         <a:solidFill>
           <a:schemeClr val="accent2">
@@ -6219,12 +7547,12 @@
         </a:fontRef>
       </dsp:style>
       <dsp:txBody>
-        <a:bodyPr spcFirstLastPara="0" vert="horz" wrap="square" lIns="87630" tIns="87630" rIns="87630" bIns="87630" numCol="1" spcCol="1270" anchor="ctr" anchorCtr="0">
+        <a:bodyPr spcFirstLastPara="0" vert="horz" wrap="square" lIns="99060" tIns="99060" rIns="99060" bIns="99060" numCol="1" spcCol="1270" anchor="ctr" anchorCtr="0">
           <a:noAutofit/>
         </a:bodyPr>
         <a:lstStyle/>
         <a:p>
-          <a:pPr marL="0" lvl="0" indent="0" algn="ctr" defTabSz="1022350">
+          <a:pPr marL="0" lvl="0" indent="0" algn="ctr" defTabSz="1155700">
             <a:lnSpc>
               <a:spcPct val="90000"/>
             </a:lnSpc>
@@ -6237,112 +7565,41 @@
             <a:buNone/>
           </a:pPr>
           <a:r>
-            <a:rPr lang="fr-FR" sz="2300" kern="1200" dirty="0"/>
+            <a:rPr lang="fr-FR" sz="2600" kern="1200" dirty="0"/>
             <a:t>Méthode AIC </a:t>
           </a:r>
           <a:r>
-            <a:rPr lang="fr-FR" sz="2300" kern="1200" dirty="0" err="1"/>
+            <a:rPr lang="fr-FR" sz="2600" kern="1200" dirty="0" err="1"/>
             <a:t>forward</a:t>
           </a:r>
           <a:r>
-            <a:rPr lang="fr-FR" sz="2300" kern="1200" dirty="0"/>
+            <a:rPr lang="fr-FR" sz="2600" kern="1200" dirty="0"/>
             <a:t> et </a:t>
           </a:r>
           <a:r>
-            <a:rPr lang="fr-FR" sz="2300" kern="1200" dirty="0" err="1"/>
+            <a:rPr lang="fr-FR" sz="2600" kern="1200" dirty="0" err="1"/>
             <a:t>backward</a:t>
           </a:r>
-          <a:endParaRPr lang="fr-FR" sz="2300" kern="1200" dirty="0"/>
+          <a:endParaRPr lang="fr-FR" sz="2600" kern="1200" dirty="0"/>
         </a:p>
       </dsp:txBody>
       <dsp:txXfrm>
-        <a:off x="30747" y="29177"/>
-        <a:ext cx="3290736" cy="937831"/>
+        <a:off x="89314" y="863894"/>
+        <a:ext cx="3729032" cy="975882"/>
       </dsp:txXfrm>
     </dsp:sp>
-    <dsp:sp modelId="{C6AF0F3F-2E8D-E14C-92E1-54268FC6C209}">
+    <dsp:sp modelId="{769E4336-529B-1547-B872-756E5F0E4D91}">
       <dsp:nvSpPr>
         <dsp:cNvPr id="0" name=""/>
         <dsp:cNvSpPr/>
       </dsp:nvSpPr>
       <dsp:spPr>
         <a:xfrm>
-          <a:off x="3685570" y="82805"/>
-          <a:ext cx="710007" cy="830574"/>
-        </a:xfrm>
-        <a:prstGeom prst="rightArrow">
-          <a:avLst>
-            <a:gd name="adj1" fmla="val 60000"/>
-            <a:gd name="adj2" fmla="val 50000"/>
-          </a:avLst>
-        </a:prstGeom>
-        <a:solidFill>
-          <a:schemeClr val="accent2">
-            <a:hueOff val="0"/>
-            <a:satOff val="0"/>
-            <a:lumOff val="0"/>
-            <a:alphaOff val="0"/>
-          </a:schemeClr>
-        </a:solidFill>
-        <a:ln>
-          <a:noFill/>
-        </a:ln>
-        <a:effectLst/>
-      </dsp:spPr>
-      <dsp:style>
-        <a:lnRef idx="0">
-          <a:scrgbClr r="0" g="0" b="0"/>
-        </a:lnRef>
-        <a:fillRef idx="1">
-          <a:scrgbClr r="0" g="0" b="0"/>
-        </a:fillRef>
-        <a:effectRef idx="0">
-          <a:scrgbClr r="0" g="0" b="0"/>
-        </a:effectRef>
-        <a:fontRef idx="minor">
-          <a:schemeClr val="lt1"/>
-        </a:fontRef>
-      </dsp:style>
-      <dsp:txBody>
-        <a:bodyPr spcFirstLastPara="0" vert="horz" wrap="square" lIns="0" tIns="0" rIns="0" bIns="0" numCol="1" spcCol="1270" anchor="ctr" anchorCtr="0">
-          <a:noAutofit/>
-        </a:bodyPr>
-        <a:lstStyle/>
-        <a:p>
-          <a:pPr marL="0" lvl="0" indent="0" algn="ctr" defTabSz="800100">
-            <a:lnSpc>
-              <a:spcPct val="90000"/>
-            </a:lnSpc>
-            <a:spcBef>
-              <a:spcPct val="0"/>
-            </a:spcBef>
-            <a:spcAft>
-              <a:spcPct val="35000"/>
-            </a:spcAft>
-            <a:buNone/>
-          </a:pPr>
-          <a:endParaRPr lang="fr-FR" sz="1800" kern="1200"/>
-        </a:p>
-      </dsp:txBody>
-      <dsp:txXfrm>
-        <a:off x="3685570" y="248920"/>
-        <a:ext cx="497005" cy="498344"/>
-      </dsp:txXfrm>
-    </dsp:sp>
-    <dsp:sp modelId="{6146DC6D-3999-4D41-9646-6791F9054727}">
-      <dsp:nvSpPr>
-        <dsp:cNvPr id="0" name=""/>
-        <dsp:cNvSpPr/>
-      </dsp:nvSpPr>
-      <dsp:spPr>
-        <a:xfrm>
-          <a:off x="4690297" y="0"/>
-          <a:ext cx="3349090" cy="996185"/>
+          <a:off x="4064691" y="811101"/>
+          <a:ext cx="3834618" cy="1081468"/>
         </a:xfrm>
         <a:prstGeom prst="roundRect">
-          <a:avLst>
-            <a:gd name="adj" fmla="val 10000"/>
-          </a:avLst>
+          <a:avLst/>
         </a:prstGeom>
         <a:solidFill>
           <a:schemeClr val="accent3">
@@ -6381,12 +7638,12 @@
         </a:fontRef>
       </dsp:style>
       <dsp:txBody>
-        <a:bodyPr spcFirstLastPara="0" vert="horz" wrap="square" lIns="87630" tIns="87630" rIns="87630" bIns="87630" numCol="1" spcCol="1270" anchor="ctr" anchorCtr="0">
+        <a:bodyPr spcFirstLastPara="0" vert="horz" wrap="square" lIns="99060" tIns="99060" rIns="99060" bIns="99060" numCol="1" spcCol="1270" anchor="ctr" anchorCtr="0">
           <a:noAutofit/>
         </a:bodyPr>
         <a:lstStyle/>
         <a:p>
-          <a:pPr marL="0" lvl="0" indent="0" algn="ctr" defTabSz="1022350">
+          <a:pPr marL="0" lvl="0" indent="0" algn="ctr" defTabSz="1155700">
             <a:lnSpc>
               <a:spcPct val="90000"/>
             </a:lnSpc>
@@ -6399,14 +7656,14 @@
             <a:buNone/>
           </a:pPr>
           <a:r>
-            <a:rPr lang="fr-FR" sz="2300" kern="1200" dirty="0"/>
-            <a:t>15 variables sélectionnées sur les 29 possibles</a:t>
+            <a:rPr lang="fr-FR" sz="2600" kern="1200" dirty="0"/>
+            <a:t>14 variables sélectionnées sur les 29 possibles</a:t>
           </a:r>
         </a:p>
       </dsp:txBody>
       <dsp:txXfrm>
-        <a:off x="4719474" y="29177"/>
-        <a:ext cx="3290736" cy="937831"/>
+        <a:off x="4117484" y="863894"/>
+        <a:ext cx="3729032" cy="975882"/>
       </dsp:txXfrm>
     </dsp:sp>
   </dsp:spTree>
@@ -6421,6 +7678,492 @@
       <dsp:cNvGrpSpPr/>
     </dsp:nvGrpSpPr>
     <dsp:grpSpPr/>
+    <dsp:sp modelId="{DA38010D-D769-DA4D-AEEC-4D9582E36432}">
+      <dsp:nvSpPr>
+        <dsp:cNvPr id="0" name=""/>
+        <dsp:cNvSpPr/>
+      </dsp:nvSpPr>
+      <dsp:spPr>
+        <a:xfrm rot="5400000">
+          <a:off x="5045837" y="-1808193"/>
+          <a:ext cx="972191" cy="4835308"/>
+        </a:xfrm>
+        <a:prstGeom prst="round2SameRect">
+          <a:avLst/>
+        </a:prstGeom>
+        <a:solidFill>
+          <a:schemeClr val="accent4">
+            <a:tint val="40000"/>
+            <a:alpha val="90000"/>
+            <a:hueOff val="0"/>
+            <a:satOff val="0"/>
+            <a:lumOff val="0"/>
+            <a:alphaOff val="0"/>
+          </a:schemeClr>
+        </a:solidFill>
+        <a:ln w="12700" cap="flat" cmpd="sng" algn="ctr">
+          <a:solidFill>
+            <a:schemeClr val="accent4">
+              <a:tint val="40000"/>
+              <a:alpha val="90000"/>
+              <a:hueOff val="0"/>
+              <a:satOff val="0"/>
+              <a:lumOff val="0"/>
+              <a:alphaOff val="0"/>
+            </a:schemeClr>
+          </a:solidFill>
+          <a:prstDash val="solid"/>
+          <a:miter lim="800000"/>
+        </a:ln>
+        <a:effectLst/>
+      </dsp:spPr>
+      <dsp:style>
+        <a:lnRef idx="2">
+          <a:scrgbClr r="0" g="0" b="0"/>
+        </a:lnRef>
+        <a:fillRef idx="1">
+          <a:scrgbClr r="0" g="0" b="0"/>
+        </a:fillRef>
+        <a:effectRef idx="0">
+          <a:scrgbClr r="0" g="0" b="0"/>
+        </a:effectRef>
+        <a:fontRef idx="minor"/>
+      </dsp:style>
+      <dsp:txBody>
+        <a:bodyPr spcFirstLastPara="0" vert="horz" wrap="square" lIns="102870" tIns="51435" rIns="102870" bIns="51435" numCol="1" spcCol="1270" anchor="ctr" anchorCtr="0">
+          <a:noAutofit/>
+        </a:bodyPr>
+        <a:lstStyle/>
+        <a:p>
+          <a:pPr marL="228600" lvl="1" indent="-228600" algn="l" defTabSz="1200150">
+            <a:lnSpc>
+              <a:spcPct val="90000"/>
+            </a:lnSpc>
+            <a:spcBef>
+              <a:spcPct val="0"/>
+            </a:spcBef>
+            <a:spcAft>
+              <a:spcPct val="15000"/>
+            </a:spcAft>
+            <a:buChar char="•"/>
+          </a:pPr>
+          <a:r>
+            <a:rPr lang="fr-FR" sz="2700" kern="1200" dirty="0"/>
+            <a:t>Les 14 variables sélectionnées précédemment</a:t>
+          </a:r>
+        </a:p>
+      </dsp:txBody>
+      <dsp:txXfrm rot="-5400000">
+        <a:off x="3114279" y="170823"/>
+        <a:ext cx="4787850" cy="877275"/>
+      </dsp:txXfrm>
+    </dsp:sp>
+    <dsp:sp modelId="{ACD509C5-3532-BC45-8848-27073C7440C6}">
+      <dsp:nvSpPr>
+        <dsp:cNvPr id="0" name=""/>
+        <dsp:cNvSpPr/>
+      </dsp:nvSpPr>
+      <dsp:spPr>
+        <a:xfrm>
+          <a:off x="0" y="0"/>
+          <a:ext cx="3113996" cy="1215239"/>
+        </a:xfrm>
+        <a:prstGeom prst="roundRect">
+          <a:avLst/>
+        </a:prstGeom>
+        <a:solidFill>
+          <a:schemeClr val="accent4">
+            <a:hueOff val="0"/>
+            <a:satOff val="0"/>
+            <a:lumOff val="0"/>
+            <a:alphaOff val="0"/>
+          </a:schemeClr>
+        </a:solidFill>
+        <a:ln w="12700" cap="flat" cmpd="sng" algn="ctr">
+          <a:solidFill>
+            <a:schemeClr val="lt1">
+              <a:hueOff val="0"/>
+              <a:satOff val="0"/>
+              <a:lumOff val="0"/>
+              <a:alphaOff val="0"/>
+            </a:schemeClr>
+          </a:solidFill>
+          <a:prstDash val="solid"/>
+          <a:miter lim="800000"/>
+        </a:ln>
+        <a:effectLst/>
+      </dsp:spPr>
+      <dsp:style>
+        <a:lnRef idx="2">
+          <a:scrgbClr r="0" g="0" b="0"/>
+        </a:lnRef>
+        <a:fillRef idx="1">
+          <a:scrgbClr r="0" g="0" b="0"/>
+        </a:fillRef>
+        <a:effectRef idx="0">
+          <a:scrgbClr r="0" g="0" b="0"/>
+        </a:effectRef>
+        <a:fontRef idx="minor">
+          <a:schemeClr val="lt1"/>
+        </a:fontRef>
+      </dsp:style>
+      <dsp:txBody>
+        <a:bodyPr spcFirstLastPara="0" vert="horz" wrap="square" lIns="129540" tIns="64770" rIns="129540" bIns="64770" numCol="1" spcCol="1270" anchor="ctr" anchorCtr="0">
+          <a:noAutofit/>
+        </a:bodyPr>
+        <a:lstStyle/>
+        <a:p>
+          <a:pPr marL="0" lvl="0" indent="0" algn="ctr" defTabSz="1511300">
+            <a:lnSpc>
+              <a:spcPct val="90000"/>
+            </a:lnSpc>
+            <a:spcBef>
+              <a:spcPct val="0"/>
+            </a:spcBef>
+            <a:spcAft>
+              <a:spcPct val="35000"/>
+            </a:spcAft>
+            <a:buNone/>
+          </a:pPr>
+          <a:r>
+            <a:rPr lang="fr-FR" sz="3400" kern="1200" dirty="0"/>
+            <a:t>Variables explicatives :</a:t>
+          </a:r>
+        </a:p>
+      </dsp:txBody>
+      <dsp:txXfrm>
+        <a:off x="59323" y="59323"/>
+        <a:ext cx="2995350" cy="1096593"/>
+      </dsp:txXfrm>
+    </dsp:sp>
+    <dsp:sp modelId="{2DD683C0-BE47-6F49-A8A4-64CE754F4A7D}">
+      <dsp:nvSpPr>
+        <dsp:cNvPr id="0" name=""/>
+        <dsp:cNvSpPr/>
+      </dsp:nvSpPr>
+      <dsp:spPr>
+        <a:xfrm rot="5400000">
+          <a:off x="5047143" y="-532192"/>
+          <a:ext cx="972191" cy="4835308"/>
+        </a:xfrm>
+        <a:prstGeom prst="round2SameRect">
+          <a:avLst/>
+        </a:prstGeom>
+        <a:solidFill>
+          <a:schemeClr val="accent4">
+            <a:tint val="40000"/>
+            <a:alpha val="90000"/>
+            <a:hueOff val="-245540"/>
+            <a:satOff val="-3346"/>
+            <a:lumOff val="-166"/>
+            <a:alphaOff val="0"/>
+          </a:schemeClr>
+        </a:solidFill>
+        <a:ln w="12700" cap="flat" cmpd="sng" algn="ctr">
+          <a:solidFill>
+            <a:schemeClr val="accent4">
+              <a:tint val="40000"/>
+              <a:alpha val="90000"/>
+              <a:hueOff val="-245540"/>
+              <a:satOff val="-3346"/>
+              <a:lumOff val="-166"/>
+              <a:alphaOff val="0"/>
+            </a:schemeClr>
+          </a:solidFill>
+          <a:prstDash val="solid"/>
+          <a:miter lim="800000"/>
+        </a:ln>
+        <a:effectLst/>
+      </dsp:spPr>
+      <dsp:style>
+        <a:lnRef idx="2">
+          <a:scrgbClr r="0" g="0" b="0"/>
+        </a:lnRef>
+        <a:fillRef idx="1">
+          <a:scrgbClr r="0" g="0" b="0"/>
+        </a:fillRef>
+        <a:effectRef idx="0">
+          <a:scrgbClr r="0" g="0" b="0"/>
+        </a:effectRef>
+        <a:fontRef idx="minor"/>
+      </dsp:style>
+      <dsp:txBody>
+        <a:bodyPr spcFirstLastPara="0" vert="horz" wrap="square" lIns="102870" tIns="51435" rIns="102870" bIns="51435" numCol="1" spcCol="1270" anchor="ctr" anchorCtr="0">
+          <a:noAutofit/>
+        </a:bodyPr>
+        <a:lstStyle/>
+        <a:p>
+          <a:pPr marL="228600" lvl="1" indent="-228600" algn="l" defTabSz="1200150">
+            <a:lnSpc>
+              <a:spcPct val="90000"/>
+            </a:lnSpc>
+            <a:spcBef>
+              <a:spcPct val="0"/>
+            </a:spcBef>
+            <a:spcAft>
+              <a:spcPct val="15000"/>
+            </a:spcAft>
+            <a:buChar char="•"/>
+          </a:pPr>
+          <a:r>
+            <a:rPr lang="fr-FR" sz="2700" kern="1200" dirty="0"/>
+            <a:t>Tous les individus</a:t>
+          </a:r>
+        </a:p>
+      </dsp:txBody>
+      <dsp:txXfrm rot="-5400000">
+        <a:off x="3115585" y="1446824"/>
+        <a:ext cx="4787850" cy="877275"/>
+      </dsp:txXfrm>
+    </dsp:sp>
+    <dsp:sp modelId="{F49811DE-F347-C74A-B867-5E20FACDF540}">
+      <dsp:nvSpPr>
+        <dsp:cNvPr id="0" name=""/>
+        <dsp:cNvSpPr/>
+      </dsp:nvSpPr>
+      <dsp:spPr>
+        <a:xfrm>
+          <a:off x="282" y="1277842"/>
+          <a:ext cx="3115301" cy="1215239"/>
+        </a:xfrm>
+        <a:prstGeom prst="roundRect">
+          <a:avLst/>
+        </a:prstGeom>
+        <a:solidFill>
+          <a:schemeClr val="accent4">
+            <a:hueOff val="-415542"/>
+            <a:satOff val="-2665"/>
+            <a:lumOff val="687"/>
+            <a:alphaOff val="0"/>
+          </a:schemeClr>
+        </a:solidFill>
+        <a:ln w="12700" cap="flat" cmpd="sng" algn="ctr">
+          <a:solidFill>
+            <a:schemeClr val="lt1">
+              <a:hueOff val="0"/>
+              <a:satOff val="0"/>
+              <a:lumOff val="0"/>
+              <a:alphaOff val="0"/>
+            </a:schemeClr>
+          </a:solidFill>
+          <a:prstDash val="solid"/>
+          <a:miter lim="800000"/>
+        </a:ln>
+        <a:effectLst/>
+      </dsp:spPr>
+      <dsp:style>
+        <a:lnRef idx="2">
+          <a:scrgbClr r="0" g="0" b="0"/>
+        </a:lnRef>
+        <a:fillRef idx="1">
+          <a:scrgbClr r="0" g="0" b="0"/>
+        </a:fillRef>
+        <a:effectRef idx="0">
+          <a:scrgbClr r="0" g="0" b="0"/>
+        </a:effectRef>
+        <a:fontRef idx="minor">
+          <a:schemeClr val="lt1"/>
+        </a:fontRef>
+      </dsp:style>
+      <dsp:txBody>
+        <a:bodyPr spcFirstLastPara="0" vert="horz" wrap="square" lIns="129540" tIns="64770" rIns="129540" bIns="64770" numCol="1" spcCol="1270" anchor="ctr" anchorCtr="0">
+          <a:noAutofit/>
+        </a:bodyPr>
+        <a:lstStyle/>
+        <a:p>
+          <a:pPr marL="0" lvl="0" indent="0" algn="ctr" defTabSz="1511300">
+            <a:lnSpc>
+              <a:spcPct val="90000"/>
+            </a:lnSpc>
+            <a:spcBef>
+              <a:spcPct val="0"/>
+            </a:spcBef>
+            <a:spcAft>
+              <a:spcPct val="35000"/>
+            </a:spcAft>
+            <a:buNone/>
+          </a:pPr>
+          <a:r>
+            <a:rPr lang="fr-FR" sz="3400" kern="1200" dirty="0"/>
+            <a:t>Cohorte :</a:t>
+          </a:r>
+        </a:p>
+      </dsp:txBody>
+      <dsp:txXfrm>
+        <a:off x="59605" y="1337165"/>
+        <a:ext cx="2996655" cy="1096593"/>
+      </dsp:txXfrm>
+    </dsp:sp>
+    <dsp:sp modelId="{287A56A0-9BD1-EB48-AC75-6C67EDCCFB0A}">
+      <dsp:nvSpPr>
+        <dsp:cNvPr id="0" name=""/>
+        <dsp:cNvSpPr/>
+      </dsp:nvSpPr>
+      <dsp:spPr>
+        <a:xfrm rot="5400000">
+          <a:off x="5045837" y="743808"/>
+          <a:ext cx="972191" cy="4835308"/>
+        </a:xfrm>
+        <a:prstGeom prst="round2SameRect">
+          <a:avLst/>
+        </a:prstGeom>
+        <a:solidFill>
+          <a:schemeClr val="accent4">
+            <a:tint val="40000"/>
+            <a:alpha val="90000"/>
+            <a:hueOff val="-491080"/>
+            <a:satOff val="-6693"/>
+            <a:lumOff val="-333"/>
+            <a:alphaOff val="0"/>
+          </a:schemeClr>
+        </a:solidFill>
+        <a:ln w="12700" cap="flat" cmpd="sng" algn="ctr">
+          <a:solidFill>
+            <a:schemeClr val="accent4">
+              <a:tint val="40000"/>
+              <a:alpha val="90000"/>
+              <a:hueOff val="-491080"/>
+              <a:satOff val="-6693"/>
+              <a:lumOff val="-333"/>
+              <a:alphaOff val="0"/>
+            </a:schemeClr>
+          </a:solidFill>
+          <a:prstDash val="solid"/>
+          <a:miter lim="800000"/>
+        </a:ln>
+        <a:effectLst/>
+      </dsp:spPr>
+      <dsp:style>
+        <a:lnRef idx="2">
+          <a:scrgbClr r="0" g="0" b="0"/>
+        </a:lnRef>
+        <a:fillRef idx="1">
+          <a:scrgbClr r="0" g="0" b="0"/>
+        </a:fillRef>
+        <a:effectRef idx="0">
+          <a:scrgbClr r="0" g="0" b="0"/>
+        </a:effectRef>
+        <a:fontRef idx="minor"/>
+      </dsp:style>
+      <dsp:txBody>
+        <a:bodyPr spcFirstLastPara="0" vert="horz" wrap="square" lIns="102870" tIns="51435" rIns="102870" bIns="51435" numCol="1" spcCol="1270" anchor="ctr" anchorCtr="0">
+          <a:noAutofit/>
+        </a:bodyPr>
+        <a:lstStyle/>
+        <a:p>
+          <a:pPr marL="228600" lvl="1" indent="-228600" algn="l" defTabSz="1200150">
+            <a:lnSpc>
+              <a:spcPct val="90000"/>
+            </a:lnSpc>
+            <a:spcBef>
+              <a:spcPct val="0"/>
+            </a:spcBef>
+            <a:spcAft>
+              <a:spcPct val="15000"/>
+            </a:spcAft>
+            <a:buChar char="•"/>
+          </a:pPr>
+          <a:r>
+            <a:rPr lang="fr-FR" sz="2700" kern="1200" dirty="0"/>
+            <a:t>32%</a:t>
+          </a:r>
+        </a:p>
+      </dsp:txBody>
+      <dsp:txXfrm rot="-5400000">
+        <a:off x="3114279" y="2722824"/>
+        <a:ext cx="4787850" cy="877275"/>
+      </dsp:txXfrm>
+    </dsp:sp>
+    <dsp:sp modelId="{91FD8C45-7A6E-1A41-A7DC-9BCEEDCF4162}">
+      <dsp:nvSpPr>
+        <dsp:cNvPr id="0" name=""/>
+        <dsp:cNvSpPr/>
+      </dsp:nvSpPr>
+      <dsp:spPr>
+        <a:xfrm>
+          <a:off x="282" y="2553843"/>
+          <a:ext cx="3113996" cy="1215239"/>
+        </a:xfrm>
+        <a:prstGeom prst="roundRect">
+          <a:avLst/>
+        </a:prstGeom>
+        <a:solidFill>
+          <a:schemeClr val="accent4">
+            <a:hueOff val="-831085"/>
+            <a:satOff val="-5329"/>
+            <a:lumOff val="1374"/>
+            <a:alphaOff val="0"/>
+          </a:schemeClr>
+        </a:solidFill>
+        <a:ln w="12700" cap="flat" cmpd="sng" algn="ctr">
+          <a:solidFill>
+            <a:schemeClr val="lt1">
+              <a:hueOff val="0"/>
+              <a:satOff val="0"/>
+              <a:lumOff val="0"/>
+              <a:alphaOff val="0"/>
+            </a:schemeClr>
+          </a:solidFill>
+          <a:prstDash val="solid"/>
+          <a:miter lim="800000"/>
+        </a:ln>
+        <a:effectLst/>
+      </dsp:spPr>
+      <dsp:style>
+        <a:lnRef idx="2">
+          <a:scrgbClr r="0" g="0" b="0"/>
+        </a:lnRef>
+        <a:fillRef idx="1">
+          <a:scrgbClr r="0" g="0" b="0"/>
+        </a:fillRef>
+        <a:effectRef idx="0">
+          <a:scrgbClr r="0" g="0" b="0"/>
+        </a:effectRef>
+        <a:fontRef idx="minor">
+          <a:schemeClr val="lt1"/>
+        </a:fontRef>
+      </dsp:style>
+      <dsp:txBody>
+        <a:bodyPr spcFirstLastPara="0" vert="horz" wrap="square" lIns="129540" tIns="64770" rIns="129540" bIns="64770" numCol="1" spcCol="1270" anchor="ctr" anchorCtr="0">
+          <a:noAutofit/>
+        </a:bodyPr>
+        <a:lstStyle/>
+        <a:p>
+          <a:pPr marL="0" lvl="0" indent="0" algn="ctr" defTabSz="1511300">
+            <a:lnSpc>
+              <a:spcPct val="90000"/>
+            </a:lnSpc>
+            <a:spcBef>
+              <a:spcPct val="0"/>
+            </a:spcBef>
+            <a:spcAft>
+              <a:spcPct val="35000"/>
+            </a:spcAft>
+            <a:buNone/>
+          </a:pPr>
+          <a:r>
+            <a:rPr lang="fr-FR" sz="3400" kern="1200" dirty="0"/>
+            <a:t>Taux d’erreur :</a:t>
+          </a:r>
+        </a:p>
+      </dsp:txBody>
+      <dsp:txXfrm>
+        <a:off x="59605" y="2613166"/>
+        <a:ext cx="2995350" cy="1096593"/>
+      </dsp:txXfrm>
+    </dsp:sp>
+  </dsp:spTree>
+</dsp:drawing>
+</file>
+
+<file path=ppt/diagrams/drawing5.xml><?xml version="1.0" encoding="utf-8"?>
+<dsp:drawing xmlns:dgm="http://schemas.openxmlformats.org/drawingml/2006/diagram" xmlns:dsp="http://schemas.microsoft.com/office/drawing/2008/diagram" xmlns:a="http://schemas.openxmlformats.org/drawingml/2006/main">
+  <dsp:spTree>
+    <dsp:nvGrpSpPr>
+      <dsp:cNvPr id="0" name=""/>
+      <dsp:cNvGrpSpPr/>
+    </dsp:nvGrpSpPr>
+    <dsp:grpSpPr/>
     <dsp:sp modelId="{931D6A6E-93EC-4819-9B97-AC40EFE1491B}">
       <dsp:nvSpPr>
         <dsp:cNvPr id="0" name=""/>
@@ -6428,7 +8171,7 @@
       </dsp:nvSpPr>
       <dsp:spPr>
         <a:xfrm>
-          <a:off x="0" y="2036666"/>
+          <a:off x="0" y="1031186"/>
           <a:ext cx="5811128" cy="1223775"/>
         </a:xfrm>
         <a:prstGeom prst="rect">
@@ -6512,7 +8255,7 @@
         </a:p>
       </dsp:txBody>
       <dsp:txXfrm>
-        <a:off x="0" y="2036666"/>
+        <a:off x="0" y="1031186"/>
         <a:ext cx="5811128" cy="1223775"/>
       </dsp:txXfrm>
     </dsp:sp>
@@ -6523,7 +8266,7 @@
       </dsp:nvSpPr>
       <dsp:spPr>
         <a:xfrm>
-          <a:off x="290556" y="1465217"/>
+          <a:off x="290556" y="459737"/>
           <a:ext cx="4067789" cy="881408"/>
         </a:xfrm>
         <a:prstGeom prst="roundRect">
@@ -6590,7 +8333,7 @@
         </a:p>
       </dsp:txBody>
       <dsp:txXfrm>
-        <a:off x="333583" y="1508244"/>
+        <a:off x="333583" y="502764"/>
         <a:ext cx="3981735" cy="795354"/>
       </dsp:txXfrm>
     </dsp:sp>
@@ -6601,7 +8344,7 @@
       </dsp:nvSpPr>
       <dsp:spPr>
         <a:xfrm>
-          <a:off x="0" y="3683801"/>
+          <a:off x="0" y="2678321"/>
           <a:ext cx="5811128" cy="529200"/>
         </a:xfrm>
         <a:prstGeom prst="rect">
@@ -6642,31 +8385,6 @@
         </a:effectRef>
         <a:fontRef idx="minor"/>
       </dsp:style>
-      <dsp:txBody>
-        <a:bodyPr spcFirstLastPara="0" vert="horz" wrap="square" lIns="451008" tIns="437388" rIns="451008" bIns="149352" numCol="1" spcCol="1270" anchor="t" anchorCtr="0">
-          <a:noAutofit/>
-        </a:bodyPr>
-        <a:lstStyle/>
-        <a:p>
-          <a:pPr marL="228600" lvl="1" indent="-228600" algn="l" defTabSz="933450">
-            <a:lnSpc>
-              <a:spcPct val="90000"/>
-            </a:lnSpc>
-            <a:spcBef>
-              <a:spcPct val="0"/>
-            </a:spcBef>
-            <a:spcAft>
-              <a:spcPct val="15000"/>
-            </a:spcAft>
-            <a:buChar char="•"/>
-          </a:pPr>
-          <a:endParaRPr lang="fr-FR" sz="2100" kern="1200" dirty="0"/>
-        </a:p>
-      </dsp:txBody>
-      <dsp:txXfrm>
-        <a:off x="0" y="3683801"/>
-        <a:ext cx="5811128" cy="529200"/>
-      </dsp:txXfrm>
     </dsp:sp>
     <dsp:sp modelId="{F198820D-90DB-AE4C-9B85-BBCF5219F3CE}">
       <dsp:nvSpPr>
@@ -6675,7 +8393,7 @@
       </dsp:nvSpPr>
       <dsp:spPr>
         <a:xfrm>
-          <a:off x="290556" y="3373841"/>
+          <a:off x="290556" y="2368361"/>
           <a:ext cx="4067789" cy="619920"/>
         </a:xfrm>
         <a:prstGeom prst="roundRect">
@@ -6742,7 +8460,198 @@
         </a:p>
       </dsp:txBody>
       <dsp:txXfrm>
-        <a:off x="320818" y="3404103"/>
+        <a:off x="320818" y="2398623"/>
+        <a:ext cx="4007265" cy="559396"/>
+      </dsp:txXfrm>
+    </dsp:sp>
+    <dsp:sp modelId="{F49BA0ED-64CF-F847-B351-54744AF65EDB}">
+      <dsp:nvSpPr>
+        <dsp:cNvPr id="0" name=""/>
+        <dsp:cNvSpPr/>
+      </dsp:nvSpPr>
+      <dsp:spPr>
+        <a:xfrm>
+          <a:off x="0" y="3630881"/>
+          <a:ext cx="5811128" cy="1587600"/>
+        </a:xfrm>
+        <a:prstGeom prst="rect">
+          <a:avLst/>
+        </a:prstGeom>
+        <a:solidFill>
+          <a:schemeClr val="lt1">
+            <a:alpha val="90000"/>
+            <a:hueOff val="0"/>
+            <a:satOff val="0"/>
+            <a:lumOff val="0"/>
+            <a:alphaOff val="0"/>
+          </a:schemeClr>
+        </a:solidFill>
+        <a:ln w="12700" cap="flat" cmpd="sng" algn="ctr">
+          <a:solidFill>
+            <a:schemeClr val="accent4">
+              <a:hueOff val="0"/>
+              <a:satOff val="0"/>
+              <a:lumOff val="0"/>
+              <a:alphaOff val="0"/>
+            </a:schemeClr>
+          </a:solidFill>
+          <a:prstDash val="solid"/>
+          <a:miter lim="800000"/>
+        </a:ln>
+        <a:effectLst/>
+      </dsp:spPr>
+      <dsp:style>
+        <a:lnRef idx="2">
+          <a:scrgbClr r="0" g="0" b="0"/>
+        </a:lnRef>
+        <a:fillRef idx="1">
+          <a:scrgbClr r="0" g="0" b="0"/>
+        </a:fillRef>
+        <a:effectRef idx="0">
+          <a:scrgbClr r="0" g="0" b="0"/>
+        </a:effectRef>
+        <a:fontRef idx="minor"/>
+      </dsp:style>
+      <dsp:txBody>
+        <a:bodyPr spcFirstLastPara="0" vert="horz" wrap="square" lIns="451008" tIns="437388" rIns="451008" bIns="149352" numCol="1" spcCol="1270" anchor="t" anchorCtr="0">
+          <a:noAutofit/>
+        </a:bodyPr>
+        <a:lstStyle/>
+        <a:p>
+          <a:pPr marL="228600" lvl="1" indent="-228600" algn="l" defTabSz="933450">
+            <a:lnSpc>
+              <a:spcPct val="90000"/>
+            </a:lnSpc>
+            <a:spcBef>
+              <a:spcPct val="0"/>
+            </a:spcBef>
+            <a:spcAft>
+              <a:spcPct val="15000"/>
+            </a:spcAft>
+            <a:buChar char="•"/>
+          </a:pPr>
+          <a:r>
+            <a:rPr lang="fr-FR" sz="2100" kern="1200" dirty="0"/>
+            <a:t>Introduction</a:t>
+          </a:r>
+        </a:p>
+        <a:p>
+          <a:pPr marL="228600" lvl="1" indent="-228600" algn="l" defTabSz="933450">
+            <a:lnSpc>
+              <a:spcPct val="90000"/>
+            </a:lnSpc>
+            <a:spcBef>
+              <a:spcPct val="0"/>
+            </a:spcBef>
+            <a:spcAft>
+              <a:spcPct val="15000"/>
+            </a:spcAft>
+            <a:buChar char="•"/>
+          </a:pPr>
+          <a:r>
+            <a:rPr lang="fr-FR" sz="2100" kern="1200" dirty="0"/>
+            <a:t>Partie 1 : étude des données</a:t>
+          </a:r>
+        </a:p>
+        <a:p>
+          <a:pPr marL="228600" lvl="1" indent="-228600" algn="l" defTabSz="933450">
+            <a:lnSpc>
+              <a:spcPct val="90000"/>
+            </a:lnSpc>
+            <a:spcBef>
+              <a:spcPct val="0"/>
+            </a:spcBef>
+            <a:spcAft>
+              <a:spcPct val="15000"/>
+            </a:spcAft>
+            <a:buChar char="•"/>
+          </a:pPr>
+          <a:r>
+            <a:rPr lang="fr-FR" sz="2100" kern="1200" dirty="0"/>
+            <a:t>Annexes correspondants à la partie 1</a:t>
+          </a:r>
+        </a:p>
+      </dsp:txBody>
+      <dsp:txXfrm>
+        <a:off x="0" y="3630881"/>
+        <a:ext cx="5811128" cy="1587600"/>
+      </dsp:txXfrm>
+    </dsp:sp>
+    <dsp:sp modelId="{428FB4A6-3B7D-4949-A959-20FCC45B3636}">
+      <dsp:nvSpPr>
+        <dsp:cNvPr id="0" name=""/>
+        <dsp:cNvSpPr/>
+      </dsp:nvSpPr>
+      <dsp:spPr>
+        <a:xfrm>
+          <a:off x="290556" y="3320921"/>
+          <a:ext cx="4067789" cy="619920"/>
+        </a:xfrm>
+        <a:prstGeom prst="roundRect">
+          <a:avLst/>
+        </a:prstGeom>
+        <a:solidFill>
+          <a:schemeClr val="accent4">
+            <a:hueOff val="0"/>
+            <a:satOff val="0"/>
+            <a:lumOff val="0"/>
+            <a:alphaOff val="0"/>
+          </a:schemeClr>
+        </a:solidFill>
+        <a:ln w="12700" cap="flat" cmpd="sng" algn="ctr">
+          <a:solidFill>
+            <a:schemeClr val="lt1">
+              <a:hueOff val="0"/>
+              <a:satOff val="0"/>
+              <a:lumOff val="0"/>
+              <a:alphaOff val="0"/>
+            </a:schemeClr>
+          </a:solidFill>
+          <a:prstDash val="solid"/>
+          <a:miter lim="800000"/>
+        </a:ln>
+        <a:effectLst/>
+      </dsp:spPr>
+      <dsp:style>
+        <a:lnRef idx="2">
+          <a:scrgbClr r="0" g="0" b="0"/>
+        </a:lnRef>
+        <a:fillRef idx="1">
+          <a:scrgbClr r="0" g="0" b="0"/>
+        </a:fillRef>
+        <a:effectRef idx="0">
+          <a:scrgbClr r="0" g="0" b="0"/>
+        </a:effectRef>
+        <a:fontRef idx="minor">
+          <a:schemeClr val="lt1"/>
+        </a:fontRef>
+      </dsp:style>
+      <dsp:txBody>
+        <a:bodyPr spcFirstLastPara="0" vert="horz" wrap="square" lIns="153753" tIns="0" rIns="153753" bIns="0" numCol="1" spcCol="1270" anchor="ctr" anchorCtr="0">
+          <a:noAutofit/>
+        </a:bodyPr>
+        <a:lstStyle/>
+        <a:p>
+          <a:pPr marL="0" lvl="0" indent="0" algn="l" defTabSz="933450">
+            <a:lnSpc>
+              <a:spcPct val="90000"/>
+            </a:lnSpc>
+            <a:spcBef>
+              <a:spcPct val="0"/>
+            </a:spcBef>
+            <a:spcAft>
+              <a:spcPct val="35000"/>
+            </a:spcAft>
+            <a:buNone/>
+          </a:pPr>
+          <a:r>
+            <a:rPr lang="fr-FR" sz="2100" kern="1200" dirty="0"/>
+            <a:t>Rédaction du rapport</a:t>
+          </a:r>
+        </a:p>
+      </dsp:txBody>
+      <dsp:txXfrm>
+        <a:off x="320818" y="3351183"/>
         <a:ext cx="4007265" cy="559396"/>
       </dsp:txXfrm>
     </dsp:sp>
@@ -7193,12 +9102,12 @@
 </file>
 
 <file path=ppt/diagrams/layout3.xml><?xml version="1.0" encoding="utf-8"?>
-<dgm:layoutDef xmlns:dgm="http://schemas.openxmlformats.org/drawingml/2006/diagram" xmlns:a="http://schemas.openxmlformats.org/drawingml/2006/main" uniqueId="urn:microsoft.com/office/officeart/2005/8/layout/process1">
+<dgm:layoutDef xmlns:dgm="http://schemas.openxmlformats.org/drawingml/2006/diagram" xmlns:a="http://schemas.openxmlformats.org/drawingml/2006/main" uniqueId="urn:microsoft.com/office/officeart/2005/8/layout/hProcess9">
   <dgm:title val=""/>
   <dgm:desc val=""/>
   <dgm:catLst>
-    <dgm:cat type="process" pri="1000"/>
-    <dgm:cat type="convert" pri="15000"/>
+    <dgm:cat type="process" pri="5000"/>
+    <dgm:cat type="convert" pri="13000"/>
   </dgm:catLst>
   <dgm:sampData useDef="1">
     <dgm:dataModel>
@@ -7241,18 +9150,229 @@
       <dgm:whole/>
     </dgm:dataModel>
   </dgm:clrData>
-  <dgm:layoutNode name="Name0">
+  <dgm:layoutNode name="CompostProcess">
     <dgm:varLst>
       <dgm:dir/>
       <dgm:resizeHandles val="exact"/>
     </dgm:varLst>
+    <dgm:alg type="composite">
+      <dgm:param type="horzAlign" val="ctr"/>
+      <dgm:param type="vertAlign" val="mid"/>
+    </dgm:alg>
+    <dgm:shape xmlns:r="http://schemas.openxmlformats.org/officeDocument/2006/relationships" r:blip="">
+      <dgm:adjLst/>
+    </dgm:shape>
+    <dgm:presOf/>
+    <dgm:constrLst>
+      <dgm:constr type="w" for="ch" forName="arrow" refType="w" fact="0.85"/>
+      <dgm:constr type="h" for="ch" forName="arrow" refType="h"/>
+      <dgm:constr type="ctrX" for="ch" forName="arrow" refType="w" fact="0.5"/>
+      <dgm:constr type="ctrY" for="ch" forName="arrow" refType="h" fact="0.5"/>
+      <dgm:constr type="w" for="ch" forName="linearProcess" refType="w"/>
+      <dgm:constr type="h" for="ch" forName="linearProcess" refType="h" fact="0.4"/>
+      <dgm:constr type="ctrX" for="ch" forName="linearProcess" refType="w" fact="0.5"/>
+      <dgm:constr type="ctrY" for="ch" forName="linearProcess" refType="h" fact="0.5"/>
+    </dgm:constrLst>
+    <dgm:ruleLst/>
+    <dgm:layoutNode name="arrow" styleLbl="bgShp">
+      <dgm:alg type="sp"/>
+      <dgm:choose name="Name0">
+        <dgm:if name="Name1" func="var" arg="dir" op="equ" val="norm">
+          <dgm:shape xmlns:r="http://schemas.openxmlformats.org/officeDocument/2006/relationships" type="rightArrow" r:blip="">
+            <dgm:adjLst/>
+          </dgm:shape>
+        </dgm:if>
+        <dgm:else name="Name2">
+          <dgm:shape xmlns:r="http://schemas.openxmlformats.org/officeDocument/2006/relationships" type="leftArrow" r:blip="">
+            <dgm:adjLst/>
+          </dgm:shape>
+        </dgm:else>
+      </dgm:choose>
+      <dgm:presOf/>
+      <dgm:constrLst/>
+      <dgm:ruleLst/>
+    </dgm:layoutNode>
+    <dgm:layoutNode name="linearProcess">
+      <dgm:choose name="Name3">
+        <dgm:if name="Name4" func="var" arg="dir" op="equ" val="norm">
+          <dgm:alg type="lin"/>
+        </dgm:if>
+        <dgm:else name="Name5">
+          <dgm:alg type="lin">
+            <dgm:param type="linDir" val="fromR"/>
+          </dgm:alg>
+        </dgm:else>
+      </dgm:choose>
+      <dgm:shape xmlns:r="http://schemas.openxmlformats.org/officeDocument/2006/relationships" r:blip="">
+        <dgm:adjLst/>
+      </dgm:shape>
+      <dgm:presOf/>
+      <dgm:constrLst>
+        <dgm:constr type="userA" for="ch" ptType="node" refType="w"/>
+        <dgm:constr type="h" for="ch" ptType="node" refType="h"/>
+        <dgm:constr type="w" for="ch" ptType="node" op="equ"/>
+        <dgm:constr type="w" for="ch" forName="sibTrans" refType="w" fact="0.05"/>
+        <dgm:constr type="primFontSz" for="ch" ptType="node" op="equ" val="65"/>
+      </dgm:constrLst>
+      <dgm:ruleLst/>
+      <dgm:forEach name="Name6" axis="ch" ptType="node">
+        <dgm:layoutNode name="textNode" styleLbl="node1">
+          <dgm:varLst>
+            <dgm:bulletEnabled val="1"/>
+          </dgm:varLst>
+          <dgm:alg type="tx"/>
+          <dgm:shape xmlns:r="http://schemas.openxmlformats.org/officeDocument/2006/relationships" type="roundRect" r:blip="">
+            <dgm:adjLst/>
+          </dgm:shape>
+          <dgm:presOf axis="desOrSelf" ptType="node"/>
+          <dgm:constrLst>
+            <dgm:constr type="userA"/>
+            <dgm:constr type="w" refType="userA" fact="0.3"/>
+            <dgm:constr type="tMarg" refType="primFontSz" fact="0.3"/>
+            <dgm:constr type="bMarg" refType="primFontSz" fact="0.3"/>
+            <dgm:constr type="lMarg" refType="primFontSz" fact="0.3"/>
+            <dgm:constr type="rMarg" refType="primFontSz" fact="0.3"/>
+          </dgm:constrLst>
+          <dgm:ruleLst>
+            <dgm:rule type="w" val="NaN" fact="1" max="NaN"/>
+            <dgm:rule type="primFontSz" val="5" fact="NaN" max="NaN"/>
+          </dgm:ruleLst>
+        </dgm:layoutNode>
+        <dgm:forEach name="Name7" axis="followSib" ptType="sibTrans" cnt="1">
+          <dgm:layoutNode name="sibTrans">
+            <dgm:alg type="sp"/>
+            <dgm:shape xmlns:r="http://schemas.openxmlformats.org/officeDocument/2006/relationships" r:blip="">
+              <dgm:adjLst/>
+            </dgm:shape>
+            <dgm:presOf/>
+            <dgm:constrLst/>
+            <dgm:ruleLst/>
+          </dgm:layoutNode>
+        </dgm:forEach>
+      </dgm:forEach>
+    </dgm:layoutNode>
+  </dgm:layoutNode>
+</dgm:layoutDef>
+</file>
+
+<file path=ppt/diagrams/layout4.xml><?xml version="1.0" encoding="utf-8"?>
+<dgm:layoutDef xmlns:dgm="http://schemas.openxmlformats.org/drawingml/2006/diagram" xmlns:a="http://schemas.openxmlformats.org/drawingml/2006/main" uniqueId="urn:microsoft.com/office/officeart/2005/8/layout/vList5">
+  <dgm:title val=""/>
+  <dgm:desc val=""/>
+  <dgm:catLst>
+    <dgm:cat type="list" pri="15000"/>
+    <dgm:cat type="convert" pri="2000"/>
+  </dgm:catLst>
+  <dgm:sampData>
+    <dgm:dataModel>
+      <dgm:ptLst>
+        <dgm:pt modelId="0" type="doc"/>
+        <dgm:pt modelId="1">
+          <dgm:prSet phldr="1"/>
+        </dgm:pt>
+        <dgm:pt modelId="11">
+          <dgm:prSet phldr="1"/>
+        </dgm:pt>
+        <dgm:pt modelId="12">
+          <dgm:prSet phldr="1"/>
+        </dgm:pt>
+        <dgm:pt modelId="2">
+          <dgm:prSet phldr="1"/>
+        </dgm:pt>
+        <dgm:pt modelId="21">
+          <dgm:prSet phldr="1"/>
+        </dgm:pt>
+        <dgm:pt modelId="22">
+          <dgm:prSet phldr="1"/>
+        </dgm:pt>
+        <dgm:pt modelId="3">
+          <dgm:prSet phldr="1"/>
+        </dgm:pt>
+        <dgm:pt modelId="31">
+          <dgm:prSet phldr="1"/>
+        </dgm:pt>
+        <dgm:pt modelId="32">
+          <dgm:prSet phldr="1"/>
+        </dgm:pt>
+      </dgm:ptLst>
+      <dgm:cxnLst>
+        <dgm:cxn modelId="4" srcId="0" destId="1" srcOrd="0" destOrd="0"/>
+        <dgm:cxn modelId="5" srcId="0" destId="2" srcOrd="1" destOrd="0"/>
+        <dgm:cxn modelId="6" srcId="0" destId="3" srcOrd="2" destOrd="0"/>
+        <dgm:cxn modelId="13" srcId="1" destId="11" srcOrd="0" destOrd="0"/>
+        <dgm:cxn modelId="14" srcId="1" destId="12" srcOrd="1" destOrd="0"/>
+        <dgm:cxn modelId="23" srcId="2" destId="21" srcOrd="0" destOrd="0"/>
+        <dgm:cxn modelId="24" srcId="2" destId="22" srcOrd="1" destOrd="0"/>
+        <dgm:cxn modelId="33" srcId="3" destId="31" srcOrd="0" destOrd="0"/>
+        <dgm:cxn modelId="34" srcId="3" destId="32" srcOrd="1" destOrd="0"/>
+      </dgm:cxnLst>
+      <dgm:bg/>
+      <dgm:whole/>
+    </dgm:dataModel>
+  </dgm:sampData>
+  <dgm:styleData>
+    <dgm:dataModel>
+      <dgm:ptLst>
+        <dgm:pt modelId="0" type="doc"/>
+        <dgm:pt modelId="1"/>
+        <dgm:pt modelId="11"/>
+        <dgm:pt modelId="2"/>
+        <dgm:pt modelId="21"/>
+      </dgm:ptLst>
+      <dgm:cxnLst>
+        <dgm:cxn modelId="4" srcId="0" destId="1" srcOrd="0" destOrd="0"/>
+        <dgm:cxn modelId="5" srcId="0" destId="2" srcOrd="1" destOrd="0"/>
+        <dgm:cxn modelId="13" srcId="1" destId="11" srcOrd="0" destOrd="0"/>
+        <dgm:cxn modelId="23" srcId="2" destId="21" srcOrd="0" destOrd="0"/>
+      </dgm:cxnLst>
+      <dgm:bg/>
+      <dgm:whole/>
+    </dgm:dataModel>
+  </dgm:styleData>
+  <dgm:clrData>
+    <dgm:dataModel>
+      <dgm:ptLst>
+        <dgm:pt modelId="0" type="doc"/>
+        <dgm:pt modelId="1"/>
+        <dgm:pt modelId="11"/>
+        <dgm:pt modelId="2"/>
+        <dgm:pt modelId="21"/>
+        <dgm:pt modelId="3"/>
+        <dgm:pt modelId="31"/>
+        <dgm:pt modelId="4"/>
+        <dgm:pt modelId="41"/>
+      </dgm:ptLst>
+      <dgm:cxnLst>
+        <dgm:cxn modelId="5" srcId="0" destId="1" srcOrd="0" destOrd="0"/>
+        <dgm:cxn modelId="6" srcId="0" destId="2" srcOrd="1" destOrd="0"/>
+        <dgm:cxn modelId="7" srcId="0" destId="3" srcOrd="2" destOrd="0"/>
+        <dgm:cxn modelId="8" srcId="0" destId="4" srcOrd="3" destOrd="0"/>
+        <dgm:cxn modelId="13" srcId="1" destId="11" srcOrd="0" destOrd="0"/>
+        <dgm:cxn modelId="23" srcId="2" destId="21" srcOrd="0" destOrd="0"/>
+        <dgm:cxn modelId="33" srcId="3" destId="31" srcOrd="0" destOrd="0"/>
+        <dgm:cxn modelId="43" srcId="4" destId="41" srcOrd="0" destOrd="0"/>
+      </dgm:cxnLst>
+      <dgm:bg/>
+      <dgm:whole/>
+    </dgm:dataModel>
+  </dgm:clrData>
+  <dgm:layoutNode name="Name0">
+    <dgm:varLst>
+      <dgm:dir/>
+      <dgm:animLvl val="lvl"/>
+      <dgm:resizeHandles val="exact"/>
+    </dgm:varLst>
     <dgm:choose name="Name1">
       <dgm:if name="Name2" func="var" arg="dir" op="equ" val="norm">
-        <dgm:alg type="lin"/>
+        <dgm:alg type="lin">
+          <dgm:param type="linDir" val="fromT"/>
+          <dgm:param type="nodeHorzAlign" val="l"/>
+        </dgm:alg>
       </dgm:if>
       <dgm:else name="Name3">
         <dgm:alg type="lin">
-          <dgm:param type="linDir" val="fromR"/>
+          <dgm:param type="linDir" val="fromT"/>
+          <dgm:param type="nodeHorzAlign" val="r"/>
         </dgm:alg>
       </dgm:else>
     </dgm:choose>
@@ -7261,76 +9381,106 @@
     </dgm:shape>
     <dgm:presOf/>
     <dgm:constrLst>
-      <dgm:constr type="w" for="ch" ptType="node" refType="w"/>
-      <dgm:constr type="h" for="ch" ptType="node" op="equ"/>
-      <dgm:constr type="primFontSz" for="ch" ptType="node" op="equ" val="65"/>
-      <dgm:constr type="w" for="ch" ptType="sibTrans" refType="w" refFor="ch" refPtType="node" op="equ" fact="0.4"/>
-      <dgm:constr type="h" for="ch" ptType="sibTrans" op="equ"/>
-      <dgm:constr type="primFontSz" for="des" forName="connectorText" op="equ" val="55"/>
-      <dgm:constr type="primFontSz" for="des" forName="connectorText" refType="primFontSz" refFor="ch" refPtType="node" op="lte" fact="0.8"/>
+      <dgm:constr type="h" for="ch" forName="linNode" refType="h"/>
+      <dgm:constr type="w" for="ch" forName="linNode" refType="w"/>
+      <dgm:constr type="h" for="ch" forName="sp" refType="h" fact="0.05"/>
+      <dgm:constr type="primFontSz" for="des" forName="parentText" op="equ" val="65"/>
+      <dgm:constr type="secFontSz" for="des" forName="descendantText" op="equ"/>
     </dgm:constrLst>
     <dgm:ruleLst/>
-    <dgm:forEach name="nodesForEach" axis="ch" ptType="node">
-      <dgm:layoutNode name="node">
-        <dgm:varLst>
-          <dgm:bulletEnabled val="1"/>
-        </dgm:varLst>
-        <dgm:alg type="tx"/>
-        <dgm:shape xmlns:r="http://schemas.openxmlformats.org/officeDocument/2006/relationships" type="roundRect" r:blip="">
-          <dgm:adjLst>
-            <dgm:adj idx="1" val="0.1"/>
-          </dgm:adjLst>
+    <dgm:forEach name="Name4" axis="ch" ptType="node">
+      <dgm:layoutNode name="linNode">
+        <dgm:choose name="Name5">
+          <dgm:if name="Name6" func="var" arg="dir" op="equ" val="norm">
+            <dgm:alg type="lin">
+              <dgm:param type="linDir" val="fromL"/>
+            </dgm:alg>
+          </dgm:if>
+          <dgm:else name="Name7">
+            <dgm:alg type="lin">
+              <dgm:param type="linDir" val="fromR"/>
+            </dgm:alg>
+          </dgm:else>
+        </dgm:choose>
+        <dgm:shape xmlns:r="http://schemas.openxmlformats.org/officeDocument/2006/relationships" r:blip="">
+          <dgm:adjLst/>
         </dgm:shape>
-        <dgm:presOf axis="desOrSelf" ptType="node"/>
+        <dgm:presOf/>
         <dgm:constrLst>
-          <dgm:constr type="h" refType="w" fact="0.6"/>
-          <dgm:constr type="tMarg" refType="primFontSz" fact="0.3"/>
-          <dgm:constr type="bMarg" refType="primFontSz" fact="0.3"/>
-          <dgm:constr type="lMarg" refType="primFontSz" fact="0.3"/>
-          <dgm:constr type="rMarg" refType="primFontSz" fact="0.3"/>
+          <dgm:constr type="w" for="ch" forName="parentText" refType="w" fact="0.36"/>
+          <dgm:constr type="w" for="ch" forName="descendantText" refType="w" fact="0.64"/>
+          <dgm:constr type="h" for="ch" forName="parentText" refType="h"/>
+          <dgm:constr type="h" for="ch" forName="descendantText" refType="h" refFor="ch" refForName="parentText" fact="0.8"/>
         </dgm:constrLst>
-        <dgm:ruleLst>
-          <dgm:rule type="primFontSz" val="18" fact="NaN" max="NaN"/>
-          <dgm:rule type="h" val="NaN" fact="1.5" max="NaN"/>
-          <dgm:rule type="primFontSz" val="5" fact="NaN" max="NaN"/>
-          <dgm:rule type="h" val="INF" fact="NaN" max="NaN"/>
-        </dgm:ruleLst>
-      </dgm:layoutNode>
-      <dgm:forEach name="sibTransForEach" axis="followSib" ptType="sibTrans" cnt="1">
-        <dgm:layoutNode name="sibTrans">
-          <dgm:alg type="conn">
-            <dgm:param type="begPts" val="auto"/>
-            <dgm:param type="endPts" val="auto"/>
-          </dgm:alg>
-          <dgm:shape xmlns:r="http://schemas.openxmlformats.org/officeDocument/2006/relationships" type="conn" r:blip="">
+        <dgm:ruleLst/>
+        <dgm:layoutNode name="parentText">
+          <dgm:varLst>
+            <dgm:chMax val="1"/>
+            <dgm:bulletEnabled val="1"/>
+          </dgm:varLst>
+          <dgm:alg type="tx"/>
+          <dgm:shape xmlns:r="http://schemas.openxmlformats.org/officeDocument/2006/relationships" type="roundRect" r:blip="" zOrderOff="3">
             <dgm:adjLst/>
           </dgm:shape>
-          <dgm:presOf axis="self"/>
+          <dgm:presOf axis="self" ptType="node"/>
           <dgm:constrLst>
-            <dgm:constr type="h" refType="w" fact="0.62"/>
-            <dgm:constr type="connDist"/>
-            <dgm:constr type="begPad" refType="connDist" fact="0.25"/>
-            <dgm:constr type="endPad" refType="connDist" fact="0.22"/>
+            <dgm:constr type="tMarg" refType="primFontSz" fact="0.15"/>
+            <dgm:constr type="bMarg" refType="primFontSz" fact="0.15"/>
+            <dgm:constr type="lMarg" refType="primFontSz" fact="0.3"/>
+            <dgm:constr type="rMarg" refType="primFontSz" fact="0.3"/>
           </dgm:constrLst>
+          <dgm:ruleLst>
+            <dgm:rule type="primFontSz" val="5" fact="NaN" max="NaN"/>
+          </dgm:ruleLst>
+        </dgm:layoutNode>
+        <dgm:choose name="Name8">
+          <dgm:if name="Name9" axis="ch" ptType="node" func="cnt" op="gte" val="1">
+            <dgm:layoutNode name="descendantText" styleLbl="alignAccFollowNode1">
+              <dgm:varLst>
+                <dgm:bulletEnabled val="1"/>
+              </dgm:varLst>
+              <dgm:alg type="tx">
+                <dgm:param type="stBulletLvl" val="1"/>
+                <dgm:param type="txAnchorVertCh" val="mid"/>
+              </dgm:alg>
+              <dgm:choose name="Name10">
+                <dgm:if name="Name11" func="var" arg="dir" op="equ" val="norm">
+                  <dgm:shape xmlns:r="http://schemas.openxmlformats.org/officeDocument/2006/relationships" rot="90" type="round2SameRect" r:blip="">
+                    <dgm:adjLst/>
+                  </dgm:shape>
+                </dgm:if>
+                <dgm:else name="Name12">
+                  <dgm:shape xmlns:r="http://schemas.openxmlformats.org/officeDocument/2006/relationships" rot="-90" type="round2SameRect" r:blip="">
+                    <dgm:adjLst/>
+                  </dgm:shape>
+                </dgm:else>
+              </dgm:choose>
+              <dgm:presOf axis="des" ptType="node"/>
+              <dgm:constrLst>
+                <dgm:constr type="secFontSz" val="65"/>
+                <dgm:constr type="primFontSz" refType="secFontSz"/>
+                <dgm:constr type="lMarg" refType="secFontSz" fact="0.3"/>
+                <dgm:constr type="rMarg" refType="secFontSz" fact="0.3"/>
+                <dgm:constr type="tMarg" refType="secFontSz" fact="0.15"/>
+                <dgm:constr type="bMarg" refType="secFontSz" fact="0.15"/>
+              </dgm:constrLst>
+              <dgm:ruleLst>
+                <dgm:rule type="secFontSz" val="5" fact="NaN" max="NaN"/>
+              </dgm:ruleLst>
+            </dgm:layoutNode>
+          </dgm:if>
+          <dgm:else name="Name13"/>
+        </dgm:choose>
+      </dgm:layoutNode>
+      <dgm:forEach name="Name14" axis="followSib" ptType="sibTrans" cnt="1">
+        <dgm:layoutNode name="sp">
+          <dgm:alg type="sp"/>
+          <dgm:shape xmlns:r="http://schemas.openxmlformats.org/officeDocument/2006/relationships" r:blip="">
+            <dgm:adjLst/>
+          </dgm:shape>
+          <dgm:presOf/>
+          <dgm:constrLst/>
           <dgm:ruleLst/>
-          <dgm:layoutNode name="connectorText">
-            <dgm:alg type="tx">
-              <dgm:param type="autoTxRot" val="grav"/>
-            </dgm:alg>
-            <dgm:shape xmlns:r="http://schemas.openxmlformats.org/officeDocument/2006/relationships" type="conn" r:blip="" hideGeom="1">
-              <dgm:adjLst/>
-            </dgm:shape>
-            <dgm:presOf axis="self"/>
-            <dgm:constrLst>
-              <dgm:constr type="lMarg"/>
-              <dgm:constr type="rMarg"/>
-              <dgm:constr type="tMarg"/>
-              <dgm:constr type="bMarg"/>
-            </dgm:constrLst>
-            <dgm:ruleLst>
-              <dgm:rule type="primFontSz" val="5" fact="NaN" max="NaN"/>
-            </dgm:ruleLst>
-          </dgm:layoutNode>
         </dgm:layoutNode>
       </dgm:forEach>
     </dgm:forEach>
@@ -7338,7 +9488,7 @@
 </dgm:layoutDef>
 </file>
 
-<file path=ppt/diagrams/layout4.xml><?xml version="1.0" encoding="utf-8"?>
+<file path=ppt/diagrams/layout5.xml><?xml version="1.0" encoding="utf-8"?>
 <dgm:layoutDef xmlns:dgm="http://schemas.openxmlformats.org/drawingml/2006/diagram" xmlns:a="http://schemas.openxmlformats.org/drawingml/2006/main" uniqueId="urn:microsoft.com/office/officeart/2005/8/layout/list1">
   <dgm:title val=""/>
   <dgm:desc val=""/>
@@ -10666,6 +12816,1040 @@
 </file>
 
 <file path=ppt/diagrams/quickStyle4.xml><?xml version="1.0" encoding="utf-8"?>
+<dgm:styleDef xmlns:dgm="http://schemas.openxmlformats.org/drawingml/2006/diagram" xmlns:a="http://schemas.openxmlformats.org/drawingml/2006/main" uniqueId="urn:microsoft.com/office/officeart/2005/8/quickstyle/simple1">
+  <dgm:title val=""/>
+  <dgm:desc val=""/>
+  <dgm:catLst>
+    <dgm:cat type="simple" pri="10100"/>
+  </dgm:catLst>
+  <dgm:scene3d>
+    <a:camera prst="orthographicFront"/>
+    <a:lightRig rig="threePt" dir="t"/>
+  </dgm:scene3d>
+  <dgm:styleLbl name="node0">
+    <dgm:scene3d>
+      <a:camera prst="orthographicFront"/>
+      <a:lightRig rig="threePt" dir="t"/>
+    </dgm:scene3d>
+    <dgm:sp3d/>
+    <dgm:txPr/>
+    <dgm:style>
+      <a:lnRef idx="2">
+        <a:scrgbClr r="0" g="0" b="0"/>
+      </a:lnRef>
+      <a:fillRef idx="1">
+        <a:scrgbClr r="0" g="0" b="0"/>
+      </a:fillRef>
+      <a:effectRef idx="0">
+        <a:scrgbClr r="0" g="0" b="0"/>
+      </a:effectRef>
+      <a:fontRef idx="minor">
+        <a:schemeClr val="lt1"/>
+      </a:fontRef>
+    </dgm:style>
+  </dgm:styleLbl>
+  <dgm:styleLbl name="lnNode1">
+    <dgm:scene3d>
+      <a:camera prst="orthographicFront"/>
+      <a:lightRig rig="threePt" dir="t"/>
+    </dgm:scene3d>
+    <dgm:sp3d/>
+    <dgm:txPr/>
+    <dgm:style>
+      <a:lnRef idx="2">
+        <a:scrgbClr r="0" g="0" b="0"/>
+      </a:lnRef>
+      <a:fillRef idx="1">
+        <a:scrgbClr r="0" g="0" b="0"/>
+      </a:fillRef>
+      <a:effectRef idx="0">
+        <a:scrgbClr r="0" g="0" b="0"/>
+      </a:effectRef>
+      <a:fontRef idx="minor">
+        <a:schemeClr val="lt1"/>
+      </a:fontRef>
+    </dgm:style>
+  </dgm:styleLbl>
+  <dgm:styleLbl name="vennNode1">
+    <dgm:scene3d>
+      <a:camera prst="orthographicFront"/>
+      <a:lightRig rig="threePt" dir="t"/>
+    </dgm:scene3d>
+    <dgm:sp3d/>
+    <dgm:txPr/>
+    <dgm:style>
+      <a:lnRef idx="2">
+        <a:scrgbClr r="0" g="0" b="0"/>
+      </a:lnRef>
+      <a:fillRef idx="1">
+        <a:scrgbClr r="0" g="0" b="0"/>
+      </a:fillRef>
+      <a:effectRef idx="0">
+        <a:scrgbClr r="0" g="0" b="0"/>
+      </a:effectRef>
+      <a:fontRef idx="minor">
+        <a:schemeClr val="tx1"/>
+      </a:fontRef>
+    </dgm:style>
+  </dgm:styleLbl>
+  <dgm:styleLbl name="alignNode1">
+    <dgm:scene3d>
+      <a:camera prst="orthographicFront"/>
+      <a:lightRig rig="threePt" dir="t"/>
+    </dgm:scene3d>
+    <dgm:sp3d/>
+    <dgm:txPr/>
+    <dgm:style>
+      <a:lnRef idx="2">
+        <a:scrgbClr r="0" g="0" b="0"/>
+      </a:lnRef>
+      <a:fillRef idx="1">
+        <a:scrgbClr r="0" g="0" b="0"/>
+      </a:fillRef>
+      <a:effectRef idx="0">
+        <a:scrgbClr r="0" g="0" b="0"/>
+      </a:effectRef>
+      <a:fontRef idx="minor">
+        <a:schemeClr val="lt1"/>
+      </a:fontRef>
+    </dgm:style>
+  </dgm:styleLbl>
+  <dgm:styleLbl name="node1">
+    <dgm:scene3d>
+      <a:camera prst="orthographicFront"/>
+      <a:lightRig rig="threePt" dir="t"/>
+    </dgm:scene3d>
+    <dgm:sp3d/>
+    <dgm:txPr/>
+    <dgm:style>
+      <a:lnRef idx="2">
+        <a:scrgbClr r="0" g="0" b="0"/>
+      </a:lnRef>
+      <a:fillRef idx="1">
+        <a:scrgbClr r="0" g="0" b="0"/>
+      </a:fillRef>
+      <a:effectRef idx="0">
+        <a:scrgbClr r="0" g="0" b="0"/>
+      </a:effectRef>
+      <a:fontRef idx="minor">
+        <a:schemeClr val="lt1"/>
+      </a:fontRef>
+    </dgm:style>
+  </dgm:styleLbl>
+  <dgm:styleLbl name="node2">
+    <dgm:scene3d>
+      <a:camera prst="orthographicFront"/>
+      <a:lightRig rig="threePt" dir="t"/>
+    </dgm:scene3d>
+    <dgm:sp3d/>
+    <dgm:txPr/>
+    <dgm:style>
+      <a:lnRef idx="2">
+        <a:scrgbClr r="0" g="0" b="0"/>
+      </a:lnRef>
+      <a:fillRef idx="1">
+        <a:scrgbClr r="0" g="0" b="0"/>
+      </a:fillRef>
+      <a:effectRef idx="0">
+        <a:scrgbClr r="0" g="0" b="0"/>
+      </a:effectRef>
+      <a:fontRef idx="minor">
+        <a:schemeClr val="lt1"/>
+      </a:fontRef>
+    </dgm:style>
+  </dgm:styleLbl>
+  <dgm:styleLbl name="node3">
+    <dgm:scene3d>
+      <a:camera prst="orthographicFront"/>
+      <a:lightRig rig="threePt" dir="t"/>
+    </dgm:scene3d>
+    <dgm:sp3d/>
+    <dgm:txPr/>
+    <dgm:style>
+      <a:lnRef idx="2">
+        <a:scrgbClr r="0" g="0" b="0"/>
+      </a:lnRef>
+      <a:fillRef idx="1">
+        <a:scrgbClr r="0" g="0" b="0"/>
+      </a:fillRef>
+      <a:effectRef idx="0">
+        <a:scrgbClr r="0" g="0" b="0"/>
+      </a:effectRef>
+      <a:fontRef idx="minor">
+        <a:schemeClr val="lt1"/>
+      </a:fontRef>
+    </dgm:style>
+  </dgm:styleLbl>
+  <dgm:styleLbl name="node4">
+    <dgm:scene3d>
+      <a:camera prst="orthographicFront"/>
+      <a:lightRig rig="threePt" dir="t"/>
+    </dgm:scene3d>
+    <dgm:sp3d/>
+    <dgm:txPr/>
+    <dgm:style>
+      <a:lnRef idx="2">
+        <a:scrgbClr r="0" g="0" b="0"/>
+      </a:lnRef>
+      <a:fillRef idx="1">
+        <a:scrgbClr r="0" g="0" b="0"/>
+      </a:fillRef>
+      <a:effectRef idx="0">
+        <a:scrgbClr r="0" g="0" b="0"/>
+      </a:effectRef>
+      <a:fontRef idx="minor">
+        <a:schemeClr val="lt1"/>
+      </a:fontRef>
+    </dgm:style>
+  </dgm:styleLbl>
+  <dgm:styleLbl name="fgImgPlace1">
+    <dgm:scene3d>
+      <a:camera prst="orthographicFront"/>
+      <a:lightRig rig="threePt" dir="t"/>
+    </dgm:scene3d>
+    <dgm:sp3d/>
+    <dgm:txPr/>
+    <dgm:style>
+      <a:lnRef idx="2">
+        <a:scrgbClr r="0" g="0" b="0"/>
+      </a:lnRef>
+      <a:fillRef idx="1">
+        <a:scrgbClr r="0" g="0" b="0"/>
+      </a:fillRef>
+      <a:effectRef idx="0">
+        <a:scrgbClr r="0" g="0" b="0"/>
+      </a:effectRef>
+      <a:fontRef idx="minor"/>
+    </dgm:style>
+  </dgm:styleLbl>
+  <dgm:styleLbl name="alignImgPlace1">
+    <dgm:scene3d>
+      <a:camera prst="orthographicFront"/>
+      <a:lightRig rig="threePt" dir="t"/>
+    </dgm:scene3d>
+    <dgm:sp3d/>
+    <dgm:txPr/>
+    <dgm:style>
+      <a:lnRef idx="2">
+        <a:scrgbClr r="0" g="0" b="0"/>
+      </a:lnRef>
+      <a:fillRef idx="1">
+        <a:scrgbClr r="0" g="0" b="0"/>
+      </a:fillRef>
+      <a:effectRef idx="0">
+        <a:scrgbClr r="0" g="0" b="0"/>
+      </a:effectRef>
+      <a:fontRef idx="minor"/>
+    </dgm:style>
+  </dgm:styleLbl>
+  <dgm:styleLbl name="bgImgPlace1">
+    <dgm:scene3d>
+      <a:camera prst="orthographicFront"/>
+      <a:lightRig rig="threePt" dir="t"/>
+    </dgm:scene3d>
+    <dgm:sp3d/>
+    <dgm:txPr/>
+    <dgm:style>
+      <a:lnRef idx="2">
+        <a:scrgbClr r="0" g="0" b="0"/>
+      </a:lnRef>
+      <a:fillRef idx="1">
+        <a:scrgbClr r="0" g="0" b="0"/>
+      </a:fillRef>
+      <a:effectRef idx="0">
+        <a:scrgbClr r="0" g="0" b="0"/>
+      </a:effectRef>
+      <a:fontRef idx="minor"/>
+    </dgm:style>
+  </dgm:styleLbl>
+  <dgm:styleLbl name="sibTrans2D1">
+    <dgm:scene3d>
+      <a:camera prst="orthographicFront"/>
+      <a:lightRig rig="threePt" dir="t"/>
+    </dgm:scene3d>
+    <dgm:sp3d/>
+    <dgm:txPr/>
+    <dgm:style>
+      <a:lnRef idx="0">
+        <a:scrgbClr r="0" g="0" b="0"/>
+      </a:lnRef>
+      <a:fillRef idx="1">
+        <a:scrgbClr r="0" g="0" b="0"/>
+      </a:fillRef>
+      <a:effectRef idx="0">
+        <a:scrgbClr r="0" g="0" b="0"/>
+      </a:effectRef>
+      <a:fontRef idx="minor">
+        <a:schemeClr val="lt1"/>
+      </a:fontRef>
+    </dgm:style>
+  </dgm:styleLbl>
+  <dgm:styleLbl name="fgSibTrans2D1">
+    <dgm:scene3d>
+      <a:camera prst="orthographicFront"/>
+      <a:lightRig rig="threePt" dir="t"/>
+    </dgm:scene3d>
+    <dgm:sp3d/>
+    <dgm:txPr/>
+    <dgm:style>
+      <a:lnRef idx="0">
+        <a:scrgbClr r="0" g="0" b="0"/>
+      </a:lnRef>
+      <a:fillRef idx="1">
+        <a:scrgbClr r="0" g="0" b="0"/>
+      </a:fillRef>
+      <a:effectRef idx="0">
+        <a:scrgbClr r="0" g="0" b="0"/>
+      </a:effectRef>
+      <a:fontRef idx="minor">
+        <a:schemeClr val="lt1"/>
+      </a:fontRef>
+    </dgm:style>
+  </dgm:styleLbl>
+  <dgm:styleLbl name="bgSibTrans2D1">
+    <dgm:scene3d>
+      <a:camera prst="orthographicFront"/>
+      <a:lightRig rig="threePt" dir="t"/>
+    </dgm:scene3d>
+    <dgm:sp3d/>
+    <dgm:txPr/>
+    <dgm:style>
+      <a:lnRef idx="0">
+        <a:scrgbClr r="0" g="0" b="0"/>
+      </a:lnRef>
+      <a:fillRef idx="1">
+        <a:scrgbClr r="0" g="0" b="0"/>
+      </a:fillRef>
+      <a:effectRef idx="0">
+        <a:scrgbClr r="0" g="0" b="0"/>
+      </a:effectRef>
+      <a:fontRef idx="minor">
+        <a:schemeClr val="lt1"/>
+      </a:fontRef>
+    </dgm:style>
+  </dgm:styleLbl>
+  <dgm:styleLbl name="sibTrans1D1">
+    <dgm:scene3d>
+      <a:camera prst="orthographicFront"/>
+      <a:lightRig rig="threePt" dir="t"/>
+    </dgm:scene3d>
+    <dgm:sp3d/>
+    <dgm:txPr/>
+    <dgm:style>
+      <a:lnRef idx="1">
+        <a:scrgbClr r="0" g="0" b="0"/>
+      </a:lnRef>
+      <a:fillRef idx="0">
+        <a:scrgbClr r="0" g="0" b="0"/>
+      </a:fillRef>
+      <a:effectRef idx="0">
+        <a:scrgbClr r="0" g="0" b="0"/>
+      </a:effectRef>
+      <a:fontRef idx="minor"/>
+    </dgm:style>
+  </dgm:styleLbl>
+  <dgm:styleLbl name="callout">
+    <dgm:scene3d>
+      <a:camera prst="orthographicFront"/>
+      <a:lightRig rig="threePt" dir="t"/>
+    </dgm:scene3d>
+    <dgm:sp3d/>
+    <dgm:txPr/>
+    <dgm:style>
+      <a:lnRef idx="2">
+        <a:scrgbClr r="0" g="0" b="0"/>
+      </a:lnRef>
+      <a:fillRef idx="1">
+        <a:scrgbClr r="0" g="0" b="0"/>
+      </a:fillRef>
+      <a:effectRef idx="0">
+        <a:scrgbClr r="0" g="0" b="0"/>
+      </a:effectRef>
+      <a:fontRef idx="minor"/>
+    </dgm:style>
+  </dgm:styleLbl>
+  <dgm:styleLbl name="asst0">
+    <dgm:scene3d>
+      <a:camera prst="orthographicFront"/>
+      <a:lightRig rig="threePt" dir="t"/>
+    </dgm:scene3d>
+    <dgm:sp3d/>
+    <dgm:txPr/>
+    <dgm:style>
+      <a:lnRef idx="2">
+        <a:scrgbClr r="0" g="0" b="0"/>
+      </a:lnRef>
+      <a:fillRef idx="1">
+        <a:scrgbClr r="0" g="0" b="0"/>
+      </a:fillRef>
+      <a:effectRef idx="0">
+        <a:scrgbClr r="0" g="0" b="0"/>
+      </a:effectRef>
+      <a:fontRef idx="minor">
+        <a:schemeClr val="lt1"/>
+      </a:fontRef>
+    </dgm:style>
+  </dgm:styleLbl>
+  <dgm:styleLbl name="asst1">
+    <dgm:scene3d>
+      <a:camera prst="orthographicFront"/>
+      <a:lightRig rig="threePt" dir="t"/>
+    </dgm:scene3d>
+    <dgm:sp3d/>
+    <dgm:txPr/>
+    <dgm:style>
+      <a:lnRef idx="2">
+        <a:scrgbClr r="0" g="0" b="0"/>
+      </a:lnRef>
+      <a:fillRef idx="1">
+        <a:scrgbClr r="0" g="0" b="0"/>
+      </a:fillRef>
+      <a:effectRef idx="0">
+        <a:scrgbClr r="0" g="0" b="0"/>
+      </a:effectRef>
+      <a:fontRef idx="minor">
+        <a:schemeClr val="lt1"/>
+      </a:fontRef>
+    </dgm:style>
+  </dgm:styleLbl>
+  <dgm:styleLbl name="asst2">
+    <dgm:scene3d>
+      <a:camera prst="orthographicFront"/>
+      <a:lightRig rig="threePt" dir="t"/>
+    </dgm:scene3d>
+    <dgm:sp3d/>
+    <dgm:txPr/>
+    <dgm:style>
+      <a:lnRef idx="2">
+        <a:scrgbClr r="0" g="0" b="0"/>
+      </a:lnRef>
+      <a:fillRef idx="1">
+        <a:scrgbClr r="0" g="0" b="0"/>
+      </a:fillRef>
+      <a:effectRef idx="0">
+        <a:scrgbClr r="0" g="0" b="0"/>
+      </a:effectRef>
+      <a:fontRef idx="minor">
+        <a:schemeClr val="lt1"/>
+      </a:fontRef>
+    </dgm:style>
+  </dgm:styleLbl>
+  <dgm:styleLbl name="asst3">
+    <dgm:scene3d>
+      <a:camera prst="orthographicFront"/>
+      <a:lightRig rig="threePt" dir="t"/>
+    </dgm:scene3d>
+    <dgm:sp3d/>
+    <dgm:txPr/>
+    <dgm:style>
+      <a:lnRef idx="2">
+        <a:scrgbClr r="0" g="0" b="0"/>
+      </a:lnRef>
+      <a:fillRef idx="1">
+        <a:scrgbClr r="0" g="0" b="0"/>
+      </a:fillRef>
+      <a:effectRef idx="0">
+        <a:scrgbClr r="0" g="0" b="0"/>
+      </a:effectRef>
+      <a:fontRef idx="minor">
+        <a:schemeClr val="lt1"/>
+      </a:fontRef>
+    </dgm:style>
+  </dgm:styleLbl>
+  <dgm:styleLbl name="asst4">
+    <dgm:scene3d>
+      <a:camera prst="orthographicFront"/>
+      <a:lightRig rig="threePt" dir="t"/>
+    </dgm:scene3d>
+    <dgm:sp3d/>
+    <dgm:txPr/>
+    <dgm:style>
+      <a:lnRef idx="2">
+        <a:scrgbClr r="0" g="0" b="0"/>
+      </a:lnRef>
+      <a:fillRef idx="1">
+        <a:scrgbClr r="0" g="0" b="0"/>
+      </a:fillRef>
+      <a:effectRef idx="0">
+        <a:scrgbClr r="0" g="0" b="0"/>
+      </a:effectRef>
+      <a:fontRef idx="minor">
+        <a:schemeClr val="lt1"/>
+      </a:fontRef>
+    </dgm:style>
+  </dgm:styleLbl>
+  <dgm:styleLbl name="parChTrans2D1">
+    <dgm:scene3d>
+      <a:camera prst="orthographicFront"/>
+      <a:lightRig rig="threePt" dir="t"/>
+    </dgm:scene3d>
+    <dgm:sp3d/>
+    <dgm:txPr/>
+    <dgm:style>
+      <a:lnRef idx="2">
+        <a:scrgbClr r="0" g="0" b="0"/>
+      </a:lnRef>
+      <a:fillRef idx="1">
+        <a:scrgbClr r="0" g="0" b="0"/>
+      </a:fillRef>
+      <a:effectRef idx="0">
+        <a:scrgbClr r="0" g="0" b="0"/>
+      </a:effectRef>
+      <a:fontRef idx="minor">
+        <a:schemeClr val="lt1"/>
+      </a:fontRef>
+    </dgm:style>
+  </dgm:styleLbl>
+  <dgm:styleLbl name="parChTrans2D2">
+    <dgm:scene3d>
+      <a:camera prst="orthographicFront"/>
+      <a:lightRig rig="threePt" dir="t"/>
+    </dgm:scene3d>
+    <dgm:sp3d/>
+    <dgm:txPr/>
+    <dgm:style>
+      <a:lnRef idx="2">
+        <a:scrgbClr r="0" g="0" b="0"/>
+      </a:lnRef>
+      <a:fillRef idx="1">
+        <a:scrgbClr r="0" g="0" b="0"/>
+      </a:fillRef>
+      <a:effectRef idx="0">
+        <a:scrgbClr r="0" g="0" b="0"/>
+      </a:effectRef>
+      <a:fontRef idx="minor">
+        <a:schemeClr val="lt1"/>
+      </a:fontRef>
+    </dgm:style>
+  </dgm:styleLbl>
+  <dgm:styleLbl name="parChTrans2D3">
+    <dgm:scene3d>
+      <a:camera prst="orthographicFront"/>
+      <a:lightRig rig="threePt" dir="t"/>
+    </dgm:scene3d>
+    <dgm:sp3d/>
+    <dgm:txPr/>
+    <dgm:style>
+      <a:lnRef idx="2">
+        <a:scrgbClr r="0" g="0" b="0"/>
+      </a:lnRef>
+      <a:fillRef idx="1">
+        <a:scrgbClr r="0" g="0" b="0"/>
+      </a:fillRef>
+      <a:effectRef idx="0">
+        <a:scrgbClr r="0" g="0" b="0"/>
+      </a:effectRef>
+      <a:fontRef idx="minor">
+        <a:schemeClr val="lt1"/>
+      </a:fontRef>
+    </dgm:style>
+  </dgm:styleLbl>
+  <dgm:styleLbl name="parChTrans2D4">
+    <dgm:scene3d>
+      <a:camera prst="orthographicFront"/>
+      <a:lightRig rig="threePt" dir="t"/>
+    </dgm:scene3d>
+    <dgm:sp3d/>
+    <dgm:txPr/>
+    <dgm:style>
+      <a:lnRef idx="2">
+        <a:scrgbClr r="0" g="0" b="0"/>
+      </a:lnRef>
+      <a:fillRef idx="1">
+        <a:scrgbClr r="0" g="0" b="0"/>
+      </a:fillRef>
+      <a:effectRef idx="0">
+        <a:scrgbClr r="0" g="0" b="0"/>
+      </a:effectRef>
+      <a:fontRef idx="minor">
+        <a:schemeClr val="lt1"/>
+      </a:fontRef>
+    </dgm:style>
+  </dgm:styleLbl>
+  <dgm:styleLbl name="parChTrans1D1">
+    <dgm:scene3d>
+      <a:camera prst="orthographicFront"/>
+      <a:lightRig rig="threePt" dir="t"/>
+    </dgm:scene3d>
+    <dgm:sp3d/>
+    <dgm:txPr/>
+    <dgm:style>
+      <a:lnRef idx="2">
+        <a:scrgbClr r="0" g="0" b="0"/>
+      </a:lnRef>
+      <a:fillRef idx="0">
+        <a:scrgbClr r="0" g="0" b="0"/>
+      </a:fillRef>
+      <a:effectRef idx="0">
+        <a:scrgbClr r="0" g="0" b="0"/>
+      </a:effectRef>
+      <a:fontRef idx="minor"/>
+    </dgm:style>
+  </dgm:styleLbl>
+  <dgm:styleLbl name="parChTrans1D2">
+    <dgm:scene3d>
+      <a:camera prst="orthographicFront"/>
+      <a:lightRig rig="threePt" dir="t"/>
+    </dgm:scene3d>
+    <dgm:sp3d/>
+    <dgm:txPr/>
+    <dgm:style>
+      <a:lnRef idx="2">
+        <a:scrgbClr r="0" g="0" b="0"/>
+      </a:lnRef>
+      <a:fillRef idx="0">
+        <a:scrgbClr r="0" g="0" b="0"/>
+      </a:fillRef>
+      <a:effectRef idx="0">
+        <a:scrgbClr r="0" g="0" b="0"/>
+      </a:effectRef>
+      <a:fontRef idx="minor"/>
+    </dgm:style>
+  </dgm:styleLbl>
+  <dgm:styleLbl name="parChTrans1D3">
+    <dgm:scene3d>
+      <a:camera prst="orthographicFront"/>
+      <a:lightRig rig="threePt" dir="t"/>
+    </dgm:scene3d>
+    <dgm:sp3d/>
+    <dgm:txPr/>
+    <dgm:style>
+      <a:lnRef idx="2">
+        <a:scrgbClr r="0" g="0" b="0"/>
+      </a:lnRef>
+      <a:fillRef idx="0">
+        <a:scrgbClr r="0" g="0" b="0"/>
+      </a:fillRef>
+      <a:effectRef idx="0">
+        <a:scrgbClr r="0" g="0" b="0"/>
+      </a:effectRef>
+      <a:fontRef idx="minor"/>
+    </dgm:style>
+  </dgm:styleLbl>
+  <dgm:styleLbl name="parChTrans1D4">
+    <dgm:scene3d>
+      <a:camera prst="orthographicFront"/>
+      <a:lightRig rig="threePt" dir="t"/>
+    </dgm:scene3d>
+    <dgm:sp3d/>
+    <dgm:txPr/>
+    <dgm:style>
+      <a:lnRef idx="2">
+        <a:scrgbClr r="0" g="0" b="0"/>
+      </a:lnRef>
+      <a:fillRef idx="0">
+        <a:scrgbClr r="0" g="0" b="0"/>
+      </a:fillRef>
+      <a:effectRef idx="0">
+        <a:scrgbClr r="0" g="0" b="0"/>
+      </a:effectRef>
+      <a:fontRef idx="minor"/>
+    </dgm:style>
+  </dgm:styleLbl>
+  <dgm:styleLbl name="fgAcc1">
+    <dgm:scene3d>
+      <a:camera prst="orthographicFront"/>
+      <a:lightRig rig="threePt" dir="t"/>
+    </dgm:scene3d>
+    <dgm:sp3d/>
+    <dgm:txPr/>
+    <dgm:style>
+      <a:lnRef idx="2">
+        <a:scrgbClr r="0" g="0" b="0"/>
+      </a:lnRef>
+      <a:fillRef idx="1">
+        <a:scrgbClr r="0" g="0" b="0"/>
+      </a:fillRef>
+      <a:effectRef idx="0">
+        <a:scrgbClr r="0" g="0" b="0"/>
+      </a:effectRef>
+      <a:fontRef idx="minor"/>
+    </dgm:style>
+  </dgm:styleLbl>
+  <dgm:styleLbl name="conFgAcc1">
+    <dgm:scene3d>
+      <a:camera prst="orthographicFront"/>
+      <a:lightRig rig="threePt" dir="t"/>
+    </dgm:scene3d>
+    <dgm:sp3d/>
+    <dgm:txPr/>
+    <dgm:style>
+      <a:lnRef idx="2">
+        <a:scrgbClr r="0" g="0" b="0"/>
+      </a:lnRef>
+      <a:fillRef idx="1">
+        <a:scrgbClr r="0" g="0" b="0"/>
+      </a:fillRef>
+      <a:effectRef idx="0">
+        <a:scrgbClr r="0" g="0" b="0"/>
+      </a:effectRef>
+      <a:fontRef idx="minor"/>
+    </dgm:style>
+  </dgm:styleLbl>
+  <dgm:styleLbl name="alignAcc1">
+    <dgm:scene3d>
+      <a:camera prst="orthographicFront"/>
+      <a:lightRig rig="threePt" dir="t"/>
+    </dgm:scene3d>
+    <dgm:sp3d/>
+    <dgm:txPr/>
+    <dgm:style>
+      <a:lnRef idx="2">
+        <a:scrgbClr r="0" g="0" b="0"/>
+      </a:lnRef>
+      <a:fillRef idx="1">
+        <a:scrgbClr r="0" g="0" b="0"/>
+      </a:fillRef>
+      <a:effectRef idx="0">
+        <a:scrgbClr r="0" g="0" b="0"/>
+      </a:effectRef>
+      <a:fontRef idx="minor"/>
+    </dgm:style>
+  </dgm:styleLbl>
+  <dgm:styleLbl name="trAlignAcc1">
+    <dgm:scene3d>
+      <a:camera prst="orthographicFront"/>
+      <a:lightRig rig="threePt" dir="t"/>
+    </dgm:scene3d>
+    <dgm:sp3d/>
+    <dgm:txPr/>
+    <dgm:style>
+      <a:lnRef idx="1">
+        <a:scrgbClr r="0" g="0" b="0"/>
+      </a:lnRef>
+      <a:fillRef idx="1">
+        <a:scrgbClr r="0" g="0" b="0"/>
+      </a:fillRef>
+      <a:effectRef idx="0">
+        <a:scrgbClr r="0" g="0" b="0"/>
+      </a:effectRef>
+      <a:fontRef idx="minor"/>
+    </dgm:style>
+  </dgm:styleLbl>
+  <dgm:styleLbl name="bgAcc1">
+    <dgm:scene3d>
+      <a:camera prst="orthographicFront"/>
+      <a:lightRig rig="threePt" dir="t"/>
+    </dgm:scene3d>
+    <dgm:sp3d/>
+    <dgm:txPr/>
+    <dgm:style>
+      <a:lnRef idx="2">
+        <a:scrgbClr r="0" g="0" b="0"/>
+      </a:lnRef>
+      <a:fillRef idx="1">
+        <a:scrgbClr r="0" g="0" b="0"/>
+      </a:fillRef>
+      <a:effectRef idx="0">
+        <a:scrgbClr r="0" g="0" b="0"/>
+      </a:effectRef>
+      <a:fontRef idx="minor"/>
+    </dgm:style>
+  </dgm:styleLbl>
+  <dgm:styleLbl name="solidFgAcc1">
+    <dgm:scene3d>
+      <a:camera prst="orthographicFront"/>
+      <a:lightRig rig="threePt" dir="t"/>
+    </dgm:scene3d>
+    <dgm:sp3d/>
+    <dgm:txPr/>
+    <dgm:style>
+      <a:lnRef idx="2">
+        <a:scrgbClr r="0" g="0" b="0"/>
+      </a:lnRef>
+      <a:fillRef idx="1">
+        <a:scrgbClr r="0" g="0" b="0"/>
+      </a:fillRef>
+      <a:effectRef idx="0">
+        <a:scrgbClr r="0" g="0" b="0"/>
+      </a:effectRef>
+      <a:fontRef idx="minor"/>
+    </dgm:style>
+  </dgm:styleLbl>
+  <dgm:styleLbl name="solidAlignAcc1">
+    <dgm:scene3d>
+      <a:camera prst="orthographicFront"/>
+      <a:lightRig rig="threePt" dir="t"/>
+    </dgm:scene3d>
+    <dgm:sp3d/>
+    <dgm:txPr/>
+    <dgm:style>
+      <a:lnRef idx="2">
+        <a:scrgbClr r="0" g="0" b="0"/>
+      </a:lnRef>
+      <a:fillRef idx="1">
+        <a:scrgbClr r="0" g="0" b="0"/>
+      </a:fillRef>
+      <a:effectRef idx="0">
+        <a:scrgbClr r="0" g="0" b="0"/>
+      </a:effectRef>
+      <a:fontRef idx="minor"/>
+    </dgm:style>
+  </dgm:styleLbl>
+  <dgm:styleLbl name="solidBgAcc1">
+    <dgm:scene3d>
+      <a:camera prst="orthographicFront"/>
+      <a:lightRig rig="threePt" dir="t"/>
+    </dgm:scene3d>
+    <dgm:sp3d/>
+    <dgm:txPr/>
+    <dgm:style>
+      <a:lnRef idx="2">
+        <a:scrgbClr r="0" g="0" b="0"/>
+      </a:lnRef>
+      <a:fillRef idx="1">
+        <a:scrgbClr r="0" g="0" b="0"/>
+      </a:fillRef>
+      <a:effectRef idx="0">
+        <a:scrgbClr r="0" g="0" b="0"/>
+      </a:effectRef>
+      <a:fontRef idx="minor"/>
+    </dgm:style>
+  </dgm:styleLbl>
+  <dgm:styleLbl name="fgAccFollowNode1">
+    <dgm:scene3d>
+      <a:camera prst="orthographicFront"/>
+      <a:lightRig rig="threePt" dir="t"/>
+    </dgm:scene3d>
+    <dgm:sp3d/>
+    <dgm:txPr/>
+    <dgm:style>
+      <a:lnRef idx="2">
+        <a:scrgbClr r="0" g="0" b="0"/>
+      </a:lnRef>
+      <a:fillRef idx="1">
+        <a:scrgbClr r="0" g="0" b="0"/>
+      </a:fillRef>
+      <a:effectRef idx="0">
+        <a:scrgbClr r="0" g="0" b="0"/>
+      </a:effectRef>
+      <a:fontRef idx="minor"/>
+    </dgm:style>
+  </dgm:styleLbl>
+  <dgm:styleLbl name="alignAccFollowNode1">
+    <dgm:scene3d>
+      <a:camera prst="orthographicFront"/>
+      <a:lightRig rig="threePt" dir="t"/>
+    </dgm:scene3d>
+    <dgm:sp3d/>
+    <dgm:txPr/>
+    <dgm:style>
+      <a:lnRef idx="2">
+        <a:scrgbClr r="0" g="0" b="0"/>
+      </a:lnRef>
+      <a:fillRef idx="1">
+        <a:scrgbClr r="0" g="0" b="0"/>
+      </a:fillRef>
+      <a:effectRef idx="0">
+        <a:scrgbClr r="0" g="0" b="0"/>
+      </a:effectRef>
+      <a:fontRef idx="minor"/>
+    </dgm:style>
+  </dgm:styleLbl>
+  <dgm:styleLbl name="bgAccFollowNode1">
+    <dgm:scene3d>
+      <a:camera prst="orthographicFront"/>
+      <a:lightRig rig="threePt" dir="t"/>
+    </dgm:scene3d>
+    <dgm:sp3d/>
+    <dgm:txPr/>
+    <dgm:style>
+      <a:lnRef idx="2">
+        <a:scrgbClr r="0" g="0" b="0"/>
+      </a:lnRef>
+      <a:fillRef idx="1">
+        <a:scrgbClr r="0" g="0" b="0"/>
+      </a:fillRef>
+      <a:effectRef idx="0">
+        <a:scrgbClr r="0" g="0" b="0"/>
+      </a:effectRef>
+      <a:fontRef idx="minor"/>
+    </dgm:style>
+  </dgm:styleLbl>
+  <dgm:styleLbl name="fgAcc0">
+    <dgm:scene3d>
+      <a:camera prst="orthographicFront"/>
+      <a:lightRig rig="threePt" dir="t"/>
+    </dgm:scene3d>
+    <dgm:sp3d/>
+    <dgm:txPr/>
+    <dgm:style>
+      <a:lnRef idx="2">
+        <a:scrgbClr r="0" g="0" b="0"/>
+      </a:lnRef>
+      <a:fillRef idx="1">
+        <a:scrgbClr r="0" g="0" b="0"/>
+      </a:fillRef>
+      <a:effectRef idx="0">
+        <a:scrgbClr r="0" g="0" b="0"/>
+      </a:effectRef>
+      <a:fontRef idx="minor"/>
+    </dgm:style>
+  </dgm:styleLbl>
+  <dgm:styleLbl name="fgAcc2">
+    <dgm:scene3d>
+      <a:camera prst="orthographicFront"/>
+      <a:lightRig rig="threePt" dir="t"/>
+    </dgm:scene3d>
+    <dgm:sp3d/>
+    <dgm:txPr/>
+    <dgm:style>
+      <a:lnRef idx="2">
+        <a:scrgbClr r="0" g="0" b="0"/>
+      </a:lnRef>
+      <a:fillRef idx="1">
+        <a:scrgbClr r="0" g="0" b="0"/>
+      </a:fillRef>
+      <a:effectRef idx="0">
+        <a:scrgbClr r="0" g="0" b="0"/>
+      </a:effectRef>
+      <a:fontRef idx="minor"/>
+    </dgm:style>
+  </dgm:styleLbl>
+  <dgm:styleLbl name="fgAcc3">
+    <dgm:scene3d>
+      <a:camera prst="orthographicFront"/>
+      <a:lightRig rig="threePt" dir="t"/>
+    </dgm:scene3d>
+    <dgm:sp3d/>
+    <dgm:txPr/>
+    <dgm:style>
+      <a:lnRef idx="2">
+        <a:scrgbClr r="0" g="0" b="0"/>
+      </a:lnRef>
+      <a:fillRef idx="1">
+        <a:scrgbClr r="0" g="0" b="0"/>
+      </a:fillRef>
+      <a:effectRef idx="0">
+        <a:scrgbClr r="0" g="0" b="0"/>
+      </a:effectRef>
+      <a:fontRef idx="minor"/>
+    </dgm:style>
+  </dgm:styleLbl>
+  <dgm:styleLbl name="fgAcc4">
+    <dgm:scene3d>
+      <a:camera prst="orthographicFront"/>
+      <a:lightRig rig="threePt" dir="t"/>
+    </dgm:scene3d>
+    <dgm:sp3d/>
+    <dgm:txPr/>
+    <dgm:style>
+      <a:lnRef idx="2">
+        <a:scrgbClr r="0" g="0" b="0"/>
+      </a:lnRef>
+      <a:fillRef idx="1">
+        <a:scrgbClr r="0" g="0" b="0"/>
+      </a:fillRef>
+      <a:effectRef idx="0">
+        <a:scrgbClr r="0" g="0" b="0"/>
+      </a:effectRef>
+      <a:fontRef idx="minor"/>
+    </dgm:style>
+  </dgm:styleLbl>
+  <dgm:styleLbl name="bgShp">
+    <dgm:scene3d>
+      <a:camera prst="orthographicFront"/>
+      <a:lightRig rig="threePt" dir="t"/>
+    </dgm:scene3d>
+    <dgm:sp3d/>
+    <dgm:txPr/>
+    <dgm:style>
+      <a:lnRef idx="0">
+        <a:scrgbClr r="0" g="0" b="0"/>
+      </a:lnRef>
+      <a:fillRef idx="1">
+        <a:scrgbClr r="0" g="0" b="0"/>
+      </a:fillRef>
+      <a:effectRef idx="0">
+        <a:scrgbClr r="0" g="0" b="0"/>
+      </a:effectRef>
+      <a:fontRef idx="minor"/>
+    </dgm:style>
+  </dgm:styleLbl>
+  <dgm:styleLbl name="dkBgShp">
+    <dgm:scene3d>
+      <a:camera prst="orthographicFront"/>
+      <a:lightRig rig="threePt" dir="t"/>
+    </dgm:scene3d>
+    <dgm:sp3d/>
+    <dgm:txPr/>
+    <dgm:style>
+      <a:lnRef idx="0">
+        <a:scrgbClr r="0" g="0" b="0"/>
+      </a:lnRef>
+      <a:fillRef idx="1">
+        <a:scrgbClr r="0" g="0" b="0"/>
+      </a:fillRef>
+      <a:effectRef idx="0">
+        <a:scrgbClr r="0" g="0" b="0"/>
+      </a:effectRef>
+      <a:fontRef idx="minor"/>
+    </dgm:style>
+  </dgm:styleLbl>
+  <dgm:styleLbl name="trBgShp">
+    <dgm:scene3d>
+      <a:camera prst="orthographicFront"/>
+      <a:lightRig rig="threePt" dir="t"/>
+    </dgm:scene3d>
+    <dgm:sp3d/>
+    <dgm:txPr/>
+    <dgm:style>
+      <a:lnRef idx="0">
+        <a:scrgbClr r="0" g="0" b="0"/>
+      </a:lnRef>
+      <a:fillRef idx="1">
+        <a:scrgbClr r="0" g="0" b="0"/>
+      </a:fillRef>
+      <a:effectRef idx="0">
+        <a:scrgbClr r="0" g="0" b="0"/>
+      </a:effectRef>
+      <a:fontRef idx="minor"/>
+    </dgm:style>
+  </dgm:styleLbl>
+  <dgm:styleLbl name="fgShp">
+    <dgm:scene3d>
+      <a:camera prst="orthographicFront"/>
+      <a:lightRig rig="threePt" dir="t"/>
+    </dgm:scene3d>
+    <dgm:sp3d/>
+    <dgm:txPr/>
+    <dgm:style>
+      <a:lnRef idx="2">
+        <a:scrgbClr r="0" g="0" b="0"/>
+      </a:lnRef>
+      <a:fillRef idx="1">
+        <a:scrgbClr r="0" g="0" b="0"/>
+      </a:fillRef>
+      <a:effectRef idx="0">
+        <a:scrgbClr r="0" g="0" b="0"/>
+      </a:effectRef>
+      <a:fontRef idx="minor"/>
+    </dgm:style>
+  </dgm:styleLbl>
+  <dgm:styleLbl name="revTx">
+    <dgm:scene3d>
+      <a:camera prst="orthographicFront"/>
+      <a:lightRig rig="threePt" dir="t"/>
+    </dgm:scene3d>
+    <dgm:sp3d/>
+    <dgm:txPr/>
+    <dgm:style>
+      <a:lnRef idx="0">
+        <a:scrgbClr r="0" g="0" b="0"/>
+      </a:lnRef>
+      <a:fillRef idx="0">
+        <a:scrgbClr r="0" g="0" b="0"/>
+      </a:fillRef>
+      <a:effectRef idx="0">
+        <a:scrgbClr r="0" g="0" b="0"/>
+      </a:effectRef>
+      <a:fontRef idx="minor"/>
+    </dgm:style>
+  </dgm:styleLbl>
+</dgm:styleDef>
+</file>
+
+<file path=ppt/diagrams/quickStyle5.xml><?xml version="1.0" encoding="utf-8"?>
 <dgm:styleDef xmlns:dgm="http://schemas.openxmlformats.org/drawingml/2006/diagram" xmlns:a="http://schemas.openxmlformats.org/drawingml/2006/main" uniqueId="urn:microsoft.com/office/officeart/2005/8/quickstyle/simple1">
   <dgm:title val=""/>
   <dgm:desc val=""/>
@@ -15179,7 +18363,7 @@
           <a:p>
             <a:r>
               <a:rPr lang="fr-FR" sz="1100" dirty="0"/>
-              <a:t> 24 janvier                                                                                                                                                                                                                                                                                                                                                                                                                                                                                                                                                                                                                                                                                                                                                                                                                                                                                                                  2022</a:t>
+              <a:t> 24 janvier 2022</a:t>
             </a:r>
           </a:p>
         </p:txBody>
@@ -15791,13 +18975,13 @@
           <p:nvPr>
             <p:extLst>
               <p:ext uri="{D42A27DB-BD31-4B8C-83A1-F6EECF244321}">
-                <p14:modId xmlns:p14="http://schemas.microsoft.com/office/powerpoint/2010/main" val="3258140765"/>
+                <p14:modId xmlns:p14="http://schemas.microsoft.com/office/powerpoint/2010/main" val="4050826635"/>
               </p:ext>
             </p:extLst>
           </p:nvPr>
         </p:nvGraphicFramePr>
         <p:xfrm>
-          <a:off x="4348046" y="2565525"/>
+          <a:off x="4040553" y="1926097"/>
           <a:ext cx="7564142" cy="4227489"/>
         </p:xfrm>
         <a:graphic>
@@ -16926,14 +20110,14 @@
           <p:nvPr>
             <p:extLst>
               <p:ext uri="{D42A27DB-BD31-4B8C-83A1-F6EECF244321}">
-                <p14:modId xmlns:p14="http://schemas.microsoft.com/office/powerpoint/2010/main" val="2502117390"/>
+                <p14:modId xmlns:p14="http://schemas.microsoft.com/office/powerpoint/2010/main" val="1463972936"/>
               </p:ext>
             </p:extLst>
           </p:nvPr>
         </p:nvGraphicFramePr>
         <p:xfrm>
-          <a:off x="4077402" y="3068845"/>
-          <a:ext cx="8040959" cy="996185"/>
+          <a:off x="285206" y="3429000"/>
+          <a:ext cx="7935831" cy="2703672"/>
         </p:xfrm>
         <a:graphic>
           <a:graphicData uri="http://schemas.openxmlformats.org/drawingml/2006/diagram">
@@ -16955,7 +20139,7 @@
         </p:nvSpPr>
         <p:spPr>
           <a:xfrm>
-            <a:off x="5483635" y="1195754"/>
+            <a:off x="5899271" y="275875"/>
             <a:ext cx="5228492" cy="1323439"/>
           </a:xfrm>
           <a:prstGeom prst="rect">
@@ -17003,10 +20187,10 @@
       </p:sp>
       <p:sp>
         <p:nvSpPr>
-          <p:cNvPr id="7" name="ZoneTexte 6">
+          <p:cNvPr id="8" name="ZoneTexte 7">
             <a:extLst>
               <a:ext uri="{FF2B5EF4-FFF2-40B4-BE49-F238E27FC236}">
-                <a16:creationId xmlns:a16="http://schemas.microsoft.com/office/drawing/2014/main" id="{F704F0C8-6EAD-0247-8B1C-5F31D7FCDDBB}"/>
+                <a16:creationId xmlns:a16="http://schemas.microsoft.com/office/drawing/2014/main" id="{7E6B80CD-86A7-1D49-931C-84CF76C83C38}"/>
               </a:ext>
             </a:extLst>
           </p:cNvPr>
@@ -17015,27 +20199,226 @@
         </p:nvSpPr>
         <p:spPr>
           <a:xfrm>
-            <a:off x="1090245" y="5021931"/>
-            <a:ext cx="3220305" cy="369332"/>
+            <a:off x="8296086" y="1879655"/>
+            <a:ext cx="3610708" cy="4874359"/>
           </a:xfrm>
-          <a:prstGeom prst="rect">
+          <a:prstGeom prst="roundRect">
             <a:avLst/>
           </a:prstGeom>
-          <a:noFill/>
         </p:spPr>
+        <p:style>
+          <a:lnRef idx="2">
+            <a:schemeClr val="accent2"/>
+          </a:lnRef>
+          <a:fillRef idx="1">
+            <a:schemeClr val="lt1"/>
+          </a:fillRef>
+          <a:effectRef idx="0">
+            <a:schemeClr val="accent2"/>
+          </a:effectRef>
+          <a:fontRef idx="minor">
+            <a:schemeClr val="dk1"/>
+          </a:fontRef>
+        </p:style>
         <p:txBody>
-          <a:bodyPr wrap="none" rtlCol="0">
+          <a:bodyPr wrap="square" numCol="1" rtlCol="0">
             <a:spAutoFit/>
           </a:bodyPr>
           <a:lstStyle/>
           <a:p>
+            <a:pPr marL="285750" indent="-285750" algn="just">
+              <a:buFont typeface="Courier New" panose="02070309020205020404" pitchFamily="49" charset="0"/>
+              <a:buChar char="o"/>
+            </a:pPr>
             <a:r>
               <a:rPr lang="fr-FR" dirty="0">
                 <a:solidFill>
-                  <a:srgbClr val="FF0000"/>
+                  <a:schemeClr val="accent5"/>
                 </a:solidFill>
               </a:rPr>
-              <a:t>Liste des variables sélectionnées</a:t>
+              <a:t>Catégorie de véhicule</a:t>
+            </a:r>
+          </a:p>
+          <a:p>
+            <a:pPr marL="285750" indent="-285750" algn="just">
+              <a:buFont typeface="Courier New" panose="02070309020205020404" pitchFamily="49" charset="0"/>
+              <a:buChar char="o"/>
+            </a:pPr>
+            <a:r>
+              <a:rPr lang="fr-FR" dirty="0">
+                <a:solidFill>
+                  <a:schemeClr val="accent5"/>
+                </a:solidFill>
+              </a:rPr>
+              <a:t>Catégorie d’usager</a:t>
+            </a:r>
+          </a:p>
+          <a:p>
+            <a:pPr marL="285750" indent="-285750" algn="just">
+              <a:buFont typeface="Courier New" panose="02070309020205020404" pitchFamily="49" charset="0"/>
+              <a:buChar char="o"/>
+            </a:pPr>
+            <a:r>
+              <a:rPr lang="fr-FR" dirty="0">
+                <a:solidFill>
+                  <a:schemeClr val="accent5"/>
+                </a:solidFill>
+              </a:rPr>
+              <a:t>Obstacle fixe heurté</a:t>
+            </a:r>
+          </a:p>
+          <a:p>
+            <a:pPr marL="285750" indent="-285750" algn="just">
+              <a:buFont typeface="Courier New" panose="02070309020205020404" pitchFamily="49" charset="0"/>
+              <a:buChar char="o"/>
+            </a:pPr>
+            <a:r>
+              <a:rPr lang="fr-FR" dirty="0">
+                <a:solidFill>
+                  <a:schemeClr val="accent5"/>
+                </a:solidFill>
+              </a:rPr>
+              <a:t>Obstacle mobile heurté</a:t>
+            </a:r>
+          </a:p>
+          <a:p>
+            <a:pPr marL="285750" indent="-285750" algn="just">
+              <a:buFont typeface="Courier New" panose="02070309020205020404" pitchFamily="49" charset="0"/>
+              <a:buChar char="o"/>
+            </a:pPr>
+            <a:r>
+              <a:rPr lang="fr-FR" dirty="0">
+                <a:solidFill>
+                  <a:schemeClr val="accent5"/>
+                </a:solidFill>
+              </a:rPr>
+              <a:t>Accident en agglomération ou non</a:t>
+            </a:r>
+          </a:p>
+          <a:p>
+            <a:pPr marL="285750" indent="-285750" algn="just">
+              <a:buFont typeface="Courier New" panose="02070309020205020404" pitchFamily="49" charset="0"/>
+              <a:buChar char="o"/>
+            </a:pPr>
+            <a:r>
+              <a:rPr lang="fr-FR" dirty="0">
+                <a:solidFill>
+                  <a:schemeClr val="accent5"/>
+                </a:solidFill>
+              </a:rPr>
+              <a:t>Type de collision</a:t>
+            </a:r>
+          </a:p>
+          <a:p>
+            <a:pPr marL="285750" indent="-285750" algn="just">
+              <a:buFont typeface="Courier New" panose="02070309020205020404" pitchFamily="49" charset="0"/>
+              <a:buChar char="o"/>
+            </a:pPr>
+            <a:r>
+              <a:rPr lang="fr-FR" dirty="0">
+                <a:solidFill>
+                  <a:schemeClr val="accent5"/>
+                </a:solidFill>
+              </a:rPr>
+              <a:t>Catégorie de la route</a:t>
+            </a:r>
+          </a:p>
+          <a:p>
+            <a:pPr marL="285750" indent="-285750" algn="just">
+              <a:buFont typeface="Courier New" panose="02070309020205020404" pitchFamily="49" charset="0"/>
+              <a:buChar char="o"/>
+            </a:pPr>
+            <a:r>
+              <a:rPr lang="fr-FR" dirty="0">
+                <a:solidFill>
+                  <a:schemeClr val="accent5"/>
+                </a:solidFill>
+              </a:rPr>
+              <a:t>Sexe de l’usager</a:t>
+            </a:r>
+          </a:p>
+          <a:p>
+            <a:pPr marL="285750" indent="-285750" algn="just">
+              <a:buFont typeface="Courier New" panose="02070309020205020404" pitchFamily="49" charset="0"/>
+              <a:buChar char="o"/>
+            </a:pPr>
+            <a:r>
+              <a:rPr lang="fr-FR" dirty="0">
+                <a:solidFill>
+                  <a:schemeClr val="accent5"/>
+                </a:solidFill>
+              </a:rPr>
+              <a:t>Type de manœuvre effectuée</a:t>
+            </a:r>
+          </a:p>
+          <a:p>
+            <a:pPr marL="285750" indent="-285750" algn="just">
+              <a:buFont typeface="Courier New" panose="02070309020205020404" pitchFamily="49" charset="0"/>
+              <a:buChar char="o"/>
+            </a:pPr>
+            <a:r>
+              <a:rPr lang="fr-FR" dirty="0">
+                <a:solidFill>
+                  <a:schemeClr val="accent5"/>
+                </a:solidFill>
+              </a:rPr>
+              <a:t>Type de trajet effectué</a:t>
+            </a:r>
+          </a:p>
+          <a:p>
+            <a:pPr marL="285750" indent="-285750" algn="just">
+              <a:buFont typeface="Courier New" panose="02070309020205020404" pitchFamily="49" charset="0"/>
+              <a:buChar char="o"/>
+            </a:pPr>
+            <a:r>
+              <a:rPr lang="fr-FR" dirty="0">
+                <a:solidFill>
+                  <a:schemeClr val="accent5"/>
+                </a:solidFill>
+              </a:rPr>
+              <a:t>Sens de circulation de la route</a:t>
+            </a:r>
+          </a:p>
+          <a:p>
+            <a:pPr marL="285750" indent="-285750" algn="just">
+              <a:buFont typeface="Courier New" panose="02070309020205020404" pitchFamily="49" charset="0"/>
+              <a:buChar char="o"/>
+            </a:pPr>
+            <a:r>
+              <a:rPr lang="fr-FR" dirty="0">
+                <a:solidFill>
+                  <a:schemeClr val="accent5"/>
+                </a:solidFill>
+              </a:rPr>
+              <a:t>Situation</a:t>
+            </a:r>
+          </a:p>
+          <a:p>
+            <a:pPr marL="285750" indent="-285750" algn="just">
+              <a:buFont typeface="Courier New" panose="02070309020205020404" pitchFamily="49" charset="0"/>
+              <a:buChar char="o"/>
+            </a:pPr>
+            <a:r>
+              <a:rPr lang="fr-FR" dirty="0">
+                <a:solidFill>
+                  <a:schemeClr val="accent5"/>
+                </a:solidFill>
+              </a:rPr>
+              <a:t>Nombre de voies</a:t>
+            </a:r>
+          </a:p>
+          <a:p>
+            <a:pPr marL="285750" indent="-285750" algn="just">
+              <a:buFont typeface="Courier New" panose="02070309020205020404" pitchFamily="49" charset="0"/>
+              <a:buChar char="o"/>
+            </a:pPr>
+            <a:r>
+              <a:rPr lang="fr-FR" dirty="0">
+                <a:solidFill>
+                  <a:schemeClr val="accent5"/>
+                </a:solidFill>
+              </a:rPr>
+              <a:t>Vitesse maximale autorisée</a:t>
             </a:r>
           </a:p>
         </p:txBody>
@@ -17593,7 +20976,7 @@
           <p:nvPr>
             <p:extLst>
               <p:ext uri="{D42A27DB-BD31-4B8C-83A1-F6EECF244321}">
-                <p14:modId xmlns:p14="http://schemas.microsoft.com/office/powerpoint/2010/main" val="4224140721"/>
+                <p14:modId xmlns:p14="http://schemas.microsoft.com/office/powerpoint/2010/main" val="4283993526"/>
               </p:ext>
             </p:extLst>
           </p:nvPr>
@@ -17740,7 +21123,10 @@
                     <a:lstStyle/>
                     <a:p>
                       <a:pPr algn="ctr"/>
-                      <a:endParaRPr lang="fr-FR" sz="2200"/>
+                      <a:r>
+                        <a:rPr lang="fr-FR" sz="2200" dirty="0"/>
+                        <a:t>33%</a:t>
+                      </a:r>
                     </a:p>
                   </a:txBody>
                   <a:tcPr marL="112572" marR="112572" marT="56286" marB="56286" anchor="ctr"/>
@@ -17751,7 +21137,10 @@
                     <a:lstStyle/>
                     <a:p>
                       <a:pPr algn="ctr"/>
-                      <a:endParaRPr lang="fr-FR" sz="2200"/>
+                      <a:r>
+                        <a:rPr lang="fr-FR" sz="2200" dirty="0"/>
+                        <a:t>32%</a:t>
+                      </a:r>
                     </a:p>
                   </a:txBody>
                   <a:tcPr marL="112572" marR="112572" marT="56286" marB="56286" anchor="ctr"/>
@@ -17797,7 +21186,10 @@
                     <a:lstStyle/>
                     <a:p>
                       <a:pPr algn="ctr"/>
-                      <a:endParaRPr lang="fr-FR" sz="2200"/>
+                      <a:r>
+                        <a:rPr lang="fr-FR" sz="2200" dirty="0"/>
+                        <a:t>Tous les usagers</a:t>
+                      </a:r>
                     </a:p>
                   </a:txBody>
                   <a:tcPr marL="112572" marR="112572" marT="56286" marB="56286" anchor="ctr"/>
@@ -17808,7 +21200,10 @@
                     <a:lstStyle/>
                     <a:p>
                       <a:pPr algn="ctr"/>
-                      <a:endParaRPr lang="fr-FR" sz="2200"/>
+                      <a:r>
+                        <a:rPr lang="fr-FR" sz="2200" dirty="0"/>
+                        <a:t>Tous les usagers</a:t>
+                      </a:r>
                     </a:p>
                   </a:txBody>
                   <a:tcPr marL="112572" marR="112572" marT="56286" marB="56286" anchor="ctr"/>
@@ -17854,7 +21249,10 @@
                     <a:lstStyle/>
                     <a:p>
                       <a:pPr algn="ctr"/>
-                      <a:endParaRPr lang="fr-FR" sz="2200" dirty="0"/>
+                      <a:r>
+                        <a:rPr lang="fr-FR" sz="2200" dirty="0"/>
+                        <a:t>14</a:t>
+                      </a:r>
                     </a:p>
                   </a:txBody>
                   <a:tcPr marL="112572" marR="112572" marT="56286" marB="56286" anchor="ctr"/>
@@ -17865,7 +21263,10 @@
                     <a:lstStyle/>
                     <a:p>
                       <a:pPr algn="ctr"/>
-                      <a:endParaRPr lang="fr-FR" sz="2200" dirty="0"/>
+                      <a:r>
+                        <a:rPr lang="fr-FR" sz="2200" dirty="0"/>
+                        <a:t>14</a:t>
+                      </a:r>
                     </a:p>
                   </a:txBody>
                   <a:tcPr marL="112572" marR="112572" marT="56286" marB="56286" anchor="ctr"/>
@@ -18417,21 +21818,69 @@
         </p:spPr>
         <p:txBody>
           <a:bodyPr anchor="t">
-            <a:normAutofit/>
+            <a:normAutofit fontScale="90000"/>
           </a:bodyPr>
           <a:lstStyle/>
           <a:p>
             <a:r>
-              <a:rPr lang="fr-FR" sz="4600" dirty="0">
+              <a:rPr lang="fr-FR" sz="4600">
                 <a:solidFill>
                   <a:srgbClr val="FFFFFF"/>
                 </a:solidFill>
               </a:rPr>
-              <a:t>Modèle choisi</a:t>
+              <a:t>Modèle choisi : </a:t>
             </a:r>
+            <a:br>
+              <a:rPr lang="fr-FR" sz="4600">
+                <a:solidFill>
+                  <a:srgbClr val="FFFFFF"/>
+                </a:solidFill>
+              </a:rPr>
+            </a:br>
+            <a:r>
+              <a:rPr lang="fr-FR" sz="4600">
+                <a:solidFill>
+                  <a:srgbClr val="FFFFFF"/>
+                </a:solidFill>
+              </a:rPr>
+              <a:t>Random Forest</a:t>
+            </a:r>
+            <a:endParaRPr lang="fr-FR" sz="4600" dirty="0">
+              <a:solidFill>
+                <a:srgbClr val="FFFFFF"/>
+              </a:solidFill>
+            </a:endParaRPr>
           </a:p>
         </p:txBody>
       </p:sp>
+      <p:graphicFrame>
+        <p:nvGraphicFramePr>
+          <p:cNvPr id="5" name="Diagramme 4">
+            <a:extLst>
+              <a:ext uri="{FF2B5EF4-FFF2-40B4-BE49-F238E27FC236}">
+                <a16:creationId xmlns:a16="http://schemas.microsoft.com/office/drawing/2014/main" id="{A49E741D-A0C5-8E49-BCF8-2719BD47D19F}"/>
+              </a:ext>
+            </a:extLst>
+          </p:cNvPr>
+          <p:cNvGraphicFramePr/>
+          <p:nvPr>
+            <p:extLst>
+              <p:ext uri="{D42A27DB-BD31-4B8C-83A1-F6EECF244321}">
+                <p14:modId xmlns:p14="http://schemas.microsoft.com/office/powerpoint/2010/main" val="3448294689"/>
+              </p:ext>
+            </p:extLst>
+          </p:nvPr>
+        </p:nvGraphicFramePr>
+        <p:xfrm>
+          <a:off x="3316406" y="2288792"/>
+          <a:ext cx="7951176" cy="3770924"/>
+        </p:xfrm>
+        <a:graphic>
+          <a:graphicData uri="http://schemas.openxmlformats.org/drawingml/2006/diagram">
+            <dgm:relIds xmlns:dgm="http://schemas.openxmlformats.org/drawingml/2006/diagram" xmlns:r="http://schemas.openxmlformats.org/officeDocument/2006/relationships" r:dm="rId2" r:lo="rId3" r:qs="rId4" r:cs="rId5"/>
+          </a:graphicData>
+        </a:graphic>
+      </p:graphicFrame>
     </p:spTree>
     <p:extLst>
       <p:ext uri="{BB962C8B-B14F-4D97-AF65-F5344CB8AC3E}">
@@ -19673,6 +23122,11 @@
           </p:cNvGraphicFramePr>
           <p:nvPr>
             <p:ph idx="1"/>
+            <p:extLst>
+              <p:ext uri="{D42A27DB-BD31-4B8C-83A1-F6EECF244321}">
+                <p14:modId xmlns:p14="http://schemas.microsoft.com/office/powerpoint/2010/main" val="236490205"/>
+              </p:ext>
+            </p:extLst>
           </p:nvPr>
         </p:nvGraphicFramePr>
         <p:xfrm>
@@ -19716,7 +23170,7 @@
         </p:blipFill>
         <p:spPr>
           <a:xfrm>
-            <a:off x="10439401" y="3665223"/>
+            <a:off x="10439401" y="2551310"/>
             <a:ext cx="914400" cy="914400"/>
           </a:xfrm>
           <a:prstGeom prst="rect">
@@ -19755,7 +23209,46 @@
         </p:blipFill>
         <p:spPr>
           <a:xfrm>
-            <a:off x="10439401" y="1984381"/>
+            <a:off x="10439401" y="929646"/>
+            <a:ext cx="914400" cy="914400"/>
+          </a:xfrm>
+          <a:prstGeom prst="rect">
+            <a:avLst/>
+          </a:prstGeom>
+        </p:spPr>
+      </p:pic>
+      <p:pic>
+        <p:nvPicPr>
+          <p:cNvPr id="8" name="Graphique 7" descr="Badge Tick1 avec un remplissage uni">
+            <a:extLst>
+              <a:ext uri="{FF2B5EF4-FFF2-40B4-BE49-F238E27FC236}">
+                <a16:creationId xmlns:a16="http://schemas.microsoft.com/office/drawing/2014/main" id="{7EDF23EC-B3BD-1A4F-9233-F6C19949295A}"/>
+              </a:ext>
+            </a:extLst>
+          </p:cNvPr>
+          <p:cNvPicPr>
+            <a:picLocks noChangeAspect="1"/>
+          </p:cNvPicPr>
+          <p:nvPr/>
+        </p:nvPicPr>
+        <p:blipFill>
+          <a:blip r:embed="rId9">
+            <a:extLst>
+              <a:ext uri="{28A0092B-C50C-407E-A947-70E740481C1C}">
+                <a14:useLocalDpi xmlns:a14="http://schemas.microsoft.com/office/drawing/2010/main" val="0"/>
+              </a:ext>
+              <a:ext uri="{96DAC541-7B7A-43D3-8B79-37D633B846F1}">
+                <asvg:svgBlip xmlns:asvg="http://schemas.microsoft.com/office/drawing/2016/SVG/main" r:embed="rId10"/>
+              </a:ext>
+            </a:extLst>
+          </a:blip>
+          <a:stretch>
+            <a:fillRect/>
+          </a:stretch>
+        </p:blipFill>
+        <p:spPr>
+          <a:xfrm>
+            <a:off x="10451911" y="3491487"/>
             <a:ext cx="914400" cy="914400"/>
           </a:xfrm>
           <a:prstGeom prst="rect">
